--- a/答辩ppt.pptx
+++ b/答辩ppt.pptx
@@ -10,13 +10,15 @@
     <p:sldId id="258" r:id="rId4"/>
     <p:sldId id="259" r:id="rId5"/>
     <p:sldId id="260" r:id="rId6"/>
-    <p:sldId id="261" r:id="rId7"/>
-    <p:sldId id="262" r:id="rId8"/>
-    <p:sldId id="263" r:id="rId9"/>
-    <p:sldId id="264" r:id="rId10"/>
-    <p:sldId id="265" r:id="rId11"/>
-    <p:sldId id="266" r:id="rId12"/>
-    <p:sldId id="267" r:id="rId13"/>
+    <p:sldId id="269" r:id="rId7"/>
+    <p:sldId id="270" r:id="rId8"/>
+    <p:sldId id="268" r:id="rId9"/>
+    <p:sldId id="262" r:id="rId10"/>
+    <p:sldId id="263" r:id="rId11"/>
+    <p:sldId id="264" r:id="rId12"/>
+    <p:sldId id="265" r:id="rId13"/>
+    <p:sldId id="266" r:id="rId14"/>
+    <p:sldId id="267" r:id="rId15"/>
   </p:sldIdLst>
   <p:sldSz cx="12192000" cy="6858000"/>
   <p:notesSz cx="6858000" cy="9144000"/>
@@ -145,6 +147,11 @@
       </a:defRPr>
     </a:lvl9pPr>
   </p:defaultTextStyle>
+  <p:extLst>
+    <p:ext uri="{EFAFB233-063F-42B5-8137-9DF3F51BA10A}">
+      <p15:sldGuideLst xmlns:p15="http://schemas.microsoft.com/office/powerpoint/2012/main"/>
+    </p:ext>
+  </p:extLst>
 </p:presentation>
 </file>
 
@@ -8142,7 +8149,7 @@
           <a:bodyPr/>
           <a:lstStyle/>
           <a:p>
-            <a:endParaRPr lang="en-US" altLang="en-US" smtClean="0"/>
+            <a:endParaRPr lang="en-US" altLang="en-US" dirty="0" smtClean="0"/>
           </a:p>
         </p:txBody>
       </p:sp>
@@ -8173,7 +8180,118 @@
       </p:sp>
       <p:pic>
         <p:nvPicPr>
-          <p:cNvPr id="19460" name="图片 5"/>
+          <p:cNvPr id="2" name="图片 1"/>
+          <p:cNvPicPr>
+            <a:picLocks noChangeAspect="1"/>
+          </p:cNvPicPr>
+          <p:nvPr/>
+        </p:nvPicPr>
+        <p:blipFill>
+          <a:blip r:embed="rId2">
+            <a:extLst>
+              <a:ext uri="{28A0092B-C50C-407E-A947-70E740481C1C}">
+                <a14:useLocalDpi xmlns:a14="http://schemas.microsoft.com/office/drawing/2010/main" val="0"/>
+              </a:ext>
+            </a:extLst>
+          </a:blip>
+          <a:stretch>
+            <a:fillRect/>
+          </a:stretch>
+        </p:blipFill>
+        <p:spPr>
+          <a:xfrm>
+            <a:off x="1438808" y="2972115"/>
+            <a:ext cx="2287712" cy="896255"/>
+          </a:xfrm>
+          <a:prstGeom prst="rect">
+            <a:avLst/>
+          </a:prstGeom>
+        </p:spPr>
+      </p:pic>
+      <p:pic>
+        <p:nvPicPr>
+          <p:cNvPr id="4" name="图片 3"/>
+          <p:cNvPicPr>
+            <a:picLocks noChangeAspect="1"/>
+          </p:cNvPicPr>
+          <p:nvPr/>
+        </p:nvPicPr>
+        <p:blipFill>
+          <a:blip r:embed="rId3">
+            <a:extLst>
+              <a:ext uri="{28A0092B-C50C-407E-A947-70E740481C1C}">
+                <a14:useLocalDpi xmlns:a14="http://schemas.microsoft.com/office/drawing/2010/main" val="0"/>
+              </a:ext>
+            </a:extLst>
+          </a:blip>
+          <a:stretch>
+            <a:fillRect/>
+          </a:stretch>
+        </p:blipFill>
+        <p:spPr>
+          <a:xfrm>
+            <a:off x="226030" y="2885559"/>
+            <a:ext cx="1069369" cy="1069369"/>
+          </a:xfrm>
+          <a:prstGeom prst="rect">
+            <a:avLst/>
+          </a:prstGeom>
+        </p:spPr>
+      </p:pic>
+    </p:spTree>
+  </p:cSld>
+  <p:clrMapOvr>
+    <a:masterClrMapping/>
+  </p:clrMapOvr>
+  <p:timing>
+    <p:tnLst>
+      <p:par>
+        <p:cTn id="1" dur="indefinite" restart="never" nodeType="tmRoot"/>
+      </p:par>
+    </p:tnLst>
+  </p:timing>
+</p:sld>
+</file>
+
+<file path=ppt/slides/slide10.xml><?xml version="1.0" encoding="utf-8"?>
+<p:sld xmlns:a="http://schemas.openxmlformats.org/drawingml/2006/main" xmlns:r="http://schemas.openxmlformats.org/officeDocument/2006/relationships" xmlns:p="http://schemas.openxmlformats.org/presentationml/2006/main">
+  <p:cSld>
+    <p:spTree>
+      <p:nvGrpSpPr>
+        <p:cNvPr id="1" name=""/>
+        <p:cNvGrpSpPr/>
+        <p:nvPr/>
+      </p:nvGrpSpPr>
+      <p:grpSpPr>
+        <a:xfrm>
+          <a:off x="0" y="0"/>
+          <a:ext cx="0" cy="0"/>
+          <a:chOff x="0" y="0"/>
+          <a:chExt cx="0" cy="0"/>
+        </a:xfrm>
+      </p:grpSpPr>
+      <p:sp>
+        <p:nvSpPr>
+          <p:cNvPr id="26626" name="竖排标题 3"/>
+          <p:cNvSpPr>
+            <a:spLocks noGrp="1"/>
+          </p:cNvSpPr>
+          <p:nvPr>
+            <p:ph type="title" orient="vert"/>
+          </p:nvPr>
+        </p:nvSpPr>
+        <p:spPr/>
+        <p:txBody>
+          <a:bodyPr/>
+          <a:lstStyle/>
+          <a:p>
+            <a:endParaRPr lang="en-US" altLang="en-US" smtClean="0"/>
+          </a:p>
+        </p:txBody>
+      </p:sp>
+      <p:pic>
+        <p:nvPicPr>
+          <p:cNvPr id="6" name="内容占位符 3"/>
           <p:cNvPicPr>
             <a:picLocks noChangeAspect="1"/>
           </p:cNvPicPr>
@@ -8194,8 +8312,2179 @@
         </p:blipFill>
         <p:spPr bwMode="auto">
           <a:xfrm>
-            <a:off x="9047163" y="2589213"/>
-            <a:ext cx="3068637" cy="1660525"/>
+            <a:off x="0" y="0"/>
+            <a:ext cx="9067800" cy="6843713"/>
+          </a:xfrm>
+          <a:prstGeom prst="rect">
+            <a:avLst/>
+          </a:prstGeom>
+          <a:noFill/>
+          <a:ln>
+            <a:noFill/>
+          </a:ln>
+          <a:extLst>
+            <a:ext uri="{909E8E84-426E-40DD-AFC4-6F175D3DCCD1}">
+              <a14:hiddenFill xmlns:a14="http://schemas.microsoft.com/office/drawing/2010/main">
+                <a:solidFill>
+                  <a:srgbClr val="FFFFFF"/>
+                </a:solidFill>
+              </a14:hiddenFill>
+            </a:ext>
+            <a:ext uri="{91240B29-F687-4F45-9708-019B960494DF}">
+              <a14:hiddenLine xmlns:a14="http://schemas.microsoft.com/office/drawing/2010/main" w="9525">
+                <a:solidFill>
+                  <a:srgbClr val="000000"/>
+                </a:solidFill>
+                <a:miter lim="800000"/>
+                <a:headEnd/>
+                <a:tailEnd/>
+              </a14:hiddenLine>
+            </a:ext>
+          </a:extLst>
+        </p:spPr>
+      </p:pic>
+      <p:sp>
+        <p:nvSpPr>
+          <p:cNvPr id="7" name="椭圆 6"/>
+          <p:cNvSpPr/>
+          <p:nvPr/>
+        </p:nvSpPr>
+        <p:spPr>
+          <a:xfrm>
+            <a:off x="5105400" y="1833563"/>
+            <a:ext cx="1371600" cy="1066800"/>
+          </a:xfrm>
+          <a:prstGeom prst="ellipse">
+            <a:avLst/>
+          </a:prstGeom>
+          <a:noFill/>
+          <a:ln>
+            <a:solidFill>
+              <a:srgbClr val="FF0000"/>
+            </a:solidFill>
+          </a:ln>
+        </p:spPr>
+        <p:style>
+          <a:lnRef idx="2">
+            <a:schemeClr val="accent1">
+              <a:shade val="50000"/>
+            </a:schemeClr>
+          </a:lnRef>
+          <a:fillRef idx="1">
+            <a:schemeClr val="accent1"/>
+          </a:fillRef>
+          <a:effectRef idx="0">
+            <a:schemeClr val="accent1"/>
+          </a:effectRef>
+          <a:fontRef idx="minor">
+            <a:schemeClr val="lt1"/>
+          </a:fontRef>
+        </p:style>
+        <p:txBody>
+          <a:bodyPr anchor="ctr"/>
+          <a:lstStyle/>
+          <a:p>
+            <a:pPr algn="ctr" eaLnBrk="1" fontAlgn="auto" hangingPunct="1">
+              <a:spcBef>
+                <a:spcPts val="0"/>
+              </a:spcBef>
+              <a:spcAft>
+                <a:spcPts val="0"/>
+              </a:spcAft>
+              <a:defRPr/>
+            </a:pPr>
+            <a:endParaRPr lang="en-US"/>
+          </a:p>
+        </p:txBody>
+      </p:sp>
+      <p:sp>
+        <p:nvSpPr>
+          <p:cNvPr id="8" name="椭圆 7"/>
+          <p:cNvSpPr/>
+          <p:nvPr/>
+        </p:nvSpPr>
+        <p:spPr>
+          <a:xfrm>
+            <a:off x="4438650" y="3694113"/>
+            <a:ext cx="1333500" cy="838200"/>
+          </a:xfrm>
+          <a:prstGeom prst="ellipse">
+            <a:avLst/>
+          </a:prstGeom>
+          <a:noFill/>
+          <a:ln>
+            <a:solidFill>
+              <a:srgbClr val="FF0000"/>
+            </a:solidFill>
+          </a:ln>
+        </p:spPr>
+        <p:style>
+          <a:lnRef idx="2">
+            <a:schemeClr val="accent1">
+              <a:shade val="50000"/>
+            </a:schemeClr>
+          </a:lnRef>
+          <a:fillRef idx="1">
+            <a:schemeClr val="accent1"/>
+          </a:fillRef>
+          <a:effectRef idx="0">
+            <a:schemeClr val="accent1"/>
+          </a:effectRef>
+          <a:fontRef idx="minor">
+            <a:schemeClr val="lt1"/>
+          </a:fontRef>
+        </p:style>
+        <p:txBody>
+          <a:bodyPr anchor="ctr"/>
+          <a:lstStyle/>
+          <a:p>
+            <a:pPr algn="ctr" eaLnBrk="1" fontAlgn="auto" hangingPunct="1">
+              <a:spcBef>
+                <a:spcPts val="0"/>
+              </a:spcBef>
+              <a:spcAft>
+                <a:spcPts val="0"/>
+              </a:spcAft>
+              <a:defRPr/>
+            </a:pPr>
+            <a:endParaRPr lang="en-US"/>
+          </a:p>
+        </p:txBody>
+      </p:sp>
+      <p:sp>
+        <p:nvSpPr>
+          <p:cNvPr id="9" name="椭圆 8"/>
+          <p:cNvSpPr/>
+          <p:nvPr/>
+        </p:nvSpPr>
+        <p:spPr>
+          <a:xfrm>
+            <a:off x="381000" y="3279775"/>
+            <a:ext cx="1447800" cy="774700"/>
+          </a:xfrm>
+          <a:prstGeom prst="ellipse">
+            <a:avLst/>
+          </a:prstGeom>
+          <a:noFill/>
+          <a:ln>
+            <a:solidFill>
+              <a:srgbClr val="FF0000"/>
+            </a:solidFill>
+          </a:ln>
+        </p:spPr>
+        <p:style>
+          <a:lnRef idx="2">
+            <a:schemeClr val="accent1">
+              <a:shade val="50000"/>
+            </a:schemeClr>
+          </a:lnRef>
+          <a:fillRef idx="1">
+            <a:schemeClr val="accent1"/>
+          </a:fillRef>
+          <a:effectRef idx="0">
+            <a:schemeClr val="accent1"/>
+          </a:effectRef>
+          <a:fontRef idx="minor">
+            <a:schemeClr val="lt1"/>
+          </a:fontRef>
+        </p:style>
+        <p:txBody>
+          <a:bodyPr anchor="ctr"/>
+          <a:lstStyle/>
+          <a:p>
+            <a:pPr algn="ctr" eaLnBrk="1" fontAlgn="auto" hangingPunct="1">
+              <a:spcBef>
+                <a:spcPts val="0"/>
+              </a:spcBef>
+              <a:spcAft>
+                <a:spcPts val="0"/>
+              </a:spcAft>
+              <a:defRPr/>
+            </a:pPr>
+            <a:endParaRPr lang="en-US"/>
+          </a:p>
+        </p:txBody>
+      </p:sp>
+      <p:sp>
+        <p:nvSpPr>
+          <p:cNvPr id="10" name="椭圆 9"/>
+          <p:cNvSpPr/>
+          <p:nvPr/>
+        </p:nvSpPr>
+        <p:spPr>
+          <a:xfrm>
+            <a:off x="598488" y="1878013"/>
+            <a:ext cx="1905000" cy="1295400"/>
+          </a:xfrm>
+          <a:prstGeom prst="ellipse">
+            <a:avLst/>
+          </a:prstGeom>
+          <a:noFill/>
+          <a:ln>
+            <a:solidFill>
+              <a:srgbClr val="FF0000"/>
+            </a:solidFill>
+          </a:ln>
+        </p:spPr>
+        <p:style>
+          <a:lnRef idx="2">
+            <a:schemeClr val="accent1">
+              <a:shade val="50000"/>
+            </a:schemeClr>
+          </a:lnRef>
+          <a:fillRef idx="1">
+            <a:schemeClr val="accent1"/>
+          </a:fillRef>
+          <a:effectRef idx="0">
+            <a:schemeClr val="accent1"/>
+          </a:effectRef>
+          <a:fontRef idx="minor">
+            <a:schemeClr val="lt1"/>
+          </a:fontRef>
+        </p:style>
+        <p:txBody>
+          <a:bodyPr anchor="ctr"/>
+          <a:lstStyle/>
+          <a:p>
+            <a:pPr algn="ctr" eaLnBrk="1" fontAlgn="auto" hangingPunct="1">
+              <a:spcBef>
+                <a:spcPts val="0"/>
+              </a:spcBef>
+              <a:spcAft>
+                <a:spcPts val="0"/>
+              </a:spcAft>
+              <a:defRPr/>
+            </a:pPr>
+            <a:endParaRPr lang="en-US"/>
+          </a:p>
+        </p:txBody>
+      </p:sp>
+      <p:sp>
+        <p:nvSpPr>
+          <p:cNvPr id="11" name="椭圆 10"/>
+          <p:cNvSpPr/>
+          <p:nvPr/>
+        </p:nvSpPr>
+        <p:spPr>
+          <a:xfrm>
+            <a:off x="3143250" y="2595563"/>
+            <a:ext cx="762000" cy="1066800"/>
+          </a:xfrm>
+          <a:prstGeom prst="ellipse">
+            <a:avLst/>
+          </a:prstGeom>
+          <a:noFill/>
+          <a:ln>
+            <a:solidFill>
+              <a:srgbClr val="FF0000"/>
+            </a:solidFill>
+          </a:ln>
+        </p:spPr>
+        <p:style>
+          <a:lnRef idx="2">
+            <a:schemeClr val="accent1">
+              <a:shade val="50000"/>
+            </a:schemeClr>
+          </a:lnRef>
+          <a:fillRef idx="1">
+            <a:schemeClr val="accent1"/>
+          </a:fillRef>
+          <a:effectRef idx="0">
+            <a:schemeClr val="accent1"/>
+          </a:effectRef>
+          <a:fontRef idx="minor">
+            <a:schemeClr val="lt1"/>
+          </a:fontRef>
+        </p:style>
+        <p:txBody>
+          <a:bodyPr anchor="ctr"/>
+          <a:lstStyle/>
+          <a:p>
+            <a:pPr algn="ctr" eaLnBrk="1" fontAlgn="auto" hangingPunct="1">
+              <a:spcBef>
+                <a:spcPts val="0"/>
+              </a:spcBef>
+              <a:spcAft>
+                <a:spcPts val="0"/>
+              </a:spcAft>
+              <a:defRPr/>
+            </a:pPr>
+            <a:endParaRPr lang="en-US"/>
+          </a:p>
+        </p:txBody>
+      </p:sp>
+      <p:cxnSp>
+        <p:nvCxnSpPr>
+          <p:cNvPr id="12" name="直接箭头连接符 11"/>
+          <p:cNvCxnSpPr/>
+          <p:nvPr/>
+        </p:nvCxnSpPr>
+        <p:spPr>
+          <a:xfrm flipV="1">
+            <a:off x="6477000" y="1071563"/>
+            <a:ext cx="990600" cy="1143000"/>
+          </a:xfrm>
+          <a:prstGeom prst="straightConnector1">
+            <a:avLst/>
+          </a:prstGeom>
+          <a:ln w="28575">
+            <a:solidFill>
+              <a:srgbClr val="FF0000"/>
+            </a:solidFill>
+            <a:tailEnd type="triangle"/>
+          </a:ln>
+        </p:spPr>
+        <p:style>
+          <a:lnRef idx="1">
+            <a:schemeClr val="accent1"/>
+          </a:lnRef>
+          <a:fillRef idx="0">
+            <a:schemeClr val="accent1"/>
+          </a:fillRef>
+          <a:effectRef idx="0">
+            <a:schemeClr val="accent1"/>
+          </a:effectRef>
+          <a:fontRef idx="minor">
+            <a:schemeClr val="tx1"/>
+          </a:fontRef>
+        </p:style>
+      </p:cxnSp>
+      <p:cxnSp>
+        <p:nvCxnSpPr>
+          <p:cNvPr id="13" name="直接箭头连接符 12"/>
+          <p:cNvCxnSpPr>
+            <a:stCxn id="8" idx="5"/>
+          </p:cNvCxnSpPr>
+          <p:nvPr/>
+        </p:nvCxnSpPr>
+        <p:spPr>
+          <a:xfrm>
+            <a:off x="5576888" y="4408488"/>
+            <a:ext cx="1223962" cy="912812"/>
+          </a:xfrm>
+          <a:prstGeom prst="straightConnector1">
+            <a:avLst/>
+          </a:prstGeom>
+          <a:ln w="28575">
+            <a:solidFill>
+              <a:srgbClr val="FF0000"/>
+            </a:solidFill>
+            <a:tailEnd type="triangle"/>
+          </a:ln>
+        </p:spPr>
+        <p:style>
+          <a:lnRef idx="1">
+            <a:schemeClr val="accent1"/>
+          </a:lnRef>
+          <a:fillRef idx="0">
+            <a:schemeClr val="accent1"/>
+          </a:fillRef>
+          <a:effectRef idx="0">
+            <a:schemeClr val="accent1"/>
+          </a:effectRef>
+          <a:fontRef idx="minor">
+            <a:schemeClr val="tx1"/>
+          </a:fontRef>
+        </p:style>
+      </p:cxnSp>
+      <p:cxnSp>
+        <p:nvCxnSpPr>
+          <p:cNvPr id="14" name="直接箭头连接符 13"/>
+          <p:cNvCxnSpPr>
+            <a:stCxn id="11" idx="4"/>
+          </p:cNvCxnSpPr>
+          <p:nvPr/>
+        </p:nvCxnSpPr>
+        <p:spPr>
+          <a:xfrm flipH="1">
+            <a:off x="2743200" y="3662363"/>
+            <a:ext cx="781050" cy="2286000"/>
+          </a:xfrm>
+          <a:prstGeom prst="straightConnector1">
+            <a:avLst/>
+          </a:prstGeom>
+          <a:ln w="28575">
+            <a:solidFill>
+              <a:srgbClr val="FF0000"/>
+            </a:solidFill>
+            <a:tailEnd type="triangle"/>
+          </a:ln>
+        </p:spPr>
+        <p:style>
+          <a:lnRef idx="1">
+            <a:schemeClr val="accent1"/>
+          </a:lnRef>
+          <a:fillRef idx="0">
+            <a:schemeClr val="accent1"/>
+          </a:fillRef>
+          <a:effectRef idx="0">
+            <a:schemeClr val="accent1"/>
+          </a:effectRef>
+          <a:fontRef idx="minor">
+            <a:schemeClr val="tx1"/>
+          </a:fontRef>
+        </p:style>
+      </p:cxnSp>
+      <p:cxnSp>
+        <p:nvCxnSpPr>
+          <p:cNvPr id="15" name="直接箭头连接符 14"/>
+          <p:cNvCxnSpPr>
+            <a:stCxn id="10" idx="0"/>
+          </p:cNvCxnSpPr>
+          <p:nvPr/>
+        </p:nvCxnSpPr>
+        <p:spPr>
+          <a:xfrm flipV="1">
+            <a:off x="1550988" y="766763"/>
+            <a:ext cx="49212" cy="1111250"/>
+          </a:xfrm>
+          <a:prstGeom prst="straightConnector1">
+            <a:avLst/>
+          </a:prstGeom>
+          <a:ln w="28575">
+            <a:solidFill>
+              <a:srgbClr val="FF0000"/>
+            </a:solidFill>
+            <a:tailEnd type="triangle"/>
+          </a:ln>
+        </p:spPr>
+        <p:style>
+          <a:lnRef idx="1">
+            <a:schemeClr val="accent1"/>
+          </a:lnRef>
+          <a:fillRef idx="0">
+            <a:schemeClr val="accent1"/>
+          </a:fillRef>
+          <a:effectRef idx="0">
+            <a:schemeClr val="accent1"/>
+          </a:effectRef>
+          <a:fontRef idx="minor">
+            <a:schemeClr val="tx1"/>
+          </a:fontRef>
+        </p:style>
+      </p:cxnSp>
+      <p:cxnSp>
+        <p:nvCxnSpPr>
+          <p:cNvPr id="16" name="直接箭头连接符 15"/>
+          <p:cNvCxnSpPr>
+            <a:stCxn id="9" idx="4"/>
+          </p:cNvCxnSpPr>
+          <p:nvPr/>
+        </p:nvCxnSpPr>
+        <p:spPr>
+          <a:xfrm flipH="1">
+            <a:off x="914400" y="4054475"/>
+            <a:ext cx="190500" cy="903288"/>
+          </a:xfrm>
+          <a:prstGeom prst="straightConnector1">
+            <a:avLst/>
+          </a:prstGeom>
+          <a:ln w="28575">
+            <a:solidFill>
+              <a:srgbClr val="FF0000"/>
+            </a:solidFill>
+            <a:tailEnd type="triangle"/>
+          </a:ln>
+        </p:spPr>
+        <p:style>
+          <a:lnRef idx="1">
+            <a:schemeClr val="accent1"/>
+          </a:lnRef>
+          <a:fillRef idx="0">
+            <a:schemeClr val="accent1"/>
+          </a:fillRef>
+          <a:effectRef idx="0">
+            <a:schemeClr val="accent1"/>
+          </a:effectRef>
+          <a:fontRef idx="minor">
+            <a:schemeClr val="tx1"/>
+          </a:fontRef>
+        </p:style>
+      </p:cxnSp>
+      <p:sp>
+        <p:nvSpPr>
+          <p:cNvPr id="17" name="文本框 16"/>
+          <p:cNvSpPr txBox="1">
+            <a:spLocks noChangeArrowheads="1"/>
+          </p:cNvSpPr>
+          <p:nvPr/>
+        </p:nvSpPr>
+        <p:spPr bwMode="auto">
+          <a:xfrm>
+            <a:off x="1109663" y="368300"/>
+            <a:ext cx="1284287" cy="381000"/>
+          </a:xfrm>
+          <a:prstGeom prst="rect">
+            <a:avLst/>
+          </a:prstGeom>
+          <a:noFill/>
+          <a:ln>
+            <a:noFill/>
+          </a:ln>
+          <a:extLst>
+            <a:ext uri="{909E8E84-426E-40DD-AFC4-6F175D3DCCD1}">
+              <a14:hiddenFill xmlns:a14="http://schemas.microsoft.com/office/drawing/2010/main">
+                <a:solidFill>
+                  <a:srgbClr val="FFFFFF"/>
+                </a:solidFill>
+              </a14:hiddenFill>
+            </a:ext>
+            <a:ext uri="{91240B29-F687-4F45-9708-019B960494DF}">
+              <a14:hiddenLine xmlns:a14="http://schemas.microsoft.com/office/drawing/2010/main" w="9525">
+                <a:solidFill>
+                  <a:srgbClr val="000000"/>
+                </a:solidFill>
+                <a:miter lim="800000"/>
+                <a:headEnd/>
+                <a:tailEnd/>
+              </a14:hiddenLine>
+            </a:ext>
+          </a:extLst>
+        </p:spPr>
+        <p:txBody>
+          <a:bodyPr>
+            <a:spAutoFit/>
+          </a:bodyPr>
+          <a:lstStyle>
+            <a:lvl1pPr>
+              <a:defRPr>
+                <a:solidFill>
+                  <a:schemeClr val="tx1"/>
+                </a:solidFill>
+                <a:latin typeface="Trebuchet MS" panose="020B0603020202020204" pitchFamily="34" charset="0"/>
+              </a:defRPr>
+            </a:lvl1pPr>
+            <a:lvl2pPr marL="742950" indent="-285750">
+              <a:defRPr>
+                <a:solidFill>
+                  <a:schemeClr val="tx1"/>
+                </a:solidFill>
+                <a:latin typeface="Trebuchet MS" panose="020B0603020202020204" pitchFamily="34" charset="0"/>
+              </a:defRPr>
+            </a:lvl2pPr>
+            <a:lvl3pPr marL="1143000" indent="-228600">
+              <a:defRPr>
+                <a:solidFill>
+                  <a:schemeClr val="tx1"/>
+                </a:solidFill>
+                <a:latin typeface="Trebuchet MS" panose="020B0603020202020204" pitchFamily="34" charset="0"/>
+              </a:defRPr>
+            </a:lvl3pPr>
+            <a:lvl4pPr marL="1600200" indent="-228600">
+              <a:defRPr>
+                <a:solidFill>
+                  <a:schemeClr val="tx1"/>
+                </a:solidFill>
+                <a:latin typeface="Trebuchet MS" panose="020B0603020202020204" pitchFamily="34" charset="0"/>
+              </a:defRPr>
+            </a:lvl4pPr>
+            <a:lvl5pPr marL="2057400" indent="-228600">
+              <a:defRPr>
+                <a:solidFill>
+                  <a:schemeClr val="tx1"/>
+                </a:solidFill>
+                <a:latin typeface="Trebuchet MS" panose="020B0603020202020204" pitchFamily="34" charset="0"/>
+              </a:defRPr>
+            </a:lvl5pPr>
+            <a:lvl6pPr marL="2514600" indent="-228600" defTabSz="457200" fontAlgn="base">
+              <a:spcBef>
+                <a:spcPct val="0"/>
+              </a:spcBef>
+              <a:spcAft>
+                <a:spcPct val="0"/>
+              </a:spcAft>
+              <a:defRPr>
+                <a:solidFill>
+                  <a:schemeClr val="tx1"/>
+                </a:solidFill>
+                <a:latin typeface="Trebuchet MS" panose="020B0603020202020204" pitchFamily="34" charset="0"/>
+              </a:defRPr>
+            </a:lvl6pPr>
+            <a:lvl7pPr marL="2971800" indent="-228600" defTabSz="457200" fontAlgn="base">
+              <a:spcBef>
+                <a:spcPct val="0"/>
+              </a:spcBef>
+              <a:spcAft>
+                <a:spcPct val="0"/>
+              </a:spcAft>
+              <a:defRPr>
+                <a:solidFill>
+                  <a:schemeClr val="tx1"/>
+                </a:solidFill>
+                <a:latin typeface="Trebuchet MS" panose="020B0603020202020204" pitchFamily="34" charset="0"/>
+              </a:defRPr>
+            </a:lvl7pPr>
+            <a:lvl8pPr marL="3429000" indent="-228600" defTabSz="457200" fontAlgn="base">
+              <a:spcBef>
+                <a:spcPct val="0"/>
+              </a:spcBef>
+              <a:spcAft>
+                <a:spcPct val="0"/>
+              </a:spcAft>
+              <a:defRPr>
+                <a:solidFill>
+                  <a:schemeClr val="tx1"/>
+                </a:solidFill>
+                <a:latin typeface="Trebuchet MS" panose="020B0603020202020204" pitchFamily="34" charset="0"/>
+              </a:defRPr>
+            </a:lvl8pPr>
+            <a:lvl9pPr marL="3886200" indent="-228600" defTabSz="457200" fontAlgn="base">
+              <a:spcBef>
+                <a:spcPct val="0"/>
+              </a:spcBef>
+              <a:spcAft>
+                <a:spcPct val="0"/>
+              </a:spcAft>
+              <a:defRPr>
+                <a:solidFill>
+                  <a:schemeClr val="tx1"/>
+                </a:solidFill>
+                <a:latin typeface="Trebuchet MS" panose="020B0603020202020204" pitchFamily="34" charset="0"/>
+              </a:defRPr>
+            </a:lvl9pPr>
+          </a:lstStyle>
+          <a:p>
+            <a:pPr eaLnBrk="1" hangingPunct="1"/>
+            <a:r>
+              <a:rPr lang="zh-CN" altLang="en-US">
+                <a:solidFill>
+                  <a:srgbClr val="FF0000"/>
+                </a:solidFill>
+              </a:rPr>
+              <a:t>按键模块</a:t>
+            </a:r>
+            <a:endParaRPr lang="en-US" altLang="en-US">
+              <a:solidFill>
+                <a:srgbClr val="FF0000"/>
+              </a:solidFill>
+            </a:endParaRPr>
+          </a:p>
+        </p:txBody>
+      </p:sp>
+      <p:sp>
+        <p:nvSpPr>
+          <p:cNvPr id="18" name="文本框 17"/>
+          <p:cNvSpPr txBox="1">
+            <a:spLocks noChangeArrowheads="1"/>
+          </p:cNvSpPr>
+          <p:nvPr/>
+        </p:nvSpPr>
+        <p:spPr bwMode="auto">
+          <a:xfrm>
+            <a:off x="396875" y="4968875"/>
+            <a:ext cx="1017588" cy="368300"/>
+          </a:xfrm>
+          <a:prstGeom prst="rect">
+            <a:avLst/>
+          </a:prstGeom>
+          <a:noFill/>
+          <a:ln>
+            <a:noFill/>
+          </a:ln>
+          <a:extLst>
+            <a:ext uri="{909E8E84-426E-40DD-AFC4-6F175D3DCCD1}">
+              <a14:hiddenFill xmlns:a14="http://schemas.microsoft.com/office/drawing/2010/main">
+                <a:solidFill>
+                  <a:srgbClr val="FFFFFF"/>
+                </a:solidFill>
+              </a14:hiddenFill>
+            </a:ext>
+            <a:ext uri="{91240B29-F687-4F45-9708-019B960494DF}">
+              <a14:hiddenLine xmlns:a14="http://schemas.microsoft.com/office/drawing/2010/main" w="9525">
+                <a:solidFill>
+                  <a:srgbClr val="000000"/>
+                </a:solidFill>
+                <a:miter lim="800000"/>
+                <a:headEnd/>
+                <a:tailEnd/>
+              </a14:hiddenLine>
+            </a:ext>
+          </a:extLst>
+        </p:spPr>
+        <p:txBody>
+          <a:bodyPr>
+            <a:spAutoFit/>
+          </a:bodyPr>
+          <a:lstStyle>
+            <a:lvl1pPr>
+              <a:defRPr>
+                <a:solidFill>
+                  <a:schemeClr val="tx1"/>
+                </a:solidFill>
+                <a:latin typeface="Trebuchet MS" panose="020B0603020202020204" pitchFamily="34" charset="0"/>
+              </a:defRPr>
+            </a:lvl1pPr>
+            <a:lvl2pPr marL="742950" indent="-285750">
+              <a:defRPr>
+                <a:solidFill>
+                  <a:schemeClr val="tx1"/>
+                </a:solidFill>
+                <a:latin typeface="Trebuchet MS" panose="020B0603020202020204" pitchFamily="34" charset="0"/>
+              </a:defRPr>
+            </a:lvl2pPr>
+            <a:lvl3pPr marL="1143000" indent="-228600">
+              <a:defRPr>
+                <a:solidFill>
+                  <a:schemeClr val="tx1"/>
+                </a:solidFill>
+                <a:latin typeface="Trebuchet MS" panose="020B0603020202020204" pitchFamily="34" charset="0"/>
+              </a:defRPr>
+            </a:lvl3pPr>
+            <a:lvl4pPr marL="1600200" indent="-228600">
+              <a:defRPr>
+                <a:solidFill>
+                  <a:schemeClr val="tx1"/>
+                </a:solidFill>
+                <a:latin typeface="Trebuchet MS" panose="020B0603020202020204" pitchFamily="34" charset="0"/>
+              </a:defRPr>
+            </a:lvl4pPr>
+            <a:lvl5pPr marL="2057400" indent="-228600">
+              <a:defRPr>
+                <a:solidFill>
+                  <a:schemeClr val="tx1"/>
+                </a:solidFill>
+                <a:latin typeface="Trebuchet MS" panose="020B0603020202020204" pitchFamily="34" charset="0"/>
+              </a:defRPr>
+            </a:lvl5pPr>
+            <a:lvl6pPr marL="2514600" indent="-228600" defTabSz="457200" fontAlgn="base">
+              <a:spcBef>
+                <a:spcPct val="0"/>
+              </a:spcBef>
+              <a:spcAft>
+                <a:spcPct val="0"/>
+              </a:spcAft>
+              <a:defRPr>
+                <a:solidFill>
+                  <a:schemeClr val="tx1"/>
+                </a:solidFill>
+                <a:latin typeface="Trebuchet MS" panose="020B0603020202020204" pitchFamily="34" charset="0"/>
+              </a:defRPr>
+            </a:lvl6pPr>
+            <a:lvl7pPr marL="2971800" indent="-228600" defTabSz="457200" fontAlgn="base">
+              <a:spcBef>
+                <a:spcPct val="0"/>
+              </a:spcBef>
+              <a:spcAft>
+                <a:spcPct val="0"/>
+              </a:spcAft>
+              <a:defRPr>
+                <a:solidFill>
+                  <a:schemeClr val="tx1"/>
+                </a:solidFill>
+                <a:latin typeface="Trebuchet MS" panose="020B0603020202020204" pitchFamily="34" charset="0"/>
+              </a:defRPr>
+            </a:lvl7pPr>
+            <a:lvl8pPr marL="3429000" indent="-228600" defTabSz="457200" fontAlgn="base">
+              <a:spcBef>
+                <a:spcPct val="0"/>
+              </a:spcBef>
+              <a:spcAft>
+                <a:spcPct val="0"/>
+              </a:spcAft>
+              <a:defRPr>
+                <a:solidFill>
+                  <a:schemeClr val="tx1"/>
+                </a:solidFill>
+                <a:latin typeface="Trebuchet MS" panose="020B0603020202020204" pitchFamily="34" charset="0"/>
+              </a:defRPr>
+            </a:lvl8pPr>
+            <a:lvl9pPr marL="3886200" indent="-228600" defTabSz="457200" fontAlgn="base">
+              <a:spcBef>
+                <a:spcPct val="0"/>
+              </a:spcBef>
+              <a:spcAft>
+                <a:spcPct val="0"/>
+              </a:spcAft>
+              <a:defRPr>
+                <a:solidFill>
+                  <a:schemeClr val="tx1"/>
+                </a:solidFill>
+                <a:latin typeface="Trebuchet MS" panose="020B0603020202020204" pitchFamily="34" charset="0"/>
+              </a:defRPr>
+            </a:lvl9pPr>
+          </a:lstStyle>
+          <a:p>
+            <a:pPr eaLnBrk="1" hangingPunct="1"/>
+            <a:r>
+              <a:rPr lang="en-US" altLang="zh-CN">
+                <a:solidFill>
+                  <a:srgbClr val="FF0000"/>
+                </a:solidFill>
+              </a:rPr>
+              <a:t>GPS</a:t>
+            </a:r>
+            <a:r>
+              <a:rPr lang="zh-CN" altLang="en-US">
+                <a:solidFill>
+                  <a:srgbClr val="FF0000"/>
+                </a:solidFill>
+              </a:rPr>
+              <a:t>模块</a:t>
+            </a:r>
+            <a:endParaRPr lang="en-US" altLang="en-US">
+              <a:solidFill>
+                <a:srgbClr val="FF0000"/>
+              </a:solidFill>
+            </a:endParaRPr>
+          </a:p>
+        </p:txBody>
+      </p:sp>
+      <p:sp>
+        <p:nvSpPr>
+          <p:cNvPr id="19" name="文本框 18"/>
+          <p:cNvSpPr txBox="1">
+            <a:spLocks noChangeArrowheads="1"/>
+          </p:cNvSpPr>
+          <p:nvPr/>
+        </p:nvSpPr>
+        <p:spPr bwMode="auto">
+          <a:xfrm>
+            <a:off x="2124075" y="5934075"/>
+            <a:ext cx="1238250" cy="646113"/>
+          </a:xfrm>
+          <a:prstGeom prst="rect">
+            <a:avLst/>
+          </a:prstGeom>
+          <a:noFill/>
+          <a:ln>
+            <a:noFill/>
+          </a:ln>
+          <a:extLst>
+            <a:ext uri="{909E8E84-426E-40DD-AFC4-6F175D3DCCD1}">
+              <a14:hiddenFill xmlns:a14="http://schemas.microsoft.com/office/drawing/2010/main">
+                <a:solidFill>
+                  <a:srgbClr val="FFFFFF"/>
+                </a:solidFill>
+              </a14:hiddenFill>
+            </a:ext>
+            <a:ext uri="{91240B29-F687-4F45-9708-019B960494DF}">
+              <a14:hiddenLine xmlns:a14="http://schemas.microsoft.com/office/drawing/2010/main" w="9525">
+                <a:solidFill>
+                  <a:srgbClr val="000000"/>
+                </a:solidFill>
+                <a:miter lim="800000"/>
+                <a:headEnd/>
+                <a:tailEnd/>
+              </a14:hiddenLine>
+            </a:ext>
+          </a:extLst>
+        </p:spPr>
+        <p:txBody>
+          <a:bodyPr>
+            <a:spAutoFit/>
+          </a:bodyPr>
+          <a:lstStyle>
+            <a:lvl1pPr>
+              <a:defRPr>
+                <a:solidFill>
+                  <a:schemeClr val="tx1"/>
+                </a:solidFill>
+                <a:latin typeface="Trebuchet MS" panose="020B0603020202020204" pitchFamily="34" charset="0"/>
+              </a:defRPr>
+            </a:lvl1pPr>
+            <a:lvl2pPr marL="742950" indent="-285750">
+              <a:defRPr>
+                <a:solidFill>
+                  <a:schemeClr val="tx1"/>
+                </a:solidFill>
+                <a:latin typeface="Trebuchet MS" panose="020B0603020202020204" pitchFamily="34" charset="0"/>
+              </a:defRPr>
+            </a:lvl2pPr>
+            <a:lvl3pPr marL="1143000" indent="-228600">
+              <a:defRPr>
+                <a:solidFill>
+                  <a:schemeClr val="tx1"/>
+                </a:solidFill>
+                <a:latin typeface="Trebuchet MS" panose="020B0603020202020204" pitchFamily="34" charset="0"/>
+              </a:defRPr>
+            </a:lvl3pPr>
+            <a:lvl4pPr marL="1600200" indent="-228600">
+              <a:defRPr>
+                <a:solidFill>
+                  <a:schemeClr val="tx1"/>
+                </a:solidFill>
+                <a:latin typeface="Trebuchet MS" panose="020B0603020202020204" pitchFamily="34" charset="0"/>
+              </a:defRPr>
+            </a:lvl4pPr>
+            <a:lvl5pPr marL="2057400" indent="-228600">
+              <a:defRPr>
+                <a:solidFill>
+                  <a:schemeClr val="tx1"/>
+                </a:solidFill>
+                <a:latin typeface="Trebuchet MS" panose="020B0603020202020204" pitchFamily="34" charset="0"/>
+              </a:defRPr>
+            </a:lvl5pPr>
+            <a:lvl6pPr marL="2514600" indent="-228600" defTabSz="457200" fontAlgn="base">
+              <a:spcBef>
+                <a:spcPct val="0"/>
+              </a:spcBef>
+              <a:spcAft>
+                <a:spcPct val="0"/>
+              </a:spcAft>
+              <a:defRPr>
+                <a:solidFill>
+                  <a:schemeClr val="tx1"/>
+                </a:solidFill>
+                <a:latin typeface="Trebuchet MS" panose="020B0603020202020204" pitchFamily="34" charset="0"/>
+              </a:defRPr>
+            </a:lvl6pPr>
+            <a:lvl7pPr marL="2971800" indent="-228600" defTabSz="457200" fontAlgn="base">
+              <a:spcBef>
+                <a:spcPct val="0"/>
+              </a:spcBef>
+              <a:spcAft>
+                <a:spcPct val="0"/>
+              </a:spcAft>
+              <a:defRPr>
+                <a:solidFill>
+                  <a:schemeClr val="tx1"/>
+                </a:solidFill>
+                <a:latin typeface="Trebuchet MS" panose="020B0603020202020204" pitchFamily="34" charset="0"/>
+              </a:defRPr>
+            </a:lvl7pPr>
+            <a:lvl8pPr marL="3429000" indent="-228600" defTabSz="457200" fontAlgn="base">
+              <a:spcBef>
+                <a:spcPct val="0"/>
+              </a:spcBef>
+              <a:spcAft>
+                <a:spcPct val="0"/>
+              </a:spcAft>
+              <a:defRPr>
+                <a:solidFill>
+                  <a:schemeClr val="tx1"/>
+                </a:solidFill>
+                <a:latin typeface="Trebuchet MS" panose="020B0603020202020204" pitchFamily="34" charset="0"/>
+              </a:defRPr>
+            </a:lvl8pPr>
+            <a:lvl9pPr marL="3886200" indent="-228600" defTabSz="457200" fontAlgn="base">
+              <a:spcBef>
+                <a:spcPct val="0"/>
+              </a:spcBef>
+              <a:spcAft>
+                <a:spcPct val="0"/>
+              </a:spcAft>
+              <a:defRPr>
+                <a:solidFill>
+                  <a:schemeClr val="tx1"/>
+                </a:solidFill>
+                <a:latin typeface="Trebuchet MS" panose="020B0603020202020204" pitchFamily="34" charset="0"/>
+              </a:defRPr>
+            </a:lvl9pPr>
+          </a:lstStyle>
+          <a:p>
+            <a:pPr eaLnBrk="1" hangingPunct="1"/>
+            <a:r>
+              <a:rPr lang="zh-CN" altLang="en-US">
+                <a:solidFill>
+                  <a:srgbClr val="FF0000"/>
+                </a:solidFill>
+              </a:rPr>
+              <a:t>无线模块</a:t>
+            </a:r>
+            <a:endParaRPr lang="en-US" altLang="zh-CN">
+              <a:solidFill>
+                <a:srgbClr val="FF0000"/>
+              </a:solidFill>
+            </a:endParaRPr>
+          </a:p>
+          <a:p>
+            <a:pPr eaLnBrk="1" hangingPunct="1"/>
+            <a:r>
+              <a:rPr lang="en-US" altLang="en-US">
+                <a:solidFill>
+                  <a:srgbClr val="FF0000"/>
+                </a:solidFill>
+              </a:rPr>
+              <a:t>nRF2401</a:t>
+            </a:r>
+          </a:p>
+        </p:txBody>
+      </p:sp>
+      <p:sp>
+        <p:nvSpPr>
+          <p:cNvPr id="20" name="文本框 19"/>
+          <p:cNvSpPr txBox="1">
+            <a:spLocks noChangeArrowheads="1"/>
+          </p:cNvSpPr>
+          <p:nvPr/>
+        </p:nvSpPr>
+        <p:spPr bwMode="auto">
+          <a:xfrm>
+            <a:off x="7467600" y="749300"/>
+            <a:ext cx="1390650" cy="646113"/>
+          </a:xfrm>
+          <a:prstGeom prst="rect">
+            <a:avLst/>
+          </a:prstGeom>
+          <a:noFill/>
+          <a:ln>
+            <a:noFill/>
+          </a:ln>
+          <a:extLst>
+            <a:ext uri="{909E8E84-426E-40DD-AFC4-6F175D3DCCD1}">
+              <a14:hiddenFill xmlns:a14="http://schemas.microsoft.com/office/drawing/2010/main">
+                <a:solidFill>
+                  <a:srgbClr val="FFFFFF"/>
+                </a:solidFill>
+              </a14:hiddenFill>
+            </a:ext>
+            <a:ext uri="{91240B29-F687-4F45-9708-019B960494DF}">
+              <a14:hiddenLine xmlns:a14="http://schemas.microsoft.com/office/drawing/2010/main" w="9525">
+                <a:solidFill>
+                  <a:srgbClr val="000000"/>
+                </a:solidFill>
+                <a:miter lim="800000"/>
+                <a:headEnd/>
+                <a:tailEnd/>
+              </a14:hiddenLine>
+            </a:ext>
+          </a:extLst>
+        </p:spPr>
+        <p:txBody>
+          <a:bodyPr>
+            <a:spAutoFit/>
+          </a:bodyPr>
+          <a:lstStyle>
+            <a:lvl1pPr>
+              <a:defRPr>
+                <a:solidFill>
+                  <a:schemeClr val="tx1"/>
+                </a:solidFill>
+                <a:latin typeface="Trebuchet MS" panose="020B0603020202020204" pitchFamily="34" charset="0"/>
+              </a:defRPr>
+            </a:lvl1pPr>
+            <a:lvl2pPr marL="742950" indent="-285750">
+              <a:defRPr>
+                <a:solidFill>
+                  <a:schemeClr val="tx1"/>
+                </a:solidFill>
+                <a:latin typeface="Trebuchet MS" panose="020B0603020202020204" pitchFamily="34" charset="0"/>
+              </a:defRPr>
+            </a:lvl2pPr>
+            <a:lvl3pPr marL="1143000" indent="-228600">
+              <a:defRPr>
+                <a:solidFill>
+                  <a:schemeClr val="tx1"/>
+                </a:solidFill>
+                <a:latin typeface="Trebuchet MS" panose="020B0603020202020204" pitchFamily="34" charset="0"/>
+              </a:defRPr>
+            </a:lvl3pPr>
+            <a:lvl4pPr marL="1600200" indent="-228600">
+              <a:defRPr>
+                <a:solidFill>
+                  <a:schemeClr val="tx1"/>
+                </a:solidFill>
+                <a:latin typeface="Trebuchet MS" panose="020B0603020202020204" pitchFamily="34" charset="0"/>
+              </a:defRPr>
+            </a:lvl4pPr>
+            <a:lvl5pPr marL="2057400" indent="-228600">
+              <a:defRPr>
+                <a:solidFill>
+                  <a:schemeClr val="tx1"/>
+                </a:solidFill>
+                <a:latin typeface="Trebuchet MS" panose="020B0603020202020204" pitchFamily="34" charset="0"/>
+              </a:defRPr>
+            </a:lvl5pPr>
+            <a:lvl6pPr marL="2514600" indent="-228600" defTabSz="457200" fontAlgn="base">
+              <a:spcBef>
+                <a:spcPct val="0"/>
+              </a:spcBef>
+              <a:spcAft>
+                <a:spcPct val="0"/>
+              </a:spcAft>
+              <a:defRPr>
+                <a:solidFill>
+                  <a:schemeClr val="tx1"/>
+                </a:solidFill>
+                <a:latin typeface="Trebuchet MS" panose="020B0603020202020204" pitchFamily="34" charset="0"/>
+              </a:defRPr>
+            </a:lvl6pPr>
+            <a:lvl7pPr marL="2971800" indent="-228600" defTabSz="457200" fontAlgn="base">
+              <a:spcBef>
+                <a:spcPct val="0"/>
+              </a:spcBef>
+              <a:spcAft>
+                <a:spcPct val="0"/>
+              </a:spcAft>
+              <a:defRPr>
+                <a:solidFill>
+                  <a:schemeClr val="tx1"/>
+                </a:solidFill>
+                <a:latin typeface="Trebuchet MS" panose="020B0603020202020204" pitchFamily="34" charset="0"/>
+              </a:defRPr>
+            </a:lvl7pPr>
+            <a:lvl8pPr marL="3429000" indent="-228600" defTabSz="457200" fontAlgn="base">
+              <a:spcBef>
+                <a:spcPct val="0"/>
+              </a:spcBef>
+              <a:spcAft>
+                <a:spcPct val="0"/>
+              </a:spcAft>
+              <a:defRPr>
+                <a:solidFill>
+                  <a:schemeClr val="tx1"/>
+                </a:solidFill>
+                <a:latin typeface="Trebuchet MS" panose="020B0603020202020204" pitchFamily="34" charset="0"/>
+              </a:defRPr>
+            </a:lvl8pPr>
+            <a:lvl9pPr marL="3886200" indent="-228600" defTabSz="457200" fontAlgn="base">
+              <a:spcBef>
+                <a:spcPct val="0"/>
+              </a:spcBef>
+              <a:spcAft>
+                <a:spcPct val="0"/>
+              </a:spcAft>
+              <a:defRPr>
+                <a:solidFill>
+                  <a:schemeClr val="tx1"/>
+                </a:solidFill>
+                <a:latin typeface="Trebuchet MS" panose="020B0603020202020204" pitchFamily="34" charset="0"/>
+              </a:defRPr>
+            </a:lvl9pPr>
+          </a:lstStyle>
+          <a:p>
+            <a:pPr eaLnBrk="1" hangingPunct="1"/>
+            <a:r>
+              <a:rPr lang="zh-CN" altLang="en-US">
+                <a:solidFill>
+                  <a:srgbClr val="FF0000"/>
+                </a:solidFill>
+              </a:rPr>
+              <a:t>时钟模块</a:t>
+            </a:r>
+            <a:endParaRPr lang="en-US" altLang="zh-CN">
+              <a:solidFill>
+                <a:srgbClr val="FF0000"/>
+              </a:solidFill>
+            </a:endParaRPr>
+          </a:p>
+          <a:p>
+            <a:pPr eaLnBrk="1" hangingPunct="1"/>
+            <a:r>
+              <a:rPr lang="en-US" altLang="zh-CN">
+                <a:solidFill>
+                  <a:srgbClr val="FF0000"/>
+                </a:solidFill>
+              </a:rPr>
+              <a:t>PCF8563</a:t>
+            </a:r>
+            <a:endParaRPr lang="en-US" altLang="en-US">
+              <a:solidFill>
+                <a:srgbClr val="FF0000"/>
+              </a:solidFill>
+            </a:endParaRPr>
+          </a:p>
+        </p:txBody>
+      </p:sp>
+      <p:sp>
+        <p:nvSpPr>
+          <p:cNvPr id="21" name="文本框 20"/>
+          <p:cNvSpPr txBox="1">
+            <a:spLocks noChangeArrowheads="1"/>
+          </p:cNvSpPr>
+          <p:nvPr/>
+        </p:nvSpPr>
+        <p:spPr bwMode="auto">
+          <a:xfrm>
+            <a:off x="6800850" y="5186363"/>
+            <a:ext cx="1276350" cy="646112"/>
+          </a:xfrm>
+          <a:prstGeom prst="rect">
+            <a:avLst/>
+          </a:prstGeom>
+          <a:noFill/>
+          <a:ln>
+            <a:noFill/>
+          </a:ln>
+          <a:extLst>
+            <a:ext uri="{909E8E84-426E-40DD-AFC4-6F175D3DCCD1}">
+              <a14:hiddenFill xmlns:a14="http://schemas.microsoft.com/office/drawing/2010/main">
+                <a:solidFill>
+                  <a:srgbClr val="FFFFFF"/>
+                </a:solidFill>
+              </a14:hiddenFill>
+            </a:ext>
+            <a:ext uri="{91240B29-F687-4F45-9708-019B960494DF}">
+              <a14:hiddenLine xmlns:a14="http://schemas.microsoft.com/office/drawing/2010/main" w="9525">
+                <a:solidFill>
+                  <a:srgbClr val="000000"/>
+                </a:solidFill>
+                <a:miter lim="800000"/>
+                <a:headEnd/>
+                <a:tailEnd/>
+              </a14:hiddenLine>
+            </a:ext>
+          </a:extLst>
+        </p:spPr>
+        <p:txBody>
+          <a:bodyPr>
+            <a:spAutoFit/>
+          </a:bodyPr>
+          <a:lstStyle>
+            <a:lvl1pPr>
+              <a:defRPr>
+                <a:solidFill>
+                  <a:schemeClr val="tx1"/>
+                </a:solidFill>
+                <a:latin typeface="Trebuchet MS" panose="020B0603020202020204" pitchFamily="34" charset="0"/>
+              </a:defRPr>
+            </a:lvl1pPr>
+            <a:lvl2pPr marL="742950" indent="-285750">
+              <a:defRPr>
+                <a:solidFill>
+                  <a:schemeClr val="tx1"/>
+                </a:solidFill>
+                <a:latin typeface="Trebuchet MS" panose="020B0603020202020204" pitchFamily="34" charset="0"/>
+              </a:defRPr>
+            </a:lvl2pPr>
+            <a:lvl3pPr marL="1143000" indent="-228600">
+              <a:defRPr>
+                <a:solidFill>
+                  <a:schemeClr val="tx1"/>
+                </a:solidFill>
+                <a:latin typeface="Trebuchet MS" panose="020B0603020202020204" pitchFamily="34" charset="0"/>
+              </a:defRPr>
+            </a:lvl3pPr>
+            <a:lvl4pPr marL="1600200" indent="-228600">
+              <a:defRPr>
+                <a:solidFill>
+                  <a:schemeClr val="tx1"/>
+                </a:solidFill>
+                <a:latin typeface="Trebuchet MS" panose="020B0603020202020204" pitchFamily="34" charset="0"/>
+              </a:defRPr>
+            </a:lvl4pPr>
+            <a:lvl5pPr marL="2057400" indent="-228600">
+              <a:defRPr>
+                <a:solidFill>
+                  <a:schemeClr val="tx1"/>
+                </a:solidFill>
+                <a:latin typeface="Trebuchet MS" panose="020B0603020202020204" pitchFamily="34" charset="0"/>
+              </a:defRPr>
+            </a:lvl5pPr>
+            <a:lvl6pPr marL="2514600" indent="-228600" defTabSz="457200" fontAlgn="base">
+              <a:spcBef>
+                <a:spcPct val="0"/>
+              </a:spcBef>
+              <a:spcAft>
+                <a:spcPct val="0"/>
+              </a:spcAft>
+              <a:defRPr>
+                <a:solidFill>
+                  <a:schemeClr val="tx1"/>
+                </a:solidFill>
+                <a:latin typeface="Trebuchet MS" panose="020B0603020202020204" pitchFamily="34" charset="0"/>
+              </a:defRPr>
+            </a:lvl6pPr>
+            <a:lvl7pPr marL="2971800" indent="-228600" defTabSz="457200" fontAlgn="base">
+              <a:spcBef>
+                <a:spcPct val="0"/>
+              </a:spcBef>
+              <a:spcAft>
+                <a:spcPct val="0"/>
+              </a:spcAft>
+              <a:defRPr>
+                <a:solidFill>
+                  <a:schemeClr val="tx1"/>
+                </a:solidFill>
+                <a:latin typeface="Trebuchet MS" panose="020B0603020202020204" pitchFamily="34" charset="0"/>
+              </a:defRPr>
+            </a:lvl7pPr>
+            <a:lvl8pPr marL="3429000" indent="-228600" defTabSz="457200" fontAlgn="base">
+              <a:spcBef>
+                <a:spcPct val="0"/>
+              </a:spcBef>
+              <a:spcAft>
+                <a:spcPct val="0"/>
+              </a:spcAft>
+              <a:defRPr>
+                <a:solidFill>
+                  <a:schemeClr val="tx1"/>
+                </a:solidFill>
+                <a:latin typeface="Trebuchet MS" panose="020B0603020202020204" pitchFamily="34" charset="0"/>
+              </a:defRPr>
+            </a:lvl8pPr>
+            <a:lvl9pPr marL="3886200" indent="-228600" defTabSz="457200" fontAlgn="base">
+              <a:spcBef>
+                <a:spcPct val="0"/>
+              </a:spcBef>
+              <a:spcAft>
+                <a:spcPct val="0"/>
+              </a:spcAft>
+              <a:defRPr>
+                <a:solidFill>
+                  <a:schemeClr val="tx1"/>
+                </a:solidFill>
+                <a:latin typeface="Trebuchet MS" panose="020B0603020202020204" pitchFamily="34" charset="0"/>
+              </a:defRPr>
+            </a:lvl9pPr>
+          </a:lstStyle>
+          <a:p>
+            <a:pPr eaLnBrk="1" hangingPunct="1"/>
+            <a:r>
+              <a:rPr lang="zh-CN" altLang="en-US">
+                <a:solidFill>
+                  <a:srgbClr val="FF0000"/>
+                </a:solidFill>
+              </a:rPr>
+              <a:t>串口模块</a:t>
+            </a:r>
+            <a:endParaRPr lang="en-US" altLang="zh-CN">
+              <a:solidFill>
+                <a:srgbClr val="FF0000"/>
+              </a:solidFill>
+            </a:endParaRPr>
+          </a:p>
+          <a:p>
+            <a:pPr eaLnBrk="1" hangingPunct="1"/>
+            <a:r>
+              <a:rPr lang="en-US" altLang="zh-CN">
+                <a:solidFill>
+                  <a:srgbClr val="FF0000"/>
+                </a:solidFill>
+              </a:rPr>
+              <a:t>MAX232</a:t>
+            </a:r>
+            <a:endParaRPr lang="en-US" altLang="en-US">
+              <a:solidFill>
+                <a:srgbClr val="FF0000"/>
+              </a:solidFill>
+            </a:endParaRPr>
+          </a:p>
+        </p:txBody>
+      </p:sp>
+      <p:pic>
+        <p:nvPicPr>
+          <p:cNvPr id="26643" name="图片 21"/>
+          <p:cNvPicPr>
+            <a:picLocks noChangeAspect="1"/>
+          </p:cNvPicPr>
+          <p:nvPr/>
+        </p:nvPicPr>
+        <p:blipFill>
+          <a:blip r:embed="rId3">
+            <a:extLst>
+              <a:ext uri="{28A0092B-C50C-407E-A947-70E740481C1C}">
+                <a14:useLocalDpi xmlns:a14="http://schemas.microsoft.com/office/drawing/2010/main" val="0"/>
+              </a:ext>
+            </a:extLst>
+          </a:blip>
+          <a:srcRect/>
+          <a:stretch>
+            <a:fillRect/>
+          </a:stretch>
+        </p:blipFill>
+        <p:spPr bwMode="auto">
+          <a:xfrm>
+            <a:off x="9998075" y="5426075"/>
+            <a:ext cx="1336675" cy="1339850"/>
+          </a:xfrm>
+          <a:prstGeom prst="rect">
+            <a:avLst/>
+          </a:prstGeom>
+          <a:noFill/>
+          <a:ln>
+            <a:noFill/>
+          </a:ln>
+          <a:extLst>
+            <a:ext uri="{909E8E84-426E-40DD-AFC4-6F175D3DCCD1}">
+              <a14:hiddenFill xmlns:a14="http://schemas.microsoft.com/office/drawing/2010/main">
+                <a:solidFill>
+                  <a:srgbClr val="FFFFFF"/>
+                </a:solidFill>
+              </a14:hiddenFill>
+            </a:ext>
+            <a:ext uri="{91240B29-F687-4F45-9708-019B960494DF}">
+              <a14:hiddenLine xmlns:a14="http://schemas.microsoft.com/office/drawing/2010/main" w="9525">
+                <a:solidFill>
+                  <a:srgbClr val="000000"/>
+                </a:solidFill>
+                <a:miter lim="800000"/>
+                <a:headEnd/>
+                <a:tailEnd/>
+              </a14:hiddenLine>
+            </a:ext>
+          </a:extLst>
+        </p:spPr>
+      </p:pic>
+    </p:spTree>
+  </p:cSld>
+  <p:clrMapOvr>
+    <a:masterClrMapping/>
+  </p:clrMapOvr>
+  <p:timing>
+    <p:tnLst>
+      <p:par>
+        <p:cTn id="1" dur="indefinite" restart="never" nodeType="tmRoot">
+          <p:childTnLst>
+            <p:seq concurrent="1" nextAc="seek">
+              <p:cTn id="2" dur="indefinite" nodeType="mainSeq">
+                <p:childTnLst>
+                  <p:par>
+                    <p:cTn id="3" fill="hold" nodeType="clickPar">
+                      <p:stCondLst>
+                        <p:cond delay="indefinite"/>
+                      </p:stCondLst>
+                      <p:childTnLst>
+                        <p:par>
+                          <p:cTn id="4" fill="hold" nodeType="withGroup">
+                            <p:stCondLst>
+                              <p:cond delay="0"/>
+                            </p:stCondLst>
+                            <p:childTnLst>
+                              <p:par>
+                                <p:cTn id="5" presetID="10" presetClass="entr" presetSubtype="0" fill="hold" nodeType="clickEffect">
+                                  <p:stCondLst>
+                                    <p:cond delay="0"/>
+                                  </p:stCondLst>
+                                  <p:childTnLst>
+                                    <p:set>
+                                      <p:cBhvr>
+                                        <p:cTn id="6" dur="1" fill="hold">
+                                          <p:stCondLst>
+                                            <p:cond delay="0"/>
+                                          </p:stCondLst>
+                                        </p:cTn>
+                                        <p:tgtEl>
+                                          <p:spTgt spid="6"/>
+                                        </p:tgtEl>
+                                        <p:attrNameLst>
+                                          <p:attrName>style.visibility</p:attrName>
+                                        </p:attrNameLst>
+                                      </p:cBhvr>
+                                      <p:to>
+                                        <p:strVal val="visible"/>
+                                      </p:to>
+                                    </p:set>
+                                    <p:animEffect transition="in" filter="fade">
+                                      <p:cBhvr>
+                                        <p:cTn id="7" dur="500"/>
+                                        <p:tgtEl>
+                                          <p:spTgt spid="6"/>
+                                        </p:tgtEl>
+                                      </p:cBhvr>
+                                    </p:animEffect>
+                                  </p:childTnLst>
+                                </p:cTn>
+                              </p:par>
+                            </p:childTnLst>
+                          </p:cTn>
+                        </p:par>
+                      </p:childTnLst>
+                    </p:cTn>
+                  </p:par>
+                  <p:par>
+                    <p:cTn id="8" fill="hold" nodeType="clickPar">
+                      <p:stCondLst>
+                        <p:cond delay="indefinite"/>
+                      </p:stCondLst>
+                      <p:childTnLst>
+                        <p:par>
+                          <p:cTn id="9" fill="hold" nodeType="withGroup">
+                            <p:stCondLst>
+                              <p:cond delay="0"/>
+                            </p:stCondLst>
+                            <p:childTnLst>
+                              <p:par>
+                                <p:cTn id="10" presetID="10" presetClass="entr" presetSubtype="0" fill="hold" grpId="0" nodeType="clickEffect">
+                                  <p:stCondLst>
+                                    <p:cond delay="0"/>
+                                  </p:stCondLst>
+                                  <p:childTnLst>
+                                    <p:set>
+                                      <p:cBhvr>
+                                        <p:cTn id="11" dur="1" fill="hold">
+                                          <p:stCondLst>
+                                            <p:cond delay="0"/>
+                                          </p:stCondLst>
+                                        </p:cTn>
+                                        <p:tgtEl>
+                                          <p:spTgt spid="9"/>
+                                        </p:tgtEl>
+                                        <p:attrNameLst>
+                                          <p:attrName>style.visibility</p:attrName>
+                                        </p:attrNameLst>
+                                      </p:cBhvr>
+                                      <p:to>
+                                        <p:strVal val="visible"/>
+                                      </p:to>
+                                    </p:set>
+                                    <p:animEffect transition="in" filter="fade">
+                                      <p:cBhvr>
+                                        <p:cTn id="12" dur="500"/>
+                                        <p:tgtEl>
+                                          <p:spTgt spid="9"/>
+                                        </p:tgtEl>
+                                      </p:cBhvr>
+                                    </p:animEffect>
+                                  </p:childTnLst>
+                                </p:cTn>
+                              </p:par>
+                              <p:par>
+                                <p:cTn id="13" presetID="10" presetClass="entr" presetSubtype="0" fill="hold" nodeType="withEffect">
+                                  <p:stCondLst>
+                                    <p:cond delay="0"/>
+                                  </p:stCondLst>
+                                  <p:childTnLst>
+                                    <p:set>
+                                      <p:cBhvr>
+                                        <p:cTn id="14" dur="1" fill="hold">
+                                          <p:stCondLst>
+                                            <p:cond delay="0"/>
+                                          </p:stCondLst>
+                                        </p:cTn>
+                                        <p:tgtEl>
+                                          <p:spTgt spid="16"/>
+                                        </p:tgtEl>
+                                        <p:attrNameLst>
+                                          <p:attrName>style.visibility</p:attrName>
+                                        </p:attrNameLst>
+                                      </p:cBhvr>
+                                      <p:to>
+                                        <p:strVal val="visible"/>
+                                      </p:to>
+                                    </p:set>
+                                    <p:animEffect transition="in" filter="fade">
+                                      <p:cBhvr>
+                                        <p:cTn id="15" dur="500"/>
+                                        <p:tgtEl>
+                                          <p:spTgt spid="16"/>
+                                        </p:tgtEl>
+                                      </p:cBhvr>
+                                    </p:animEffect>
+                                  </p:childTnLst>
+                                </p:cTn>
+                              </p:par>
+                              <p:par>
+                                <p:cTn id="16" presetID="10" presetClass="entr" presetSubtype="0" fill="hold" grpId="0" nodeType="withEffect">
+                                  <p:stCondLst>
+                                    <p:cond delay="0"/>
+                                  </p:stCondLst>
+                                  <p:childTnLst>
+                                    <p:set>
+                                      <p:cBhvr>
+                                        <p:cTn id="17" dur="1" fill="hold">
+                                          <p:stCondLst>
+                                            <p:cond delay="0"/>
+                                          </p:stCondLst>
+                                        </p:cTn>
+                                        <p:tgtEl>
+                                          <p:spTgt spid="18"/>
+                                        </p:tgtEl>
+                                        <p:attrNameLst>
+                                          <p:attrName>style.visibility</p:attrName>
+                                        </p:attrNameLst>
+                                      </p:cBhvr>
+                                      <p:to>
+                                        <p:strVal val="visible"/>
+                                      </p:to>
+                                    </p:set>
+                                    <p:animEffect transition="in" filter="fade">
+                                      <p:cBhvr>
+                                        <p:cTn id="18" dur="500"/>
+                                        <p:tgtEl>
+                                          <p:spTgt spid="18"/>
+                                        </p:tgtEl>
+                                      </p:cBhvr>
+                                    </p:animEffect>
+                                  </p:childTnLst>
+                                </p:cTn>
+                              </p:par>
+                            </p:childTnLst>
+                          </p:cTn>
+                        </p:par>
+                      </p:childTnLst>
+                    </p:cTn>
+                  </p:par>
+                  <p:par>
+                    <p:cTn id="19" fill="hold" nodeType="clickPar">
+                      <p:stCondLst>
+                        <p:cond delay="indefinite"/>
+                      </p:stCondLst>
+                      <p:childTnLst>
+                        <p:par>
+                          <p:cTn id="20" fill="hold" nodeType="withGroup">
+                            <p:stCondLst>
+                              <p:cond delay="0"/>
+                            </p:stCondLst>
+                            <p:childTnLst>
+                              <p:par>
+                                <p:cTn id="21" presetID="10" presetClass="entr" presetSubtype="0" fill="hold" grpId="0" nodeType="clickEffect">
+                                  <p:stCondLst>
+                                    <p:cond delay="0"/>
+                                  </p:stCondLst>
+                                  <p:childTnLst>
+                                    <p:set>
+                                      <p:cBhvr>
+                                        <p:cTn id="22" dur="1" fill="hold">
+                                          <p:stCondLst>
+                                            <p:cond delay="0"/>
+                                          </p:stCondLst>
+                                        </p:cTn>
+                                        <p:tgtEl>
+                                          <p:spTgt spid="10"/>
+                                        </p:tgtEl>
+                                        <p:attrNameLst>
+                                          <p:attrName>style.visibility</p:attrName>
+                                        </p:attrNameLst>
+                                      </p:cBhvr>
+                                      <p:to>
+                                        <p:strVal val="visible"/>
+                                      </p:to>
+                                    </p:set>
+                                    <p:animEffect transition="in" filter="fade">
+                                      <p:cBhvr>
+                                        <p:cTn id="23" dur="500"/>
+                                        <p:tgtEl>
+                                          <p:spTgt spid="10"/>
+                                        </p:tgtEl>
+                                      </p:cBhvr>
+                                    </p:animEffect>
+                                  </p:childTnLst>
+                                </p:cTn>
+                              </p:par>
+                              <p:par>
+                                <p:cTn id="24" presetID="10" presetClass="entr" presetSubtype="0" fill="hold" nodeType="withEffect">
+                                  <p:stCondLst>
+                                    <p:cond delay="0"/>
+                                  </p:stCondLst>
+                                  <p:childTnLst>
+                                    <p:set>
+                                      <p:cBhvr>
+                                        <p:cTn id="25" dur="1" fill="hold">
+                                          <p:stCondLst>
+                                            <p:cond delay="0"/>
+                                          </p:stCondLst>
+                                        </p:cTn>
+                                        <p:tgtEl>
+                                          <p:spTgt spid="15"/>
+                                        </p:tgtEl>
+                                        <p:attrNameLst>
+                                          <p:attrName>style.visibility</p:attrName>
+                                        </p:attrNameLst>
+                                      </p:cBhvr>
+                                      <p:to>
+                                        <p:strVal val="visible"/>
+                                      </p:to>
+                                    </p:set>
+                                    <p:animEffect transition="in" filter="fade">
+                                      <p:cBhvr>
+                                        <p:cTn id="26" dur="500"/>
+                                        <p:tgtEl>
+                                          <p:spTgt spid="15"/>
+                                        </p:tgtEl>
+                                      </p:cBhvr>
+                                    </p:animEffect>
+                                  </p:childTnLst>
+                                </p:cTn>
+                              </p:par>
+                              <p:par>
+                                <p:cTn id="27" presetID="10" presetClass="entr" presetSubtype="0" fill="hold" grpId="0" nodeType="withEffect">
+                                  <p:stCondLst>
+                                    <p:cond delay="0"/>
+                                  </p:stCondLst>
+                                  <p:childTnLst>
+                                    <p:set>
+                                      <p:cBhvr>
+                                        <p:cTn id="28" dur="1" fill="hold">
+                                          <p:stCondLst>
+                                            <p:cond delay="0"/>
+                                          </p:stCondLst>
+                                        </p:cTn>
+                                        <p:tgtEl>
+                                          <p:spTgt spid="17"/>
+                                        </p:tgtEl>
+                                        <p:attrNameLst>
+                                          <p:attrName>style.visibility</p:attrName>
+                                        </p:attrNameLst>
+                                      </p:cBhvr>
+                                      <p:to>
+                                        <p:strVal val="visible"/>
+                                      </p:to>
+                                    </p:set>
+                                    <p:animEffect transition="in" filter="fade">
+                                      <p:cBhvr>
+                                        <p:cTn id="29" dur="500"/>
+                                        <p:tgtEl>
+                                          <p:spTgt spid="17"/>
+                                        </p:tgtEl>
+                                      </p:cBhvr>
+                                    </p:animEffect>
+                                  </p:childTnLst>
+                                </p:cTn>
+                              </p:par>
+                            </p:childTnLst>
+                          </p:cTn>
+                        </p:par>
+                      </p:childTnLst>
+                    </p:cTn>
+                  </p:par>
+                  <p:par>
+                    <p:cTn id="30" fill="hold" nodeType="clickPar">
+                      <p:stCondLst>
+                        <p:cond delay="indefinite"/>
+                      </p:stCondLst>
+                      <p:childTnLst>
+                        <p:par>
+                          <p:cTn id="31" fill="hold" nodeType="withGroup">
+                            <p:stCondLst>
+                              <p:cond delay="0"/>
+                            </p:stCondLst>
+                            <p:childTnLst>
+                              <p:par>
+                                <p:cTn id="32" presetID="10" presetClass="entr" presetSubtype="0" fill="hold" grpId="0" nodeType="clickEffect">
+                                  <p:stCondLst>
+                                    <p:cond delay="0"/>
+                                  </p:stCondLst>
+                                  <p:childTnLst>
+                                    <p:set>
+                                      <p:cBhvr>
+                                        <p:cTn id="33" dur="1" fill="hold">
+                                          <p:stCondLst>
+                                            <p:cond delay="0"/>
+                                          </p:stCondLst>
+                                        </p:cTn>
+                                        <p:tgtEl>
+                                          <p:spTgt spid="11"/>
+                                        </p:tgtEl>
+                                        <p:attrNameLst>
+                                          <p:attrName>style.visibility</p:attrName>
+                                        </p:attrNameLst>
+                                      </p:cBhvr>
+                                      <p:to>
+                                        <p:strVal val="visible"/>
+                                      </p:to>
+                                    </p:set>
+                                    <p:animEffect transition="in" filter="fade">
+                                      <p:cBhvr>
+                                        <p:cTn id="34" dur="500"/>
+                                        <p:tgtEl>
+                                          <p:spTgt spid="11"/>
+                                        </p:tgtEl>
+                                      </p:cBhvr>
+                                    </p:animEffect>
+                                  </p:childTnLst>
+                                </p:cTn>
+                              </p:par>
+                              <p:par>
+                                <p:cTn id="35" presetID="10" presetClass="entr" presetSubtype="0" fill="hold" nodeType="withEffect">
+                                  <p:stCondLst>
+                                    <p:cond delay="0"/>
+                                  </p:stCondLst>
+                                  <p:childTnLst>
+                                    <p:set>
+                                      <p:cBhvr>
+                                        <p:cTn id="36" dur="1" fill="hold">
+                                          <p:stCondLst>
+                                            <p:cond delay="0"/>
+                                          </p:stCondLst>
+                                        </p:cTn>
+                                        <p:tgtEl>
+                                          <p:spTgt spid="14"/>
+                                        </p:tgtEl>
+                                        <p:attrNameLst>
+                                          <p:attrName>style.visibility</p:attrName>
+                                        </p:attrNameLst>
+                                      </p:cBhvr>
+                                      <p:to>
+                                        <p:strVal val="visible"/>
+                                      </p:to>
+                                    </p:set>
+                                    <p:animEffect transition="in" filter="fade">
+                                      <p:cBhvr>
+                                        <p:cTn id="37" dur="500"/>
+                                        <p:tgtEl>
+                                          <p:spTgt spid="14"/>
+                                        </p:tgtEl>
+                                      </p:cBhvr>
+                                    </p:animEffect>
+                                  </p:childTnLst>
+                                </p:cTn>
+                              </p:par>
+                              <p:par>
+                                <p:cTn id="38" presetID="10" presetClass="entr" presetSubtype="0" fill="hold" grpId="0" nodeType="withEffect">
+                                  <p:stCondLst>
+                                    <p:cond delay="0"/>
+                                  </p:stCondLst>
+                                  <p:childTnLst>
+                                    <p:set>
+                                      <p:cBhvr>
+                                        <p:cTn id="39" dur="1" fill="hold">
+                                          <p:stCondLst>
+                                            <p:cond delay="0"/>
+                                          </p:stCondLst>
+                                        </p:cTn>
+                                        <p:tgtEl>
+                                          <p:spTgt spid="19"/>
+                                        </p:tgtEl>
+                                        <p:attrNameLst>
+                                          <p:attrName>style.visibility</p:attrName>
+                                        </p:attrNameLst>
+                                      </p:cBhvr>
+                                      <p:to>
+                                        <p:strVal val="visible"/>
+                                      </p:to>
+                                    </p:set>
+                                    <p:animEffect transition="in" filter="fade">
+                                      <p:cBhvr>
+                                        <p:cTn id="40" dur="500"/>
+                                        <p:tgtEl>
+                                          <p:spTgt spid="19"/>
+                                        </p:tgtEl>
+                                      </p:cBhvr>
+                                    </p:animEffect>
+                                  </p:childTnLst>
+                                </p:cTn>
+                              </p:par>
+                            </p:childTnLst>
+                          </p:cTn>
+                        </p:par>
+                      </p:childTnLst>
+                    </p:cTn>
+                  </p:par>
+                  <p:par>
+                    <p:cTn id="41" fill="hold" nodeType="clickPar">
+                      <p:stCondLst>
+                        <p:cond delay="indefinite"/>
+                      </p:stCondLst>
+                      <p:childTnLst>
+                        <p:par>
+                          <p:cTn id="42" fill="hold" nodeType="withGroup">
+                            <p:stCondLst>
+                              <p:cond delay="0"/>
+                            </p:stCondLst>
+                            <p:childTnLst>
+                              <p:par>
+                                <p:cTn id="43" presetID="10" presetClass="entr" presetSubtype="0" fill="hold" grpId="0" nodeType="clickEffect">
+                                  <p:stCondLst>
+                                    <p:cond delay="0"/>
+                                  </p:stCondLst>
+                                  <p:childTnLst>
+                                    <p:set>
+                                      <p:cBhvr>
+                                        <p:cTn id="44" dur="1" fill="hold">
+                                          <p:stCondLst>
+                                            <p:cond delay="0"/>
+                                          </p:stCondLst>
+                                        </p:cTn>
+                                        <p:tgtEl>
+                                          <p:spTgt spid="8"/>
+                                        </p:tgtEl>
+                                        <p:attrNameLst>
+                                          <p:attrName>style.visibility</p:attrName>
+                                        </p:attrNameLst>
+                                      </p:cBhvr>
+                                      <p:to>
+                                        <p:strVal val="visible"/>
+                                      </p:to>
+                                    </p:set>
+                                    <p:animEffect transition="in" filter="fade">
+                                      <p:cBhvr>
+                                        <p:cTn id="45" dur="500"/>
+                                        <p:tgtEl>
+                                          <p:spTgt spid="8"/>
+                                        </p:tgtEl>
+                                      </p:cBhvr>
+                                    </p:animEffect>
+                                  </p:childTnLst>
+                                </p:cTn>
+                              </p:par>
+                              <p:par>
+                                <p:cTn id="46" presetID="10" presetClass="entr" presetSubtype="0" fill="hold" nodeType="withEffect">
+                                  <p:stCondLst>
+                                    <p:cond delay="0"/>
+                                  </p:stCondLst>
+                                  <p:childTnLst>
+                                    <p:set>
+                                      <p:cBhvr>
+                                        <p:cTn id="47" dur="1" fill="hold">
+                                          <p:stCondLst>
+                                            <p:cond delay="0"/>
+                                          </p:stCondLst>
+                                        </p:cTn>
+                                        <p:tgtEl>
+                                          <p:spTgt spid="13"/>
+                                        </p:tgtEl>
+                                        <p:attrNameLst>
+                                          <p:attrName>style.visibility</p:attrName>
+                                        </p:attrNameLst>
+                                      </p:cBhvr>
+                                      <p:to>
+                                        <p:strVal val="visible"/>
+                                      </p:to>
+                                    </p:set>
+                                    <p:animEffect transition="in" filter="fade">
+                                      <p:cBhvr>
+                                        <p:cTn id="48" dur="500"/>
+                                        <p:tgtEl>
+                                          <p:spTgt spid="13"/>
+                                        </p:tgtEl>
+                                      </p:cBhvr>
+                                    </p:animEffect>
+                                  </p:childTnLst>
+                                </p:cTn>
+                              </p:par>
+                              <p:par>
+                                <p:cTn id="49" presetID="10" presetClass="entr" presetSubtype="0" fill="hold" grpId="0" nodeType="withEffect">
+                                  <p:stCondLst>
+                                    <p:cond delay="0"/>
+                                  </p:stCondLst>
+                                  <p:childTnLst>
+                                    <p:set>
+                                      <p:cBhvr>
+                                        <p:cTn id="50" dur="1" fill="hold">
+                                          <p:stCondLst>
+                                            <p:cond delay="0"/>
+                                          </p:stCondLst>
+                                        </p:cTn>
+                                        <p:tgtEl>
+                                          <p:spTgt spid="21"/>
+                                        </p:tgtEl>
+                                        <p:attrNameLst>
+                                          <p:attrName>style.visibility</p:attrName>
+                                        </p:attrNameLst>
+                                      </p:cBhvr>
+                                      <p:to>
+                                        <p:strVal val="visible"/>
+                                      </p:to>
+                                    </p:set>
+                                    <p:animEffect transition="in" filter="fade">
+                                      <p:cBhvr>
+                                        <p:cTn id="51" dur="500"/>
+                                        <p:tgtEl>
+                                          <p:spTgt spid="21"/>
+                                        </p:tgtEl>
+                                      </p:cBhvr>
+                                    </p:animEffect>
+                                  </p:childTnLst>
+                                </p:cTn>
+                              </p:par>
+                            </p:childTnLst>
+                          </p:cTn>
+                        </p:par>
+                      </p:childTnLst>
+                    </p:cTn>
+                  </p:par>
+                  <p:par>
+                    <p:cTn id="52" fill="hold" nodeType="clickPar">
+                      <p:stCondLst>
+                        <p:cond delay="indefinite"/>
+                      </p:stCondLst>
+                      <p:childTnLst>
+                        <p:par>
+                          <p:cTn id="53" fill="hold" nodeType="withGroup">
+                            <p:stCondLst>
+                              <p:cond delay="0"/>
+                            </p:stCondLst>
+                            <p:childTnLst>
+                              <p:par>
+                                <p:cTn id="54" presetID="10" presetClass="entr" presetSubtype="0" fill="hold" grpId="0" nodeType="clickEffect">
+                                  <p:stCondLst>
+                                    <p:cond delay="0"/>
+                                  </p:stCondLst>
+                                  <p:childTnLst>
+                                    <p:set>
+                                      <p:cBhvr>
+                                        <p:cTn id="55" dur="1" fill="hold">
+                                          <p:stCondLst>
+                                            <p:cond delay="0"/>
+                                          </p:stCondLst>
+                                        </p:cTn>
+                                        <p:tgtEl>
+                                          <p:spTgt spid="7"/>
+                                        </p:tgtEl>
+                                        <p:attrNameLst>
+                                          <p:attrName>style.visibility</p:attrName>
+                                        </p:attrNameLst>
+                                      </p:cBhvr>
+                                      <p:to>
+                                        <p:strVal val="visible"/>
+                                      </p:to>
+                                    </p:set>
+                                    <p:animEffect transition="in" filter="fade">
+                                      <p:cBhvr>
+                                        <p:cTn id="56" dur="500"/>
+                                        <p:tgtEl>
+                                          <p:spTgt spid="7"/>
+                                        </p:tgtEl>
+                                      </p:cBhvr>
+                                    </p:animEffect>
+                                  </p:childTnLst>
+                                </p:cTn>
+                              </p:par>
+                              <p:par>
+                                <p:cTn id="57" presetID="10" presetClass="entr" presetSubtype="0" fill="hold" nodeType="withEffect">
+                                  <p:stCondLst>
+                                    <p:cond delay="0"/>
+                                  </p:stCondLst>
+                                  <p:childTnLst>
+                                    <p:set>
+                                      <p:cBhvr>
+                                        <p:cTn id="58" dur="1" fill="hold">
+                                          <p:stCondLst>
+                                            <p:cond delay="0"/>
+                                          </p:stCondLst>
+                                        </p:cTn>
+                                        <p:tgtEl>
+                                          <p:spTgt spid="12"/>
+                                        </p:tgtEl>
+                                        <p:attrNameLst>
+                                          <p:attrName>style.visibility</p:attrName>
+                                        </p:attrNameLst>
+                                      </p:cBhvr>
+                                      <p:to>
+                                        <p:strVal val="visible"/>
+                                      </p:to>
+                                    </p:set>
+                                    <p:animEffect transition="in" filter="fade">
+                                      <p:cBhvr>
+                                        <p:cTn id="59" dur="500"/>
+                                        <p:tgtEl>
+                                          <p:spTgt spid="12"/>
+                                        </p:tgtEl>
+                                      </p:cBhvr>
+                                    </p:animEffect>
+                                  </p:childTnLst>
+                                </p:cTn>
+                              </p:par>
+                              <p:par>
+                                <p:cTn id="60" presetID="10" presetClass="entr" presetSubtype="0" fill="hold" grpId="0" nodeType="withEffect">
+                                  <p:stCondLst>
+                                    <p:cond delay="0"/>
+                                  </p:stCondLst>
+                                  <p:childTnLst>
+                                    <p:set>
+                                      <p:cBhvr>
+                                        <p:cTn id="61" dur="1" fill="hold">
+                                          <p:stCondLst>
+                                            <p:cond delay="0"/>
+                                          </p:stCondLst>
+                                        </p:cTn>
+                                        <p:tgtEl>
+                                          <p:spTgt spid="20"/>
+                                        </p:tgtEl>
+                                        <p:attrNameLst>
+                                          <p:attrName>style.visibility</p:attrName>
+                                        </p:attrNameLst>
+                                      </p:cBhvr>
+                                      <p:to>
+                                        <p:strVal val="visible"/>
+                                      </p:to>
+                                    </p:set>
+                                    <p:animEffect transition="in" filter="fade">
+                                      <p:cBhvr>
+                                        <p:cTn id="62" dur="500"/>
+                                        <p:tgtEl>
+                                          <p:spTgt spid="20"/>
+                                        </p:tgtEl>
+                                      </p:cBhvr>
+                                    </p:animEffect>
+                                  </p:childTnLst>
+                                </p:cTn>
+                              </p:par>
+                            </p:childTnLst>
+                          </p:cTn>
+                        </p:par>
+                      </p:childTnLst>
+                    </p:cTn>
+                  </p:par>
+                </p:childTnLst>
+              </p:cTn>
+              <p:prevCondLst>
+                <p:cond evt="onPrev" delay="0">
+                  <p:tgtEl>
+                    <p:sldTgt/>
+                  </p:tgtEl>
+                </p:cond>
+              </p:prevCondLst>
+              <p:nextCondLst>
+                <p:cond evt="onNext" delay="0">
+                  <p:tgtEl>
+                    <p:sldTgt/>
+                  </p:tgtEl>
+                </p:cond>
+              </p:nextCondLst>
+            </p:seq>
+          </p:childTnLst>
+        </p:cTn>
+      </p:par>
+    </p:tnLst>
+    <p:bldLst>
+      <p:bldP spid="7" grpId="0" animBg="1"/>
+      <p:bldP spid="8" grpId="0" animBg="1"/>
+      <p:bldP spid="9" grpId="0" animBg="1"/>
+      <p:bldP spid="10" grpId="0" animBg="1"/>
+      <p:bldP spid="11" grpId="0" animBg="1"/>
+      <p:bldP spid="17" grpId="0"/>
+      <p:bldP spid="18" grpId="0"/>
+      <p:bldP spid="19" grpId="0"/>
+      <p:bldP spid="20" grpId="0"/>
+      <p:bldP spid="21" grpId="0"/>
+    </p:bldLst>
+  </p:timing>
+</p:sld>
+</file>
+
+<file path=ppt/slides/slide11.xml><?xml version="1.0" encoding="utf-8"?>
+<p:sld xmlns:a="http://schemas.openxmlformats.org/drawingml/2006/main" xmlns:r="http://schemas.openxmlformats.org/officeDocument/2006/relationships" xmlns:p="http://schemas.openxmlformats.org/presentationml/2006/main">
+  <p:cSld>
+    <p:spTree>
+      <p:nvGrpSpPr>
+        <p:cNvPr id="1" name=""/>
+        <p:cNvGrpSpPr/>
+        <p:nvPr/>
+      </p:nvGrpSpPr>
+      <p:grpSpPr>
+        <a:xfrm>
+          <a:off x="0" y="0"/>
+          <a:ext cx="0" cy="0"/>
+          <a:chOff x="0" y="0"/>
+          <a:chExt cx="0" cy="0"/>
+        </a:xfrm>
+      </p:grpSpPr>
+      <p:sp>
+        <p:nvSpPr>
+          <p:cNvPr id="27650" name="竖排标题 1"/>
+          <p:cNvSpPr>
+            <a:spLocks noGrp="1"/>
+          </p:cNvSpPr>
+          <p:nvPr>
+            <p:ph type="title" orient="vert"/>
+          </p:nvPr>
+        </p:nvSpPr>
+        <p:spPr/>
+        <p:txBody>
+          <a:bodyPr/>
+          <a:lstStyle/>
+          <a:p>
+            <a:endParaRPr lang="en-US" altLang="en-US" smtClean="0"/>
+          </a:p>
+        </p:txBody>
+      </p:sp>
+      <p:pic>
+        <p:nvPicPr>
+          <p:cNvPr id="27651" name="内容占位符 3"/>
+          <p:cNvPicPr>
+            <a:picLocks noChangeAspect="1"/>
+          </p:cNvPicPr>
+          <p:nvPr/>
+        </p:nvPicPr>
+        <p:blipFill>
+          <a:blip r:embed="rId2">
+            <a:extLst>
+              <a:ext uri="{28A0092B-C50C-407E-A947-70E740481C1C}">
+                <a14:useLocalDpi xmlns:a14="http://schemas.microsoft.com/office/drawing/2010/main" val="0"/>
+              </a:ext>
+            </a:extLst>
+          </a:blip>
+          <a:srcRect/>
+          <a:stretch>
+            <a:fillRect/>
+          </a:stretch>
+        </p:blipFill>
+        <p:spPr bwMode="auto">
+          <a:xfrm>
+            <a:off x="0" y="0"/>
+            <a:ext cx="9063038" cy="6840538"/>
           </a:xfrm>
           <a:prstGeom prst="rect">
             <a:avLst/>
@@ -8240,7 +10529,7 @@
 </p:sld>
 </file>
 
-<file path=ppt/slides/slide10.xml><?xml version="1.0" encoding="utf-8"?>
+<file path=ppt/slides/slide12.xml><?xml version="1.0" encoding="utf-8"?>
 <p:sld xmlns:a="http://schemas.openxmlformats.org/drawingml/2006/main" xmlns:r="http://schemas.openxmlformats.org/officeDocument/2006/relationships" xmlns:p="http://schemas.openxmlformats.org/presentationml/2006/main">
   <p:cSld>
     <p:bg>
@@ -11088,7 +13377,7 @@
 </p:sld>
 </file>
 
-<file path=ppt/slides/slide11.xml><?xml version="1.0" encoding="utf-8"?>
+<file path=ppt/slides/slide13.xml><?xml version="1.0" encoding="utf-8"?>
 <p:sld xmlns:a="http://schemas.openxmlformats.org/drawingml/2006/main" xmlns:r="http://schemas.openxmlformats.org/officeDocument/2006/relationships" xmlns:p="http://schemas.openxmlformats.org/presentationml/2006/main">
   <p:cSld>
     <p:bg>
@@ -12922,7 +15211,7 @@
 </p:sld>
 </file>
 
-<file path=ppt/slides/slide12.xml><?xml version="1.0" encoding="utf-8"?>
+<file path=ppt/slides/slide14.xml><?xml version="1.0" encoding="utf-8"?>
 <p:sld xmlns:a="http://schemas.openxmlformats.org/drawingml/2006/main" xmlns:r="http://schemas.openxmlformats.org/officeDocument/2006/relationships" xmlns:p="http://schemas.openxmlformats.org/presentationml/2006/main">
   <p:cSld>
     <p:spTree>
@@ -12977,6 +15266,1136 @@
           </a:p>
         </p:txBody>
       </p:sp>
+      <p:pic>
+        <p:nvPicPr>
+          <p:cNvPr id="3" name="图片 2"/>
+          <p:cNvPicPr>
+            <a:picLocks noChangeAspect="1"/>
+          </p:cNvPicPr>
+          <p:nvPr/>
+        </p:nvPicPr>
+        <p:blipFill>
+          <a:blip r:embed="rId2">
+            <a:extLst>
+              <a:ext uri="{28A0092B-C50C-407E-A947-70E740481C1C}">
+                <a14:useLocalDpi xmlns:a14="http://schemas.microsoft.com/office/drawing/2010/main" val="0"/>
+              </a:ext>
+            </a:extLst>
+          </a:blip>
+          <a:srcRect/>
+          <a:stretch>
+            <a:fillRect/>
+          </a:stretch>
+        </p:blipFill>
+        <p:spPr bwMode="auto">
+          <a:xfrm>
+            <a:off x="553447" y="4220601"/>
+            <a:ext cx="1844425" cy="1311275"/>
+          </a:xfrm>
+          <a:prstGeom prst="rect">
+            <a:avLst/>
+          </a:prstGeom>
+          <a:noFill/>
+          <a:ln>
+            <a:noFill/>
+          </a:ln>
+          <a:extLst>
+            <a:ext uri="{909E8E84-426E-40DD-AFC4-6F175D3DCCD1}">
+              <a14:hiddenFill xmlns:a14="http://schemas.microsoft.com/office/drawing/2010/main">
+                <a:solidFill>
+                  <a:srgbClr val="FFFFFF"/>
+                </a:solidFill>
+              </a14:hiddenFill>
+            </a:ext>
+            <a:ext uri="{91240B29-F687-4F45-9708-019B960494DF}">
+              <a14:hiddenLine xmlns:a14="http://schemas.microsoft.com/office/drawing/2010/main" w="9525">
+                <a:solidFill>
+                  <a:srgbClr val="000000"/>
+                </a:solidFill>
+                <a:miter lim="800000"/>
+                <a:headEnd/>
+                <a:tailEnd/>
+              </a14:hiddenLine>
+            </a:ext>
+          </a:extLst>
+        </p:spPr>
+      </p:pic>
+      <p:sp>
+        <p:nvSpPr>
+          <p:cNvPr id="4" name="文本框 3"/>
+          <p:cNvSpPr txBox="1">
+            <a:spLocks noChangeArrowheads="1"/>
+          </p:cNvSpPr>
+          <p:nvPr/>
+        </p:nvSpPr>
+        <p:spPr bwMode="auto">
+          <a:xfrm>
+            <a:off x="889164" y="4380398"/>
+            <a:ext cx="1508708" cy="523220"/>
+          </a:xfrm>
+          <a:prstGeom prst="rect">
+            <a:avLst/>
+          </a:prstGeom>
+          <a:noFill/>
+          <a:ln>
+            <a:noFill/>
+          </a:ln>
+          <a:extLst>
+            <a:ext uri="{909E8E84-426E-40DD-AFC4-6F175D3DCCD1}">
+              <a14:hiddenFill xmlns:a14="http://schemas.microsoft.com/office/drawing/2010/main">
+                <a:solidFill>
+                  <a:srgbClr val="FFFFFF"/>
+                </a:solidFill>
+              </a14:hiddenFill>
+            </a:ext>
+            <a:ext uri="{91240B29-F687-4F45-9708-019B960494DF}">
+              <a14:hiddenLine xmlns:a14="http://schemas.microsoft.com/office/drawing/2010/main" w="9525">
+                <a:solidFill>
+                  <a:srgbClr val="000000"/>
+                </a:solidFill>
+                <a:miter lim="800000"/>
+                <a:headEnd/>
+                <a:tailEnd/>
+              </a14:hiddenLine>
+            </a:ext>
+          </a:extLst>
+        </p:spPr>
+        <p:txBody>
+          <a:bodyPr wrap="square">
+            <a:spAutoFit/>
+          </a:bodyPr>
+          <a:lstStyle>
+            <a:lvl1pPr>
+              <a:defRPr>
+                <a:solidFill>
+                  <a:schemeClr val="tx1"/>
+                </a:solidFill>
+                <a:latin typeface="Trebuchet MS" panose="020B0603020202020204" pitchFamily="34" charset="0"/>
+              </a:defRPr>
+            </a:lvl1pPr>
+            <a:lvl2pPr marL="742950" indent="-285750">
+              <a:defRPr>
+                <a:solidFill>
+                  <a:schemeClr val="tx1"/>
+                </a:solidFill>
+                <a:latin typeface="Trebuchet MS" panose="020B0603020202020204" pitchFamily="34" charset="0"/>
+              </a:defRPr>
+            </a:lvl2pPr>
+            <a:lvl3pPr marL="1143000" indent="-228600">
+              <a:defRPr>
+                <a:solidFill>
+                  <a:schemeClr val="tx1"/>
+                </a:solidFill>
+                <a:latin typeface="Trebuchet MS" panose="020B0603020202020204" pitchFamily="34" charset="0"/>
+              </a:defRPr>
+            </a:lvl3pPr>
+            <a:lvl4pPr marL="1600200" indent="-228600">
+              <a:defRPr>
+                <a:solidFill>
+                  <a:schemeClr val="tx1"/>
+                </a:solidFill>
+                <a:latin typeface="Trebuchet MS" panose="020B0603020202020204" pitchFamily="34" charset="0"/>
+              </a:defRPr>
+            </a:lvl4pPr>
+            <a:lvl5pPr marL="2057400" indent="-228600">
+              <a:defRPr>
+                <a:solidFill>
+                  <a:schemeClr val="tx1"/>
+                </a:solidFill>
+                <a:latin typeface="Trebuchet MS" panose="020B0603020202020204" pitchFamily="34" charset="0"/>
+              </a:defRPr>
+            </a:lvl5pPr>
+            <a:lvl6pPr marL="2514600" indent="-228600" defTabSz="457200" fontAlgn="base">
+              <a:spcBef>
+                <a:spcPct val="0"/>
+              </a:spcBef>
+              <a:spcAft>
+                <a:spcPct val="0"/>
+              </a:spcAft>
+              <a:defRPr>
+                <a:solidFill>
+                  <a:schemeClr val="tx1"/>
+                </a:solidFill>
+                <a:latin typeface="Trebuchet MS" panose="020B0603020202020204" pitchFamily="34" charset="0"/>
+              </a:defRPr>
+            </a:lvl6pPr>
+            <a:lvl7pPr marL="2971800" indent="-228600" defTabSz="457200" fontAlgn="base">
+              <a:spcBef>
+                <a:spcPct val="0"/>
+              </a:spcBef>
+              <a:spcAft>
+                <a:spcPct val="0"/>
+              </a:spcAft>
+              <a:defRPr>
+                <a:solidFill>
+                  <a:schemeClr val="tx1"/>
+                </a:solidFill>
+                <a:latin typeface="Trebuchet MS" panose="020B0603020202020204" pitchFamily="34" charset="0"/>
+              </a:defRPr>
+            </a:lvl7pPr>
+            <a:lvl8pPr marL="3429000" indent="-228600" defTabSz="457200" fontAlgn="base">
+              <a:spcBef>
+                <a:spcPct val="0"/>
+              </a:spcBef>
+              <a:spcAft>
+                <a:spcPct val="0"/>
+              </a:spcAft>
+              <a:defRPr>
+                <a:solidFill>
+                  <a:schemeClr val="tx1"/>
+                </a:solidFill>
+                <a:latin typeface="Trebuchet MS" panose="020B0603020202020204" pitchFamily="34" charset="0"/>
+              </a:defRPr>
+            </a:lvl8pPr>
+            <a:lvl9pPr marL="3886200" indent="-228600" defTabSz="457200" fontAlgn="base">
+              <a:spcBef>
+                <a:spcPct val="0"/>
+              </a:spcBef>
+              <a:spcAft>
+                <a:spcPct val="0"/>
+              </a:spcAft>
+              <a:defRPr>
+                <a:solidFill>
+                  <a:schemeClr val="tx1"/>
+                </a:solidFill>
+                <a:latin typeface="Trebuchet MS" panose="020B0603020202020204" pitchFamily="34" charset="0"/>
+              </a:defRPr>
+            </a:lvl9pPr>
+          </a:lstStyle>
+          <a:p>
+            <a:pPr eaLnBrk="1" hangingPunct="1"/>
+            <a:r>
+              <a:rPr lang="zh-CN" altLang="en-US" sz="2800" dirty="0">
+                <a:solidFill>
+                  <a:schemeClr val="bg1"/>
+                </a:solidFill>
+              </a:rPr>
+              <a:t>用户端</a:t>
+            </a:r>
+            <a:endParaRPr lang="en-US" altLang="en-US" sz="2800" dirty="0">
+              <a:solidFill>
+                <a:schemeClr val="bg1"/>
+              </a:solidFill>
+            </a:endParaRPr>
+          </a:p>
+        </p:txBody>
+      </p:sp>
+      <p:pic>
+        <p:nvPicPr>
+          <p:cNvPr id="5" name="图片 4"/>
+          <p:cNvPicPr>
+            <a:picLocks noChangeAspect="1"/>
+          </p:cNvPicPr>
+          <p:nvPr/>
+        </p:nvPicPr>
+        <p:blipFill>
+          <a:blip r:embed="rId3">
+            <a:extLst>
+              <a:ext uri="{28A0092B-C50C-407E-A947-70E740481C1C}">
+                <a14:useLocalDpi xmlns:a14="http://schemas.microsoft.com/office/drawing/2010/main" val="0"/>
+              </a:ext>
+            </a:extLst>
+          </a:blip>
+          <a:srcRect/>
+          <a:stretch>
+            <a:fillRect/>
+          </a:stretch>
+        </p:blipFill>
+        <p:spPr bwMode="auto">
+          <a:xfrm>
+            <a:off x="8916245" y="4707541"/>
+            <a:ext cx="1395373" cy="1358587"/>
+          </a:xfrm>
+          <a:prstGeom prst="rect">
+            <a:avLst/>
+          </a:prstGeom>
+          <a:noFill/>
+          <a:ln>
+            <a:noFill/>
+          </a:ln>
+          <a:extLst>
+            <a:ext uri="{909E8E84-426E-40DD-AFC4-6F175D3DCCD1}">
+              <a14:hiddenFill xmlns:a14="http://schemas.microsoft.com/office/drawing/2010/main">
+                <a:solidFill>
+                  <a:srgbClr val="FFFFFF"/>
+                </a:solidFill>
+              </a14:hiddenFill>
+            </a:ext>
+            <a:ext uri="{91240B29-F687-4F45-9708-019B960494DF}">
+              <a14:hiddenLine xmlns:a14="http://schemas.microsoft.com/office/drawing/2010/main" w="9525">
+                <a:solidFill>
+                  <a:srgbClr val="000000"/>
+                </a:solidFill>
+                <a:miter lim="800000"/>
+                <a:headEnd/>
+                <a:tailEnd/>
+              </a14:hiddenLine>
+            </a:ext>
+          </a:extLst>
+        </p:spPr>
+      </p:pic>
+      <p:sp>
+        <p:nvSpPr>
+          <p:cNvPr id="6" name="文本框 5"/>
+          <p:cNvSpPr txBox="1">
+            <a:spLocks noChangeArrowheads="1"/>
+          </p:cNvSpPr>
+          <p:nvPr/>
+        </p:nvSpPr>
+        <p:spPr bwMode="auto">
+          <a:xfrm>
+            <a:off x="9060367" y="4882166"/>
+            <a:ext cx="1383569" cy="584200"/>
+          </a:xfrm>
+          <a:prstGeom prst="rect">
+            <a:avLst/>
+          </a:prstGeom>
+          <a:noFill/>
+          <a:ln>
+            <a:noFill/>
+          </a:ln>
+          <a:extLst>
+            <a:ext uri="{909E8E84-426E-40DD-AFC4-6F175D3DCCD1}">
+              <a14:hiddenFill xmlns:a14="http://schemas.microsoft.com/office/drawing/2010/main">
+                <a:solidFill>
+                  <a:srgbClr val="FFFFFF"/>
+                </a:solidFill>
+              </a14:hiddenFill>
+            </a:ext>
+            <a:ext uri="{91240B29-F687-4F45-9708-019B960494DF}">
+              <a14:hiddenLine xmlns:a14="http://schemas.microsoft.com/office/drawing/2010/main" w="9525">
+                <a:solidFill>
+                  <a:srgbClr val="000000"/>
+                </a:solidFill>
+                <a:miter lim="800000"/>
+                <a:headEnd/>
+                <a:tailEnd/>
+              </a14:hiddenLine>
+            </a:ext>
+          </a:extLst>
+        </p:spPr>
+        <p:txBody>
+          <a:bodyPr wrap="square">
+            <a:spAutoFit/>
+          </a:bodyPr>
+          <a:lstStyle>
+            <a:lvl1pPr>
+              <a:defRPr>
+                <a:solidFill>
+                  <a:schemeClr val="tx1"/>
+                </a:solidFill>
+                <a:latin typeface="Trebuchet MS" panose="020B0603020202020204" pitchFamily="34" charset="0"/>
+              </a:defRPr>
+            </a:lvl1pPr>
+            <a:lvl2pPr marL="742950" indent="-285750">
+              <a:defRPr>
+                <a:solidFill>
+                  <a:schemeClr val="tx1"/>
+                </a:solidFill>
+                <a:latin typeface="Trebuchet MS" panose="020B0603020202020204" pitchFamily="34" charset="0"/>
+              </a:defRPr>
+            </a:lvl2pPr>
+            <a:lvl3pPr marL="1143000" indent="-228600">
+              <a:defRPr>
+                <a:solidFill>
+                  <a:schemeClr val="tx1"/>
+                </a:solidFill>
+                <a:latin typeface="Trebuchet MS" panose="020B0603020202020204" pitchFamily="34" charset="0"/>
+              </a:defRPr>
+            </a:lvl3pPr>
+            <a:lvl4pPr marL="1600200" indent="-228600">
+              <a:defRPr>
+                <a:solidFill>
+                  <a:schemeClr val="tx1"/>
+                </a:solidFill>
+                <a:latin typeface="Trebuchet MS" panose="020B0603020202020204" pitchFamily="34" charset="0"/>
+              </a:defRPr>
+            </a:lvl4pPr>
+            <a:lvl5pPr marL="2057400" indent="-228600">
+              <a:defRPr>
+                <a:solidFill>
+                  <a:schemeClr val="tx1"/>
+                </a:solidFill>
+                <a:latin typeface="Trebuchet MS" panose="020B0603020202020204" pitchFamily="34" charset="0"/>
+              </a:defRPr>
+            </a:lvl5pPr>
+            <a:lvl6pPr marL="2514600" indent="-228600" defTabSz="457200" fontAlgn="base">
+              <a:spcBef>
+                <a:spcPct val="0"/>
+              </a:spcBef>
+              <a:spcAft>
+                <a:spcPct val="0"/>
+              </a:spcAft>
+              <a:defRPr>
+                <a:solidFill>
+                  <a:schemeClr val="tx1"/>
+                </a:solidFill>
+                <a:latin typeface="Trebuchet MS" panose="020B0603020202020204" pitchFamily="34" charset="0"/>
+              </a:defRPr>
+            </a:lvl6pPr>
+            <a:lvl7pPr marL="2971800" indent="-228600" defTabSz="457200" fontAlgn="base">
+              <a:spcBef>
+                <a:spcPct val="0"/>
+              </a:spcBef>
+              <a:spcAft>
+                <a:spcPct val="0"/>
+              </a:spcAft>
+              <a:defRPr>
+                <a:solidFill>
+                  <a:schemeClr val="tx1"/>
+                </a:solidFill>
+                <a:latin typeface="Trebuchet MS" panose="020B0603020202020204" pitchFamily="34" charset="0"/>
+              </a:defRPr>
+            </a:lvl7pPr>
+            <a:lvl8pPr marL="3429000" indent="-228600" defTabSz="457200" fontAlgn="base">
+              <a:spcBef>
+                <a:spcPct val="0"/>
+              </a:spcBef>
+              <a:spcAft>
+                <a:spcPct val="0"/>
+              </a:spcAft>
+              <a:defRPr>
+                <a:solidFill>
+                  <a:schemeClr val="tx1"/>
+                </a:solidFill>
+                <a:latin typeface="Trebuchet MS" panose="020B0603020202020204" pitchFamily="34" charset="0"/>
+              </a:defRPr>
+            </a:lvl8pPr>
+            <a:lvl9pPr marL="3886200" indent="-228600" defTabSz="457200" fontAlgn="base">
+              <a:spcBef>
+                <a:spcPct val="0"/>
+              </a:spcBef>
+              <a:spcAft>
+                <a:spcPct val="0"/>
+              </a:spcAft>
+              <a:defRPr>
+                <a:solidFill>
+                  <a:schemeClr val="tx1"/>
+                </a:solidFill>
+                <a:latin typeface="Trebuchet MS" panose="020B0603020202020204" pitchFamily="34" charset="0"/>
+              </a:defRPr>
+            </a:lvl9pPr>
+          </a:lstStyle>
+          <a:p>
+            <a:pPr eaLnBrk="1" hangingPunct="1"/>
+            <a:r>
+              <a:rPr lang="zh-CN" altLang="en-US" sz="3200" dirty="0">
+                <a:solidFill>
+                  <a:schemeClr val="bg1"/>
+                </a:solidFill>
+              </a:rPr>
+              <a:t>终端</a:t>
+            </a:r>
+            <a:endParaRPr lang="en-US" altLang="en-US" sz="3200" dirty="0">
+              <a:solidFill>
+                <a:schemeClr val="bg1"/>
+              </a:solidFill>
+            </a:endParaRPr>
+          </a:p>
+        </p:txBody>
+      </p:sp>
+      <p:sp>
+        <p:nvSpPr>
+          <p:cNvPr id="7" name="左右箭头 6"/>
+          <p:cNvSpPr/>
+          <p:nvPr/>
+        </p:nvSpPr>
+        <p:spPr>
+          <a:xfrm rot="14210762">
+            <a:off x="487884" y="3584142"/>
+            <a:ext cx="1076068" cy="475818"/>
+          </a:xfrm>
+          <a:prstGeom prst="leftRightArrow">
+            <a:avLst/>
+          </a:prstGeom>
+        </p:spPr>
+        <p:style>
+          <a:lnRef idx="2">
+            <a:schemeClr val="accent1">
+              <a:shade val="50000"/>
+            </a:schemeClr>
+          </a:lnRef>
+          <a:fillRef idx="1">
+            <a:schemeClr val="accent1"/>
+          </a:fillRef>
+          <a:effectRef idx="0">
+            <a:schemeClr val="accent1"/>
+          </a:effectRef>
+          <a:fontRef idx="minor">
+            <a:schemeClr val="lt1"/>
+          </a:fontRef>
+        </p:style>
+        <p:txBody>
+          <a:bodyPr rtlCol="0" anchor="ctr"/>
+          <a:lstStyle/>
+          <a:p>
+            <a:pPr algn="ctr"/>
+            <a:endParaRPr lang="en-US"/>
+          </a:p>
+        </p:txBody>
+      </p:sp>
+      <p:sp>
+        <p:nvSpPr>
+          <p:cNvPr id="8" name="左右箭头 7"/>
+          <p:cNvSpPr/>
+          <p:nvPr/>
+        </p:nvSpPr>
+        <p:spPr>
+          <a:xfrm rot="18585138">
+            <a:off x="9601825" y="4074307"/>
+            <a:ext cx="1081822" cy="475818"/>
+          </a:xfrm>
+          <a:prstGeom prst="leftRightArrow">
+            <a:avLst/>
+          </a:prstGeom>
+        </p:spPr>
+        <p:style>
+          <a:lnRef idx="2">
+            <a:schemeClr val="accent1">
+              <a:shade val="50000"/>
+            </a:schemeClr>
+          </a:lnRef>
+          <a:fillRef idx="1">
+            <a:schemeClr val="accent1"/>
+          </a:fillRef>
+          <a:effectRef idx="0">
+            <a:schemeClr val="accent1"/>
+          </a:effectRef>
+          <a:fontRef idx="minor">
+            <a:schemeClr val="lt1"/>
+          </a:fontRef>
+        </p:style>
+        <p:txBody>
+          <a:bodyPr rtlCol="0" anchor="ctr"/>
+          <a:lstStyle/>
+          <a:p>
+            <a:pPr algn="ctr"/>
+            <a:endParaRPr lang="en-US"/>
+          </a:p>
+        </p:txBody>
+      </p:sp>
+      <p:sp>
+        <p:nvSpPr>
+          <p:cNvPr id="9" name="文本框 8"/>
+          <p:cNvSpPr txBox="1"/>
+          <p:nvPr/>
+        </p:nvSpPr>
+        <p:spPr>
+          <a:xfrm>
+            <a:off x="9804124" y="3355162"/>
+            <a:ext cx="1734834" cy="523220"/>
+          </a:xfrm>
+          <a:prstGeom prst="rect">
+            <a:avLst/>
+          </a:prstGeom>
+          <a:noFill/>
+          <a:ln>
+            <a:solidFill>
+              <a:schemeClr val="bg1"/>
+            </a:solidFill>
+          </a:ln>
+        </p:spPr>
+        <p:txBody>
+          <a:bodyPr wrap="square" rtlCol="0">
+            <a:spAutoFit/>
+          </a:bodyPr>
+          <a:lstStyle/>
+          <a:p>
+            <a:pPr algn="ctr"/>
+            <a:r>
+              <a:rPr lang="en-US" altLang="zh-CN" sz="2800" dirty="0" smtClean="0">
+                <a:solidFill>
+                  <a:schemeClr val="bg1"/>
+                </a:solidFill>
+              </a:rPr>
+              <a:t>GSM</a:t>
+            </a:r>
+            <a:r>
+              <a:rPr lang="zh-CN" altLang="en-US" sz="2800" dirty="0" smtClean="0">
+                <a:solidFill>
+                  <a:schemeClr val="bg1"/>
+                </a:solidFill>
+              </a:rPr>
+              <a:t>模块</a:t>
+            </a:r>
+            <a:endParaRPr lang="en-US" sz="2800" dirty="0">
+              <a:solidFill>
+                <a:schemeClr val="bg1"/>
+              </a:solidFill>
+            </a:endParaRPr>
+          </a:p>
+        </p:txBody>
+      </p:sp>
+      <p:sp>
+        <p:nvSpPr>
+          <p:cNvPr id="10" name="文本框 9"/>
+          <p:cNvSpPr txBox="1"/>
+          <p:nvPr/>
+        </p:nvSpPr>
+        <p:spPr>
+          <a:xfrm>
+            <a:off x="0" y="2836661"/>
+            <a:ext cx="1621145" cy="523220"/>
+          </a:xfrm>
+          <a:prstGeom prst="rect">
+            <a:avLst/>
+          </a:prstGeom>
+          <a:noFill/>
+          <a:ln>
+            <a:solidFill>
+              <a:schemeClr val="bg1"/>
+            </a:solidFill>
+          </a:ln>
+        </p:spPr>
+        <p:txBody>
+          <a:bodyPr wrap="square" rtlCol="0">
+            <a:spAutoFit/>
+          </a:bodyPr>
+          <a:lstStyle/>
+          <a:p>
+            <a:pPr algn="ctr"/>
+            <a:r>
+              <a:rPr lang="zh-CN" altLang="en-US" sz="2800" dirty="0" smtClean="0">
+                <a:solidFill>
+                  <a:schemeClr val="bg1"/>
+                </a:solidFill>
+              </a:rPr>
+              <a:t>按键模块</a:t>
+            </a:r>
+            <a:endParaRPr lang="en-US" sz="2800" dirty="0">
+              <a:solidFill>
+                <a:schemeClr val="bg1"/>
+              </a:solidFill>
+            </a:endParaRPr>
+          </a:p>
+        </p:txBody>
+      </p:sp>
+      <p:pic>
+        <p:nvPicPr>
+          <p:cNvPr id="11" name="图片 10"/>
+          <p:cNvPicPr>
+            <a:picLocks noChangeAspect="1"/>
+          </p:cNvPicPr>
+          <p:nvPr/>
+        </p:nvPicPr>
+        <p:blipFill>
+          <a:blip r:embed="rId4"/>
+          <a:stretch>
+            <a:fillRect/>
+          </a:stretch>
+        </p:blipFill>
+        <p:spPr>
+          <a:xfrm>
+            <a:off x="3853242" y="4402606"/>
+            <a:ext cx="724770" cy="864563"/>
+          </a:xfrm>
+          <a:prstGeom prst="rect">
+            <a:avLst/>
+          </a:prstGeom>
+        </p:spPr>
+      </p:pic>
+      <p:sp>
+        <p:nvSpPr>
+          <p:cNvPr id="12" name="左右箭头 11"/>
+          <p:cNvSpPr/>
+          <p:nvPr/>
+        </p:nvSpPr>
+        <p:spPr>
+          <a:xfrm rot="10800000">
+            <a:off x="2243294" y="4574770"/>
+            <a:ext cx="1609947" cy="475818"/>
+          </a:xfrm>
+          <a:prstGeom prst="leftRightArrow">
+            <a:avLst/>
+          </a:prstGeom>
+        </p:spPr>
+        <p:style>
+          <a:lnRef idx="2">
+            <a:schemeClr val="accent1">
+              <a:shade val="50000"/>
+            </a:schemeClr>
+          </a:lnRef>
+          <a:fillRef idx="1">
+            <a:schemeClr val="accent1"/>
+          </a:fillRef>
+          <a:effectRef idx="0">
+            <a:schemeClr val="accent1"/>
+          </a:effectRef>
+          <a:fontRef idx="minor">
+            <a:schemeClr val="lt1"/>
+          </a:fontRef>
+        </p:style>
+        <p:txBody>
+          <a:bodyPr rtlCol="0" anchor="ctr"/>
+          <a:lstStyle/>
+          <a:p>
+            <a:pPr algn="ctr"/>
+            <a:endParaRPr lang="en-US"/>
+          </a:p>
+        </p:txBody>
+      </p:sp>
+      <p:sp>
+        <p:nvSpPr>
+          <p:cNvPr id="13" name="左右箭头 12"/>
+          <p:cNvSpPr/>
+          <p:nvPr/>
+        </p:nvSpPr>
+        <p:spPr>
+          <a:xfrm rot="18366290">
+            <a:off x="1502548" y="3577061"/>
+            <a:ext cx="1169983" cy="475818"/>
+          </a:xfrm>
+          <a:prstGeom prst="leftRightArrow">
+            <a:avLst/>
+          </a:prstGeom>
+        </p:spPr>
+        <p:style>
+          <a:lnRef idx="2">
+            <a:schemeClr val="accent1">
+              <a:shade val="50000"/>
+            </a:schemeClr>
+          </a:lnRef>
+          <a:fillRef idx="1">
+            <a:schemeClr val="accent1"/>
+          </a:fillRef>
+          <a:effectRef idx="0">
+            <a:schemeClr val="accent1"/>
+          </a:effectRef>
+          <a:fontRef idx="minor">
+            <a:schemeClr val="lt1"/>
+          </a:fontRef>
+        </p:style>
+        <p:txBody>
+          <a:bodyPr rtlCol="0" anchor="ctr"/>
+          <a:lstStyle/>
+          <a:p>
+            <a:pPr algn="ctr"/>
+            <a:endParaRPr lang="en-US"/>
+          </a:p>
+        </p:txBody>
+      </p:sp>
+      <p:sp>
+        <p:nvSpPr>
+          <p:cNvPr id="14" name="文本框 13"/>
+          <p:cNvSpPr txBox="1"/>
+          <p:nvPr/>
+        </p:nvSpPr>
+        <p:spPr>
+          <a:xfrm>
+            <a:off x="1807734" y="1881526"/>
+            <a:ext cx="1702292" cy="523220"/>
+          </a:xfrm>
+          <a:prstGeom prst="rect">
+            <a:avLst/>
+          </a:prstGeom>
+          <a:noFill/>
+          <a:ln>
+            <a:solidFill>
+              <a:schemeClr val="bg1"/>
+            </a:solidFill>
+          </a:ln>
+        </p:spPr>
+        <p:txBody>
+          <a:bodyPr wrap="square" rtlCol="0">
+            <a:spAutoFit/>
+          </a:bodyPr>
+          <a:lstStyle/>
+          <a:p>
+            <a:pPr algn="ctr"/>
+            <a:r>
+              <a:rPr lang="zh-CN" altLang="en-US" sz="2800" dirty="0" smtClean="0">
+                <a:solidFill>
+                  <a:schemeClr val="bg1"/>
+                </a:solidFill>
+              </a:rPr>
+              <a:t>无线模块</a:t>
+            </a:r>
+            <a:endParaRPr lang="en-US" sz="2800" dirty="0">
+              <a:solidFill>
+                <a:schemeClr val="bg1"/>
+              </a:solidFill>
+            </a:endParaRPr>
+          </a:p>
+        </p:txBody>
+      </p:sp>
+      <p:sp>
+        <p:nvSpPr>
+          <p:cNvPr id="16" name="左右箭头 15"/>
+          <p:cNvSpPr/>
+          <p:nvPr/>
+        </p:nvSpPr>
+        <p:spPr>
+          <a:xfrm rot="3134619">
+            <a:off x="8691941" y="4069952"/>
+            <a:ext cx="1081822" cy="475818"/>
+          </a:xfrm>
+          <a:prstGeom prst="leftRightArrow">
+            <a:avLst/>
+          </a:prstGeom>
+        </p:spPr>
+        <p:style>
+          <a:lnRef idx="2">
+            <a:schemeClr val="accent1">
+              <a:shade val="50000"/>
+            </a:schemeClr>
+          </a:lnRef>
+          <a:fillRef idx="1">
+            <a:schemeClr val="accent1"/>
+          </a:fillRef>
+          <a:effectRef idx="0">
+            <a:schemeClr val="accent1"/>
+          </a:effectRef>
+          <a:fontRef idx="minor">
+            <a:schemeClr val="lt1"/>
+          </a:fontRef>
+        </p:style>
+        <p:txBody>
+          <a:bodyPr rtlCol="0" anchor="ctr"/>
+          <a:lstStyle/>
+          <a:p>
+            <a:pPr algn="ctr"/>
+            <a:endParaRPr lang="en-US"/>
+          </a:p>
+        </p:txBody>
+      </p:sp>
+      <p:sp>
+        <p:nvSpPr>
+          <p:cNvPr id="17" name="文本框 16"/>
+          <p:cNvSpPr txBox="1"/>
+          <p:nvPr/>
+        </p:nvSpPr>
+        <p:spPr>
+          <a:xfrm>
+            <a:off x="7811275" y="2457262"/>
+            <a:ext cx="1802656" cy="523220"/>
+          </a:xfrm>
+          <a:prstGeom prst="rect">
+            <a:avLst/>
+          </a:prstGeom>
+          <a:noFill/>
+          <a:ln>
+            <a:solidFill>
+              <a:schemeClr val="bg1"/>
+            </a:solidFill>
+          </a:ln>
+        </p:spPr>
+        <p:txBody>
+          <a:bodyPr wrap="square" rtlCol="0">
+            <a:spAutoFit/>
+          </a:bodyPr>
+          <a:lstStyle/>
+          <a:p>
+            <a:pPr algn="ctr"/>
+            <a:r>
+              <a:rPr lang="zh-CN" altLang="en-US" sz="2800" dirty="0" smtClean="0">
+                <a:solidFill>
+                  <a:schemeClr val="bg1"/>
+                </a:solidFill>
+              </a:rPr>
+              <a:t>无线模块</a:t>
+            </a:r>
+            <a:endParaRPr lang="en-US" sz="2800" dirty="0">
+              <a:solidFill>
+                <a:schemeClr val="bg1"/>
+              </a:solidFill>
+            </a:endParaRPr>
+          </a:p>
+        </p:txBody>
+      </p:sp>
+      <p:sp>
+        <p:nvSpPr>
+          <p:cNvPr id="15" name="云形标注 14"/>
+          <p:cNvSpPr/>
+          <p:nvPr/>
+        </p:nvSpPr>
+        <p:spPr>
+          <a:xfrm>
+            <a:off x="9890955" y="2294915"/>
+            <a:ext cx="1561171" cy="761020"/>
+          </a:xfrm>
+          <a:prstGeom prst="cloudCallout">
+            <a:avLst>
+              <a:gd name="adj1" fmla="val -1382"/>
+              <a:gd name="adj2" fmla="val 84857"/>
+            </a:avLst>
+          </a:prstGeom>
+        </p:spPr>
+        <p:style>
+          <a:lnRef idx="2">
+            <a:schemeClr val="accent1">
+              <a:shade val="50000"/>
+            </a:schemeClr>
+          </a:lnRef>
+          <a:fillRef idx="1">
+            <a:schemeClr val="accent1"/>
+          </a:fillRef>
+          <a:effectRef idx="0">
+            <a:schemeClr val="accent1"/>
+          </a:effectRef>
+          <a:fontRef idx="minor">
+            <a:schemeClr val="lt1"/>
+          </a:fontRef>
+        </p:style>
+        <p:txBody>
+          <a:bodyPr rtlCol="0" anchor="ctr"/>
+          <a:lstStyle/>
+          <a:p>
+            <a:pPr algn="ctr"/>
+            <a:r>
+              <a:rPr lang="zh-CN" altLang="en-US" sz="2000" dirty="0" smtClean="0">
+                <a:solidFill>
+                  <a:schemeClr val="bg1"/>
+                </a:solidFill>
+              </a:rPr>
+              <a:t>验证码</a:t>
+            </a:r>
+            <a:endParaRPr lang="en-US" sz="2000" dirty="0">
+              <a:solidFill>
+                <a:schemeClr val="bg1"/>
+              </a:solidFill>
+            </a:endParaRPr>
+          </a:p>
+        </p:txBody>
+      </p:sp>
+      <p:sp>
+        <p:nvSpPr>
+          <p:cNvPr id="18" name="云形标注 17"/>
+          <p:cNvSpPr/>
+          <p:nvPr/>
+        </p:nvSpPr>
+        <p:spPr>
+          <a:xfrm>
+            <a:off x="1948855" y="811217"/>
+            <a:ext cx="1561171" cy="761020"/>
+          </a:xfrm>
+          <a:prstGeom prst="cloudCallout">
+            <a:avLst>
+              <a:gd name="adj1" fmla="val -1382"/>
+              <a:gd name="adj2" fmla="val 84857"/>
+            </a:avLst>
+          </a:prstGeom>
+        </p:spPr>
+        <p:style>
+          <a:lnRef idx="2">
+            <a:schemeClr val="accent1">
+              <a:shade val="50000"/>
+            </a:schemeClr>
+          </a:lnRef>
+          <a:fillRef idx="1">
+            <a:schemeClr val="accent1"/>
+          </a:fillRef>
+          <a:effectRef idx="0">
+            <a:schemeClr val="accent1"/>
+          </a:effectRef>
+          <a:fontRef idx="minor">
+            <a:schemeClr val="lt1"/>
+          </a:fontRef>
+        </p:style>
+        <p:txBody>
+          <a:bodyPr rtlCol="0" anchor="ctr"/>
+          <a:lstStyle/>
+          <a:p>
+            <a:pPr algn="ctr"/>
+            <a:r>
+              <a:rPr lang="zh-CN" altLang="en-US" sz="2000" dirty="0" smtClean="0">
+                <a:solidFill>
+                  <a:schemeClr val="bg1"/>
+                </a:solidFill>
+              </a:rPr>
+              <a:t>验证码</a:t>
+            </a:r>
+            <a:endParaRPr lang="en-US" sz="2000" dirty="0">
+              <a:solidFill>
+                <a:schemeClr val="bg1"/>
+              </a:solidFill>
+            </a:endParaRPr>
+          </a:p>
+        </p:txBody>
+      </p:sp>
+      <p:sp>
+        <p:nvSpPr>
+          <p:cNvPr id="19" name="文本框 18"/>
+          <p:cNvSpPr txBox="1"/>
+          <p:nvPr/>
+        </p:nvSpPr>
+        <p:spPr>
+          <a:xfrm>
+            <a:off x="1802633" y="2849095"/>
+            <a:ext cx="1707393" cy="461665"/>
+          </a:xfrm>
+          <a:prstGeom prst="rect">
+            <a:avLst/>
+          </a:prstGeom>
+          <a:noFill/>
+          <a:ln>
+            <a:solidFill>
+              <a:schemeClr val="bg1"/>
+            </a:solidFill>
+          </a:ln>
+        </p:spPr>
+        <p:txBody>
+          <a:bodyPr wrap="square" rtlCol="0">
+            <a:spAutoFit/>
+          </a:bodyPr>
+          <a:lstStyle/>
+          <a:p>
+            <a:pPr algn="ctr"/>
+            <a:r>
+              <a:rPr lang="en-US" sz="2400" dirty="0" smtClean="0">
+                <a:solidFill>
+                  <a:schemeClr val="bg1"/>
+                </a:solidFill>
+              </a:rPr>
+              <a:t>AES</a:t>
+            </a:r>
+            <a:r>
+              <a:rPr lang="zh-CN" altLang="en-US" sz="2400" dirty="0" smtClean="0">
+                <a:solidFill>
+                  <a:schemeClr val="bg1"/>
+                </a:solidFill>
+              </a:rPr>
+              <a:t>加解密</a:t>
+            </a:r>
+            <a:endParaRPr lang="en-US" sz="2400" dirty="0">
+              <a:solidFill>
+                <a:schemeClr val="bg1"/>
+              </a:solidFill>
+            </a:endParaRPr>
+          </a:p>
+        </p:txBody>
+      </p:sp>
+      <p:sp>
+        <p:nvSpPr>
+          <p:cNvPr id="20" name="文本框 19"/>
+          <p:cNvSpPr txBox="1"/>
+          <p:nvPr/>
+        </p:nvSpPr>
+        <p:spPr>
+          <a:xfrm>
+            <a:off x="7811275" y="3385939"/>
+            <a:ext cx="1844425" cy="461665"/>
+          </a:xfrm>
+          <a:prstGeom prst="rect">
+            <a:avLst/>
+          </a:prstGeom>
+          <a:noFill/>
+          <a:ln>
+            <a:solidFill>
+              <a:schemeClr val="bg1"/>
+            </a:solidFill>
+          </a:ln>
+        </p:spPr>
+        <p:txBody>
+          <a:bodyPr wrap="square" rtlCol="0">
+            <a:spAutoFit/>
+          </a:bodyPr>
+          <a:lstStyle/>
+          <a:p>
+            <a:pPr algn="ctr"/>
+            <a:r>
+              <a:rPr lang="en-US" sz="2400" dirty="0" smtClean="0">
+                <a:solidFill>
+                  <a:schemeClr val="bg1"/>
+                </a:solidFill>
+              </a:rPr>
+              <a:t>AES</a:t>
+            </a:r>
+            <a:r>
+              <a:rPr lang="zh-CN" altLang="en-US" sz="2400" dirty="0" smtClean="0">
+                <a:solidFill>
+                  <a:schemeClr val="bg1"/>
+                </a:solidFill>
+              </a:rPr>
+              <a:t>加解密</a:t>
+            </a:r>
+            <a:endParaRPr lang="en-US" sz="2400" dirty="0">
+              <a:solidFill>
+                <a:schemeClr val="bg1"/>
+              </a:solidFill>
+            </a:endParaRPr>
+          </a:p>
+        </p:txBody>
+      </p:sp>
+      <p:sp>
+        <p:nvSpPr>
+          <p:cNvPr id="21" name="上下箭头 20"/>
+          <p:cNvSpPr/>
+          <p:nvPr/>
+        </p:nvSpPr>
+        <p:spPr>
+          <a:xfrm>
+            <a:off x="2460193" y="2404746"/>
+            <a:ext cx="338763" cy="431501"/>
+          </a:xfrm>
+          <a:prstGeom prst="upDownArrow">
+            <a:avLst/>
+          </a:prstGeom>
+        </p:spPr>
+        <p:style>
+          <a:lnRef idx="2">
+            <a:schemeClr val="accent1">
+              <a:shade val="50000"/>
+            </a:schemeClr>
+          </a:lnRef>
+          <a:fillRef idx="1">
+            <a:schemeClr val="accent1"/>
+          </a:fillRef>
+          <a:effectRef idx="0">
+            <a:schemeClr val="accent1"/>
+          </a:effectRef>
+          <a:fontRef idx="minor">
+            <a:schemeClr val="lt1"/>
+          </a:fontRef>
+        </p:style>
+        <p:txBody>
+          <a:bodyPr rtlCol="0" anchor="ctr"/>
+          <a:lstStyle/>
+          <a:p>
+            <a:pPr algn="ctr"/>
+            <a:endParaRPr lang="en-US"/>
+          </a:p>
+        </p:txBody>
+      </p:sp>
+      <p:sp>
+        <p:nvSpPr>
+          <p:cNvPr id="22" name="上下箭头 21"/>
+          <p:cNvSpPr/>
+          <p:nvPr/>
+        </p:nvSpPr>
+        <p:spPr>
+          <a:xfrm>
+            <a:off x="8522345" y="2980482"/>
+            <a:ext cx="312488" cy="399600"/>
+          </a:xfrm>
+          <a:prstGeom prst="upDownArrow">
+            <a:avLst/>
+          </a:prstGeom>
+        </p:spPr>
+        <p:style>
+          <a:lnRef idx="2">
+            <a:schemeClr val="accent1">
+              <a:shade val="50000"/>
+            </a:schemeClr>
+          </a:lnRef>
+          <a:fillRef idx="1">
+            <a:schemeClr val="accent1"/>
+          </a:fillRef>
+          <a:effectRef idx="0">
+            <a:schemeClr val="accent1"/>
+          </a:effectRef>
+          <a:fontRef idx="minor">
+            <a:schemeClr val="lt1"/>
+          </a:fontRef>
+        </p:style>
+        <p:txBody>
+          <a:bodyPr rtlCol="0" anchor="ctr"/>
+          <a:lstStyle/>
+          <a:p>
+            <a:pPr algn="ctr"/>
+            <a:endParaRPr lang="en-US"/>
+          </a:p>
+        </p:txBody>
+      </p:sp>
     </p:spTree>
     <p:extLst>
       <p:ext uri="{BB962C8B-B14F-4D97-AF65-F5344CB8AC3E}">
@@ -12990,9 +16409,789 @@
   <p:timing>
     <p:tnLst>
       <p:par>
-        <p:cTn id="1" dur="indefinite" restart="never" nodeType="tmRoot"/>
+        <p:cTn id="1" dur="indefinite" restart="never" nodeType="tmRoot">
+          <p:childTnLst>
+            <p:seq concurrent="1" nextAc="seek">
+              <p:cTn id="2" dur="indefinite" nodeType="mainSeq">
+                <p:childTnLst>
+                  <p:par>
+                    <p:cTn id="3" fill="hold">
+                      <p:stCondLst>
+                        <p:cond delay="indefinite"/>
+                      </p:stCondLst>
+                      <p:childTnLst>
+                        <p:par>
+                          <p:cTn id="4" fill="hold">
+                            <p:stCondLst>
+                              <p:cond delay="0"/>
+                            </p:stCondLst>
+                            <p:childTnLst>
+                              <p:par>
+                                <p:cTn id="5" presetID="1" presetClass="entr" presetSubtype="0" fill="hold" nodeType="clickEffect">
+                                  <p:stCondLst>
+                                    <p:cond delay="0"/>
+                                  </p:stCondLst>
+                                  <p:childTnLst>
+                                    <p:set>
+                                      <p:cBhvr>
+                                        <p:cTn id="6" dur="1" fill="hold">
+                                          <p:stCondLst>
+                                            <p:cond delay="0"/>
+                                          </p:stCondLst>
+                                        </p:cTn>
+                                        <p:tgtEl>
+                                          <p:spTgt spid="3"/>
+                                        </p:tgtEl>
+                                        <p:attrNameLst>
+                                          <p:attrName>style.visibility</p:attrName>
+                                        </p:attrNameLst>
+                                      </p:cBhvr>
+                                      <p:to>
+                                        <p:strVal val="visible"/>
+                                      </p:to>
+                                    </p:set>
+                                  </p:childTnLst>
+                                </p:cTn>
+                              </p:par>
+                              <p:par>
+                                <p:cTn id="7" presetID="1" presetClass="entr" presetSubtype="0" fill="hold" grpId="0" nodeType="withEffect">
+                                  <p:stCondLst>
+                                    <p:cond delay="0"/>
+                                  </p:stCondLst>
+                                  <p:childTnLst>
+                                    <p:set>
+                                      <p:cBhvr>
+                                        <p:cTn id="8" dur="1" fill="hold">
+                                          <p:stCondLst>
+                                            <p:cond delay="0"/>
+                                          </p:stCondLst>
+                                        </p:cTn>
+                                        <p:tgtEl>
+                                          <p:spTgt spid="4"/>
+                                        </p:tgtEl>
+                                        <p:attrNameLst>
+                                          <p:attrName>style.visibility</p:attrName>
+                                        </p:attrNameLst>
+                                      </p:cBhvr>
+                                      <p:to>
+                                        <p:strVal val="visible"/>
+                                      </p:to>
+                                    </p:set>
+                                  </p:childTnLst>
+                                </p:cTn>
+                              </p:par>
+                              <p:par>
+                                <p:cTn id="9" presetID="1" presetClass="entr" presetSubtype="0" fill="hold" nodeType="withEffect">
+                                  <p:stCondLst>
+                                    <p:cond delay="0"/>
+                                  </p:stCondLst>
+                                  <p:childTnLst>
+                                    <p:set>
+                                      <p:cBhvr>
+                                        <p:cTn id="10" dur="1" fill="hold">
+                                          <p:stCondLst>
+                                            <p:cond delay="0"/>
+                                          </p:stCondLst>
+                                        </p:cTn>
+                                        <p:tgtEl>
+                                          <p:spTgt spid="5"/>
+                                        </p:tgtEl>
+                                        <p:attrNameLst>
+                                          <p:attrName>style.visibility</p:attrName>
+                                        </p:attrNameLst>
+                                      </p:cBhvr>
+                                      <p:to>
+                                        <p:strVal val="visible"/>
+                                      </p:to>
+                                    </p:set>
+                                  </p:childTnLst>
+                                </p:cTn>
+                              </p:par>
+                              <p:par>
+                                <p:cTn id="11" presetID="1" presetClass="entr" presetSubtype="0" fill="hold" grpId="0" nodeType="withEffect">
+                                  <p:stCondLst>
+                                    <p:cond delay="0"/>
+                                  </p:stCondLst>
+                                  <p:childTnLst>
+                                    <p:set>
+                                      <p:cBhvr>
+                                        <p:cTn id="12" dur="1" fill="hold">
+                                          <p:stCondLst>
+                                            <p:cond delay="0"/>
+                                          </p:stCondLst>
+                                        </p:cTn>
+                                        <p:tgtEl>
+                                          <p:spTgt spid="6"/>
+                                        </p:tgtEl>
+                                        <p:attrNameLst>
+                                          <p:attrName>style.visibility</p:attrName>
+                                        </p:attrNameLst>
+                                      </p:cBhvr>
+                                      <p:to>
+                                        <p:strVal val="visible"/>
+                                      </p:to>
+                                    </p:set>
+                                  </p:childTnLst>
+                                </p:cTn>
+                              </p:par>
+                              <p:par>
+                                <p:cTn id="13" presetID="1" presetClass="entr" presetSubtype="0" fill="hold" grpId="0" nodeType="withEffect">
+                                  <p:stCondLst>
+                                    <p:cond delay="0"/>
+                                  </p:stCondLst>
+                                  <p:childTnLst>
+                                    <p:set>
+                                      <p:cBhvr>
+                                        <p:cTn id="14" dur="1" fill="hold">
+                                          <p:stCondLst>
+                                            <p:cond delay="0"/>
+                                          </p:stCondLst>
+                                        </p:cTn>
+                                        <p:tgtEl>
+                                          <p:spTgt spid="7"/>
+                                        </p:tgtEl>
+                                        <p:attrNameLst>
+                                          <p:attrName>style.visibility</p:attrName>
+                                        </p:attrNameLst>
+                                      </p:cBhvr>
+                                      <p:to>
+                                        <p:strVal val="visible"/>
+                                      </p:to>
+                                    </p:set>
+                                  </p:childTnLst>
+                                </p:cTn>
+                              </p:par>
+                              <p:par>
+                                <p:cTn id="15" presetID="1" presetClass="entr" presetSubtype="0" fill="hold" grpId="0" nodeType="withEffect">
+                                  <p:stCondLst>
+                                    <p:cond delay="0"/>
+                                  </p:stCondLst>
+                                  <p:childTnLst>
+                                    <p:set>
+                                      <p:cBhvr>
+                                        <p:cTn id="16" dur="1" fill="hold">
+                                          <p:stCondLst>
+                                            <p:cond delay="0"/>
+                                          </p:stCondLst>
+                                        </p:cTn>
+                                        <p:tgtEl>
+                                          <p:spTgt spid="8"/>
+                                        </p:tgtEl>
+                                        <p:attrNameLst>
+                                          <p:attrName>style.visibility</p:attrName>
+                                        </p:attrNameLst>
+                                      </p:cBhvr>
+                                      <p:to>
+                                        <p:strVal val="visible"/>
+                                      </p:to>
+                                    </p:set>
+                                  </p:childTnLst>
+                                </p:cTn>
+                              </p:par>
+                              <p:par>
+                                <p:cTn id="17" presetID="1" presetClass="entr" presetSubtype="0" fill="hold" grpId="0" nodeType="withEffect">
+                                  <p:stCondLst>
+                                    <p:cond delay="0"/>
+                                  </p:stCondLst>
+                                  <p:childTnLst>
+                                    <p:set>
+                                      <p:cBhvr>
+                                        <p:cTn id="18" dur="1" fill="hold">
+                                          <p:stCondLst>
+                                            <p:cond delay="0"/>
+                                          </p:stCondLst>
+                                        </p:cTn>
+                                        <p:tgtEl>
+                                          <p:spTgt spid="9"/>
+                                        </p:tgtEl>
+                                        <p:attrNameLst>
+                                          <p:attrName>style.visibility</p:attrName>
+                                        </p:attrNameLst>
+                                      </p:cBhvr>
+                                      <p:to>
+                                        <p:strVal val="visible"/>
+                                      </p:to>
+                                    </p:set>
+                                  </p:childTnLst>
+                                </p:cTn>
+                              </p:par>
+                              <p:par>
+                                <p:cTn id="19" presetID="1" presetClass="entr" presetSubtype="0" fill="hold" grpId="0" nodeType="withEffect">
+                                  <p:stCondLst>
+                                    <p:cond delay="0"/>
+                                  </p:stCondLst>
+                                  <p:childTnLst>
+                                    <p:set>
+                                      <p:cBhvr>
+                                        <p:cTn id="20" dur="1" fill="hold">
+                                          <p:stCondLst>
+                                            <p:cond delay="0"/>
+                                          </p:stCondLst>
+                                        </p:cTn>
+                                        <p:tgtEl>
+                                          <p:spTgt spid="10"/>
+                                        </p:tgtEl>
+                                        <p:attrNameLst>
+                                          <p:attrName>style.visibility</p:attrName>
+                                        </p:attrNameLst>
+                                      </p:cBhvr>
+                                      <p:to>
+                                        <p:strVal val="visible"/>
+                                      </p:to>
+                                    </p:set>
+                                  </p:childTnLst>
+                                </p:cTn>
+                              </p:par>
+                              <p:par>
+                                <p:cTn id="21" presetID="1" presetClass="entr" presetSubtype="0" fill="hold" nodeType="withEffect">
+                                  <p:stCondLst>
+                                    <p:cond delay="0"/>
+                                  </p:stCondLst>
+                                  <p:childTnLst>
+                                    <p:set>
+                                      <p:cBhvr>
+                                        <p:cTn id="22" dur="1" fill="hold">
+                                          <p:stCondLst>
+                                            <p:cond delay="0"/>
+                                          </p:stCondLst>
+                                        </p:cTn>
+                                        <p:tgtEl>
+                                          <p:spTgt spid="11"/>
+                                        </p:tgtEl>
+                                        <p:attrNameLst>
+                                          <p:attrName>style.visibility</p:attrName>
+                                        </p:attrNameLst>
+                                      </p:cBhvr>
+                                      <p:to>
+                                        <p:strVal val="visible"/>
+                                      </p:to>
+                                    </p:set>
+                                  </p:childTnLst>
+                                </p:cTn>
+                              </p:par>
+                              <p:par>
+                                <p:cTn id="23" presetID="1" presetClass="entr" presetSubtype="0" fill="hold" grpId="0" nodeType="withEffect">
+                                  <p:stCondLst>
+                                    <p:cond delay="0"/>
+                                  </p:stCondLst>
+                                  <p:childTnLst>
+                                    <p:set>
+                                      <p:cBhvr>
+                                        <p:cTn id="24" dur="1" fill="hold">
+                                          <p:stCondLst>
+                                            <p:cond delay="0"/>
+                                          </p:stCondLst>
+                                        </p:cTn>
+                                        <p:tgtEl>
+                                          <p:spTgt spid="12"/>
+                                        </p:tgtEl>
+                                        <p:attrNameLst>
+                                          <p:attrName>style.visibility</p:attrName>
+                                        </p:attrNameLst>
+                                      </p:cBhvr>
+                                      <p:to>
+                                        <p:strVal val="visible"/>
+                                      </p:to>
+                                    </p:set>
+                                  </p:childTnLst>
+                                </p:cTn>
+                              </p:par>
+                              <p:par>
+                                <p:cTn id="25" presetID="1" presetClass="entr" presetSubtype="0" fill="hold" grpId="0" nodeType="withEffect">
+                                  <p:stCondLst>
+                                    <p:cond delay="0"/>
+                                  </p:stCondLst>
+                                  <p:childTnLst>
+                                    <p:set>
+                                      <p:cBhvr>
+                                        <p:cTn id="26" dur="1" fill="hold">
+                                          <p:stCondLst>
+                                            <p:cond delay="0"/>
+                                          </p:stCondLst>
+                                        </p:cTn>
+                                        <p:tgtEl>
+                                          <p:spTgt spid="13"/>
+                                        </p:tgtEl>
+                                        <p:attrNameLst>
+                                          <p:attrName>style.visibility</p:attrName>
+                                        </p:attrNameLst>
+                                      </p:cBhvr>
+                                      <p:to>
+                                        <p:strVal val="visible"/>
+                                      </p:to>
+                                    </p:set>
+                                  </p:childTnLst>
+                                </p:cTn>
+                              </p:par>
+                              <p:par>
+                                <p:cTn id="27" presetID="1" presetClass="entr" presetSubtype="0" fill="hold" grpId="0" nodeType="withEffect">
+                                  <p:stCondLst>
+                                    <p:cond delay="0"/>
+                                  </p:stCondLst>
+                                  <p:childTnLst>
+                                    <p:set>
+                                      <p:cBhvr>
+                                        <p:cTn id="28" dur="1" fill="hold">
+                                          <p:stCondLst>
+                                            <p:cond delay="0"/>
+                                          </p:stCondLst>
+                                        </p:cTn>
+                                        <p:tgtEl>
+                                          <p:spTgt spid="14"/>
+                                        </p:tgtEl>
+                                        <p:attrNameLst>
+                                          <p:attrName>style.visibility</p:attrName>
+                                        </p:attrNameLst>
+                                      </p:cBhvr>
+                                      <p:to>
+                                        <p:strVal val="visible"/>
+                                      </p:to>
+                                    </p:set>
+                                  </p:childTnLst>
+                                </p:cTn>
+                              </p:par>
+                              <p:par>
+                                <p:cTn id="29" presetID="1" presetClass="entr" presetSubtype="0" fill="hold" grpId="0" nodeType="withEffect">
+                                  <p:stCondLst>
+                                    <p:cond delay="0"/>
+                                  </p:stCondLst>
+                                  <p:childTnLst>
+                                    <p:set>
+                                      <p:cBhvr>
+                                        <p:cTn id="30" dur="1" fill="hold">
+                                          <p:stCondLst>
+                                            <p:cond delay="0"/>
+                                          </p:stCondLst>
+                                        </p:cTn>
+                                        <p:tgtEl>
+                                          <p:spTgt spid="16"/>
+                                        </p:tgtEl>
+                                        <p:attrNameLst>
+                                          <p:attrName>style.visibility</p:attrName>
+                                        </p:attrNameLst>
+                                      </p:cBhvr>
+                                      <p:to>
+                                        <p:strVal val="visible"/>
+                                      </p:to>
+                                    </p:set>
+                                  </p:childTnLst>
+                                </p:cTn>
+                              </p:par>
+                              <p:par>
+                                <p:cTn id="31" presetID="1" presetClass="entr" presetSubtype="0" fill="hold" grpId="0" nodeType="withEffect">
+                                  <p:stCondLst>
+                                    <p:cond delay="0"/>
+                                  </p:stCondLst>
+                                  <p:childTnLst>
+                                    <p:set>
+                                      <p:cBhvr>
+                                        <p:cTn id="32" dur="1" fill="hold">
+                                          <p:stCondLst>
+                                            <p:cond delay="0"/>
+                                          </p:stCondLst>
+                                        </p:cTn>
+                                        <p:tgtEl>
+                                          <p:spTgt spid="17"/>
+                                        </p:tgtEl>
+                                        <p:attrNameLst>
+                                          <p:attrName>style.visibility</p:attrName>
+                                        </p:attrNameLst>
+                                      </p:cBhvr>
+                                      <p:to>
+                                        <p:strVal val="visible"/>
+                                      </p:to>
+                                    </p:set>
+                                  </p:childTnLst>
+                                </p:cTn>
+                              </p:par>
+                              <p:par>
+                                <p:cTn id="33" presetID="1" presetClass="entr" presetSubtype="0" fill="hold" grpId="0" nodeType="withEffect">
+                                  <p:stCondLst>
+                                    <p:cond delay="0"/>
+                                  </p:stCondLst>
+                                  <p:childTnLst>
+                                    <p:set>
+                                      <p:cBhvr>
+                                        <p:cTn id="34" dur="1" fill="hold">
+                                          <p:stCondLst>
+                                            <p:cond delay="0"/>
+                                          </p:stCondLst>
+                                        </p:cTn>
+                                        <p:tgtEl>
+                                          <p:spTgt spid="19"/>
+                                        </p:tgtEl>
+                                        <p:attrNameLst>
+                                          <p:attrName>style.visibility</p:attrName>
+                                        </p:attrNameLst>
+                                      </p:cBhvr>
+                                      <p:to>
+                                        <p:strVal val="visible"/>
+                                      </p:to>
+                                    </p:set>
+                                  </p:childTnLst>
+                                </p:cTn>
+                              </p:par>
+                              <p:par>
+                                <p:cTn id="35" presetID="1" presetClass="entr" presetSubtype="0" fill="hold" grpId="0" nodeType="withEffect">
+                                  <p:stCondLst>
+                                    <p:cond delay="0"/>
+                                  </p:stCondLst>
+                                  <p:childTnLst>
+                                    <p:set>
+                                      <p:cBhvr>
+                                        <p:cTn id="36" dur="1" fill="hold">
+                                          <p:stCondLst>
+                                            <p:cond delay="0"/>
+                                          </p:stCondLst>
+                                        </p:cTn>
+                                        <p:tgtEl>
+                                          <p:spTgt spid="20"/>
+                                        </p:tgtEl>
+                                        <p:attrNameLst>
+                                          <p:attrName>style.visibility</p:attrName>
+                                        </p:attrNameLst>
+                                      </p:cBhvr>
+                                      <p:to>
+                                        <p:strVal val="visible"/>
+                                      </p:to>
+                                    </p:set>
+                                  </p:childTnLst>
+                                </p:cTn>
+                              </p:par>
+                              <p:par>
+                                <p:cTn id="37" presetID="1" presetClass="entr" presetSubtype="0" fill="hold" grpId="0" nodeType="withEffect">
+                                  <p:stCondLst>
+                                    <p:cond delay="0"/>
+                                  </p:stCondLst>
+                                  <p:childTnLst>
+                                    <p:set>
+                                      <p:cBhvr>
+                                        <p:cTn id="38" dur="1" fill="hold">
+                                          <p:stCondLst>
+                                            <p:cond delay="0"/>
+                                          </p:stCondLst>
+                                        </p:cTn>
+                                        <p:tgtEl>
+                                          <p:spTgt spid="21"/>
+                                        </p:tgtEl>
+                                        <p:attrNameLst>
+                                          <p:attrName>style.visibility</p:attrName>
+                                        </p:attrNameLst>
+                                      </p:cBhvr>
+                                      <p:to>
+                                        <p:strVal val="visible"/>
+                                      </p:to>
+                                    </p:set>
+                                  </p:childTnLst>
+                                </p:cTn>
+                              </p:par>
+                              <p:par>
+                                <p:cTn id="39" presetID="1" presetClass="entr" presetSubtype="0" fill="hold" grpId="0" nodeType="withEffect">
+                                  <p:stCondLst>
+                                    <p:cond delay="0"/>
+                                  </p:stCondLst>
+                                  <p:childTnLst>
+                                    <p:set>
+                                      <p:cBhvr>
+                                        <p:cTn id="40" dur="1" fill="hold">
+                                          <p:stCondLst>
+                                            <p:cond delay="0"/>
+                                          </p:stCondLst>
+                                        </p:cTn>
+                                        <p:tgtEl>
+                                          <p:spTgt spid="22"/>
+                                        </p:tgtEl>
+                                        <p:attrNameLst>
+                                          <p:attrName>style.visibility</p:attrName>
+                                        </p:attrNameLst>
+                                      </p:cBhvr>
+                                      <p:to>
+                                        <p:strVal val="visible"/>
+                                      </p:to>
+                                    </p:set>
+                                  </p:childTnLst>
+                                </p:cTn>
+                              </p:par>
+                            </p:childTnLst>
+                          </p:cTn>
+                        </p:par>
+                      </p:childTnLst>
+                    </p:cTn>
+                  </p:par>
+                  <p:par>
+                    <p:cTn id="41" fill="hold">
+                      <p:stCondLst>
+                        <p:cond delay="indefinite"/>
+                      </p:stCondLst>
+                      <p:childTnLst>
+                        <p:par>
+                          <p:cTn id="42" fill="hold">
+                            <p:stCondLst>
+                              <p:cond delay="0"/>
+                            </p:stCondLst>
+                            <p:childTnLst>
+                              <p:par>
+                                <p:cTn id="43" presetID="10" presetClass="entr" presetSubtype="0" fill="hold" grpId="1" nodeType="clickEffect">
+                                  <p:stCondLst>
+                                    <p:cond delay="0"/>
+                                  </p:stCondLst>
+                                  <p:childTnLst>
+                                    <p:set>
+                                      <p:cBhvr>
+                                        <p:cTn id="44" dur="1" fill="hold">
+                                          <p:stCondLst>
+                                            <p:cond delay="0"/>
+                                          </p:stCondLst>
+                                        </p:cTn>
+                                        <p:tgtEl>
+                                          <p:spTgt spid="15"/>
+                                        </p:tgtEl>
+                                        <p:attrNameLst>
+                                          <p:attrName>style.visibility</p:attrName>
+                                        </p:attrNameLst>
+                                      </p:cBhvr>
+                                      <p:to>
+                                        <p:strVal val="visible"/>
+                                      </p:to>
+                                    </p:set>
+                                    <p:animEffect transition="in" filter="fade">
+                                      <p:cBhvr>
+                                        <p:cTn id="45" dur="500"/>
+                                        <p:tgtEl>
+                                          <p:spTgt spid="15"/>
+                                        </p:tgtEl>
+                                      </p:cBhvr>
+                                    </p:animEffect>
+                                  </p:childTnLst>
+                                </p:cTn>
+                              </p:par>
+                            </p:childTnLst>
+                          </p:cTn>
+                        </p:par>
+                      </p:childTnLst>
+                    </p:cTn>
+                  </p:par>
+                  <p:par>
+                    <p:cTn id="46" fill="hold">
+                      <p:stCondLst>
+                        <p:cond delay="indefinite"/>
+                      </p:stCondLst>
+                      <p:childTnLst>
+                        <p:par>
+                          <p:cTn id="47" fill="hold">
+                            <p:stCondLst>
+                              <p:cond delay="0"/>
+                            </p:stCondLst>
+                            <p:childTnLst>
+                              <p:par>
+                                <p:cTn id="48" presetID="42" presetClass="path" presetSubtype="0" accel="50000" decel="50000" fill="hold" grpId="0" nodeType="clickEffect">
+                                  <p:stCondLst>
+                                    <p:cond delay="0"/>
+                                  </p:stCondLst>
+                                  <p:childTnLst>
+                                    <p:animMotion origin="layout" path="M -4.16667E-7 3.7037E-6 L -0.53372 0.15416 " pathEditMode="relative" rAng="0" ptsTypes="AA">
+                                      <p:cBhvr>
+                                        <p:cTn id="49" dur="2000" fill="hold"/>
+                                        <p:tgtEl>
+                                          <p:spTgt spid="15"/>
+                                        </p:tgtEl>
+                                        <p:attrNameLst>
+                                          <p:attrName>ppt_x</p:attrName>
+                                          <p:attrName>ppt_y</p:attrName>
+                                        </p:attrNameLst>
+                                      </p:cBhvr>
+                                      <p:rCtr x="-26693" y="7708"/>
+                                    </p:animMotion>
+                                  </p:childTnLst>
+                                </p:cTn>
+                              </p:par>
+                            </p:childTnLst>
+                          </p:cTn>
+                        </p:par>
+                      </p:childTnLst>
+                    </p:cTn>
+                  </p:par>
+                  <p:par>
+                    <p:cTn id="50" fill="hold">
+                      <p:stCondLst>
+                        <p:cond delay="indefinite"/>
+                      </p:stCondLst>
+                      <p:childTnLst>
+                        <p:par>
+                          <p:cTn id="51" fill="hold">
+                            <p:stCondLst>
+                              <p:cond delay="0"/>
+                            </p:stCondLst>
+                            <p:childTnLst>
+                              <p:par>
+                                <p:cTn id="52" presetID="10" presetClass="exit" presetSubtype="0" fill="hold" grpId="2" nodeType="clickEffect">
+                                  <p:stCondLst>
+                                    <p:cond delay="0"/>
+                                  </p:stCondLst>
+                                  <p:childTnLst>
+                                    <p:animEffect transition="out" filter="fade">
+                                      <p:cBhvr>
+                                        <p:cTn id="53" dur="500"/>
+                                        <p:tgtEl>
+                                          <p:spTgt spid="15"/>
+                                        </p:tgtEl>
+                                      </p:cBhvr>
+                                    </p:animEffect>
+                                    <p:set>
+                                      <p:cBhvr>
+                                        <p:cTn id="54" dur="1" fill="hold">
+                                          <p:stCondLst>
+                                            <p:cond delay="499"/>
+                                          </p:stCondLst>
+                                        </p:cTn>
+                                        <p:tgtEl>
+                                          <p:spTgt spid="15"/>
+                                        </p:tgtEl>
+                                        <p:attrNameLst>
+                                          <p:attrName>style.visibility</p:attrName>
+                                        </p:attrNameLst>
+                                      </p:cBhvr>
+                                      <p:to>
+                                        <p:strVal val="hidden"/>
+                                      </p:to>
+                                    </p:set>
+                                  </p:childTnLst>
+                                </p:cTn>
+                              </p:par>
+                            </p:childTnLst>
+                          </p:cTn>
+                        </p:par>
+                      </p:childTnLst>
+                    </p:cTn>
+                  </p:par>
+                  <p:par>
+                    <p:cTn id="55" fill="hold">
+                      <p:stCondLst>
+                        <p:cond delay="indefinite"/>
+                      </p:stCondLst>
+                      <p:childTnLst>
+                        <p:par>
+                          <p:cTn id="56" fill="hold">
+                            <p:stCondLst>
+                              <p:cond delay="0"/>
+                            </p:stCondLst>
+                            <p:childTnLst>
+                              <p:par>
+                                <p:cTn id="57" presetID="1" presetClass="entr" presetSubtype="0" fill="hold" grpId="0" nodeType="clickEffect">
+                                  <p:stCondLst>
+                                    <p:cond delay="0"/>
+                                  </p:stCondLst>
+                                  <p:childTnLst>
+                                    <p:set>
+                                      <p:cBhvr>
+                                        <p:cTn id="58" dur="1" fill="hold">
+                                          <p:stCondLst>
+                                            <p:cond delay="0"/>
+                                          </p:stCondLst>
+                                        </p:cTn>
+                                        <p:tgtEl>
+                                          <p:spTgt spid="18"/>
+                                        </p:tgtEl>
+                                        <p:attrNameLst>
+                                          <p:attrName>style.visibility</p:attrName>
+                                        </p:attrNameLst>
+                                      </p:cBhvr>
+                                      <p:to>
+                                        <p:strVal val="visible"/>
+                                      </p:to>
+                                    </p:set>
+                                  </p:childTnLst>
+                                </p:cTn>
+                              </p:par>
+                            </p:childTnLst>
+                          </p:cTn>
+                        </p:par>
+                      </p:childTnLst>
+                    </p:cTn>
+                  </p:par>
+                  <p:par>
+                    <p:cTn id="59" fill="hold">
+                      <p:stCondLst>
+                        <p:cond delay="indefinite"/>
+                      </p:stCondLst>
+                      <p:childTnLst>
+                        <p:par>
+                          <p:cTn id="60" fill="hold">
+                            <p:stCondLst>
+                              <p:cond delay="0"/>
+                            </p:stCondLst>
+                            <p:childTnLst>
+                              <p:par>
+                                <p:cTn id="61" presetID="42" presetClass="path" presetSubtype="0" accel="50000" decel="50000" fill="hold" grpId="1" nodeType="clickEffect">
+                                  <p:stCondLst>
+                                    <p:cond delay="0"/>
+                                  </p:stCondLst>
+                                  <p:childTnLst>
+                                    <p:animMotion origin="layout" path="M 1.875E-6 -1.11111E-6 L 0.49088 0.08056 " pathEditMode="relative" rAng="0" ptsTypes="AA">
+                                      <p:cBhvr>
+                                        <p:cTn id="62" dur="2000" fill="hold"/>
+                                        <p:tgtEl>
+                                          <p:spTgt spid="18"/>
+                                        </p:tgtEl>
+                                        <p:attrNameLst>
+                                          <p:attrName>ppt_x</p:attrName>
+                                          <p:attrName>ppt_y</p:attrName>
+                                        </p:attrNameLst>
+                                      </p:cBhvr>
+                                      <p:rCtr x="24544" y="4028"/>
+                                    </p:animMotion>
+                                  </p:childTnLst>
+                                </p:cTn>
+                              </p:par>
+                            </p:childTnLst>
+                          </p:cTn>
+                        </p:par>
+                      </p:childTnLst>
+                    </p:cTn>
+                  </p:par>
+                </p:childTnLst>
+              </p:cTn>
+              <p:prevCondLst>
+                <p:cond evt="onPrev" delay="0">
+                  <p:tgtEl>
+                    <p:sldTgt/>
+                  </p:tgtEl>
+                </p:cond>
+              </p:prevCondLst>
+              <p:nextCondLst>
+                <p:cond evt="onNext" delay="0">
+                  <p:tgtEl>
+                    <p:sldTgt/>
+                  </p:tgtEl>
+                </p:cond>
+              </p:nextCondLst>
+            </p:seq>
+          </p:childTnLst>
+        </p:cTn>
       </p:par>
     </p:tnLst>
+    <p:bldLst>
+      <p:bldP spid="4" grpId="0"/>
+      <p:bldP spid="6" grpId="0"/>
+      <p:bldP spid="7" grpId="0" animBg="1"/>
+      <p:bldP spid="8" grpId="0" animBg="1"/>
+      <p:bldP spid="9" grpId="0" animBg="1"/>
+      <p:bldP spid="10" grpId="0" animBg="1"/>
+      <p:bldP spid="12" grpId="0" animBg="1"/>
+      <p:bldP spid="13" grpId="0" animBg="1"/>
+      <p:bldP spid="14" grpId="0" animBg="1"/>
+      <p:bldP spid="16" grpId="0" animBg="1"/>
+      <p:bldP spid="17" grpId="0" animBg="1"/>
+      <p:bldP spid="15" grpId="0" animBg="1"/>
+      <p:bldP spid="15" grpId="1" animBg="1"/>
+      <p:bldP spid="15" grpId="2" animBg="1"/>
+      <p:bldP spid="18" grpId="0" animBg="1"/>
+      <p:bldP spid="18" grpId="1" animBg="1"/>
+      <p:bldP spid="19" grpId="0" animBg="1"/>
+      <p:bldP spid="20" grpId="0" animBg="1"/>
+      <p:bldP spid="21" grpId="0" animBg="1"/>
+      <p:bldP spid="22" grpId="0" animBg="1"/>
+    </p:bldLst>
   </p:timing>
 </p:sld>
 </file>
@@ -14281,17 +18480,6 @@
               </a:rPr>
               <a:t>解锁！</a:t>
             </a:r>
-            <a:endParaRPr lang="zh-CN" altLang="en-US" sz="5400" dirty="0">
-              <a:ln w="0"/>
-              <a:effectLst>
-                <a:outerShdw blurRad="38100" dist="19050" dir="2700000" algn="tl" rotWithShape="0">
-                  <a:schemeClr val="dk1">
-                    <a:alpha val="40000"/>
-                  </a:schemeClr>
-                </a:outerShdw>
-              </a:effectLst>
-              <a:latin typeface="+mn-lt"/>
-            </a:endParaRPr>
           </a:p>
         </p:txBody>
       </p:sp>
@@ -18455,17 +22643,6 @@
               </a:rPr>
               <a:t>解锁！</a:t>
             </a:r>
-            <a:endParaRPr lang="zh-CN" altLang="en-US" sz="5400" dirty="0">
-              <a:ln w="0"/>
-              <a:effectLst>
-                <a:outerShdw blurRad="38100" dist="19050" dir="2700000" algn="tl" rotWithShape="0">
-                  <a:schemeClr val="dk1">
-                    <a:alpha val="40000"/>
-                  </a:schemeClr>
-                </a:outerShdw>
-              </a:effectLst>
-              <a:latin typeface="+mn-lt"/>
-            </a:endParaRPr>
           </a:p>
         </p:txBody>
       </p:sp>
@@ -20980,17 +25157,6 @@
               </a:rPr>
               <a:t>解锁失败</a:t>
             </a:r>
-            <a:endParaRPr lang="zh-CN" altLang="en-US" sz="3600" dirty="0">
-              <a:ln w="0"/>
-              <a:effectLst>
-                <a:outerShdw blurRad="38100" dist="19050" dir="2700000" algn="tl" rotWithShape="0">
-                  <a:schemeClr val="dk1">
-                    <a:alpha val="40000"/>
-                  </a:schemeClr>
-                </a:outerShdw>
-              </a:effectLst>
-              <a:latin typeface="+mn-lt"/>
-            </a:endParaRPr>
           </a:p>
         </p:txBody>
       </p:sp>
@@ -22288,14 +26454,6 @@
 <file path=ppt/slides/slide6.xml><?xml version="1.0" encoding="utf-8"?>
 <p:sld xmlns:a="http://schemas.openxmlformats.org/drawingml/2006/main" xmlns:r="http://schemas.openxmlformats.org/officeDocument/2006/relationships" xmlns:p="http://schemas.openxmlformats.org/presentationml/2006/main">
   <p:cSld>
-    <p:bg>
-      <p:bgPr>
-        <a:solidFill>
-          <a:schemeClr val="accent1"/>
-        </a:solidFill>
-        <a:effectLst/>
-      </p:bgPr>
-    </p:bg>
     <p:spTree>
       <p:nvGrpSpPr>
         <p:cNvPr id="1" name=""/>
@@ -22312,7 +26470,7 @@
       </p:grpSpPr>
       <p:sp>
         <p:nvSpPr>
-          <p:cNvPr id="24578" name="Rectangle 1"/>
+          <p:cNvPr id="2" name="标题 1"/>
           <p:cNvSpPr>
             <a:spLocks noGrp="1"/>
           </p:cNvSpPr>
@@ -22320,31 +26478,102 @@
             <p:ph type="title"/>
           </p:nvPr>
         </p:nvSpPr>
-        <p:spPr>
-          <a:xfrm>
-            <a:off x="571500" y="793750"/>
-            <a:ext cx="8750300" cy="869950"/>
-          </a:xfrm>
-        </p:spPr>
+        <p:spPr/>
         <p:txBody>
           <a:bodyPr/>
           <a:lstStyle/>
           <a:p>
             <a:r>
-              <a:rPr lang="zh-CN" altLang="en-US" sz="4400" smtClean="0">
+              <a:rPr lang="zh-CN" altLang="en-US" dirty="0" smtClean="0">
                 <a:solidFill>
                   <a:srgbClr val="FF0000"/>
                 </a:solidFill>
-                <a:latin typeface="Tw Cen MT"/>
               </a:rPr>
-              <a:t>硬件系统说明</a:t>
+              <a:t>设计的关键</a:t>
             </a:r>
+            <a:r>
+              <a:rPr lang="en-US" altLang="zh-CN" dirty="0" smtClean="0">
+                <a:solidFill>
+                  <a:srgbClr val="FF0000"/>
+                </a:solidFill>
+              </a:rPr>
+              <a:t>——</a:t>
+            </a:r>
+            <a:r>
+              <a:rPr lang="zh-CN" altLang="en-US" dirty="0" smtClean="0">
+                <a:solidFill>
+                  <a:srgbClr val="FF0000"/>
+                </a:solidFill>
+              </a:rPr>
+              <a:t>动态密钥</a:t>
+            </a:r>
+            <a:endParaRPr lang="en-US" dirty="0">
+              <a:solidFill>
+                <a:srgbClr val="FF0000"/>
+              </a:solidFill>
+            </a:endParaRPr>
+          </a:p>
+        </p:txBody>
+      </p:sp>
+    </p:spTree>
+    <p:extLst>
+      <p:ext uri="{BB962C8B-B14F-4D97-AF65-F5344CB8AC3E}">
+        <p14:creationId xmlns:p14="http://schemas.microsoft.com/office/powerpoint/2010/main" val="2673020080"/>
+      </p:ext>
+    </p:extLst>
+  </p:cSld>
+  <p:clrMapOvr>
+    <a:masterClrMapping/>
+  </p:clrMapOvr>
+  <p:timing>
+    <p:tnLst>
+      <p:par>
+        <p:cTn id="1" dur="indefinite" restart="never" nodeType="tmRoot"/>
+      </p:par>
+    </p:tnLst>
+  </p:timing>
+</p:sld>
+</file>
+
+<file path=ppt/slides/slide7.xml><?xml version="1.0" encoding="utf-8"?>
+<p:sld xmlns:a="http://schemas.openxmlformats.org/drawingml/2006/main" xmlns:r="http://schemas.openxmlformats.org/officeDocument/2006/relationships" xmlns:p="http://schemas.openxmlformats.org/presentationml/2006/main">
+  <p:cSld>
+    <p:spTree>
+      <p:nvGrpSpPr>
+        <p:cNvPr id="1" name=""/>
+        <p:cNvGrpSpPr/>
+        <p:nvPr/>
+      </p:nvGrpSpPr>
+      <p:grpSpPr>
+        <a:xfrm>
+          <a:off x="0" y="0"/>
+          <a:ext cx="0" cy="0"/>
+          <a:chOff x="0" y="0"/>
+          <a:chExt cx="0" cy="0"/>
+        </a:xfrm>
+      </p:grpSpPr>
+      <p:sp>
+        <p:nvSpPr>
+          <p:cNvPr id="2" name="标题 1"/>
+          <p:cNvSpPr>
+            <a:spLocks noGrp="1"/>
+          </p:cNvSpPr>
+          <p:nvPr>
+            <p:ph type="title"/>
+          </p:nvPr>
+        </p:nvSpPr>
+        <p:spPr/>
+        <p:txBody>
+          <a:bodyPr/>
+          <a:lstStyle/>
+          <a:p>
+            <a:endParaRPr lang="en-US"/>
           </a:p>
         </p:txBody>
       </p:sp>
       <p:sp>
         <p:nvSpPr>
-          <p:cNvPr id="5" name="Rectangle 2"/>
+          <p:cNvPr id="3" name="内容占位符 2"/>
           <p:cNvSpPr>
             <a:spLocks noGrp="1"/>
           </p:cNvSpPr>
@@ -22352,15 +26581,336 @@
             <p:ph idx="1"/>
           </p:nvPr>
         </p:nvSpPr>
+        <p:spPr/>
+        <p:txBody>
+          <a:bodyPr/>
+          <a:lstStyle/>
+          <a:p>
+            <a:endParaRPr lang="en-US" dirty="0"/>
+          </a:p>
+        </p:txBody>
+      </p:sp>
+    </p:spTree>
+    <p:extLst>
+      <p:ext uri="{BB962C8B-B14F-4D97-AF65-F5344CB8AC3E}">
+        <p14:creationId xmlns:p14="http://schemas.microsoft.com/office/powerpoint/2010/main" val="4268495025"/>
+      </p:ext>
+    </p:extLst>
+  </p:cSld>
+  <p:clrMapOvr>
+    <a:masterClrMapping/>
+  </p:clrMapOvr>
+  <p:timing>
+    <p:tnLst>
+      <p:par>
+        <p:cTn id="1" dur="indefinite" restart="never" nodeType="tmRoot"/>
+      </p:par>
+    </p:tnLst>
+  </p:timing>
+</p:sld>
+</file>
+
+<file path=ppt/slides/slide8.xml><?xml version="1.0" encoding="utf-8"?>
+<p:sld xmlns:a="http://schemas.openxmlformats.org/drawingml/2006/main" xmlns:r="http://schemas.openxmlformats.org/officeDocument/2006/relationships" xmlns:p="http://schemas.openxmlformats.org/presentationml/2006/main">
+  <p:cSld>
+    <p:spTree>
+      <p:nvGrpSpPr>
+        <p:cNvPr id="1" name=""/>
+        <p:cNvGrpSpPr/>
+        <p:nvPr/>
+      </p:nvGrpSpPr>
+      <p:grpSpPr>
+        <a:xfrm>
+          <a:off x="0" y="0"/>
+          <a:ext cx="0" cy="0"/>
+          <a:chOff x="0" y="0"/>
+          <a:chExt cx="0" cy="0"/>
+        </a:xfrm>
+      </p:grpSpPr>
+      <p:sp>
+        <p:nvSpPr>
+          <p:cNvPr id="4" name="Rectangle 1"/>
+          <p:cNvSpPr txBox="1">
+            <a:spLocks/>
+          </p:cNvSpPr>
+          <p:nvPr/>
+        </p:nvSpPr>
+        <p:spPr>
+          <a:xfrm>
+            <a:off x="571500" y="793750"/>
+            <a:ext cx="8750300" cy="869950"/>
+          </a:xfrm>
+          <a:prstGeom prst="rect">
+            <a:avLst/>
+          </a:prstGeom>
+        </p:spPr>
+        <p:txBody>
+          <a:bodyPr vert="horz" lIns="91440" tIns="45720" rIns="91440" bIns="45720" rtlCol="0" anchor="ctr">
+            <a:normAutofit/>
+          </a:bodyPr>
+          <a:lstStyle>
+            <a:lvl1pPr algn="l" defTabSz="914400" rtl="0" eaLnBrk="1" latinLnBrk="0" hangingPunct="1">
+              <a:lnSpc>
+                <a:spcPct val="90000"/>
+              </a:lnSpc>
+              <a:spcBef>
+                <a:spcPct val="0"/>
+              </a:spcBef>
+              <a:buNone/>
+              <a:defRPr sz="3600" kern="1200">
+                <a:solidFill>
+                  <a:schemeClr val="tx1"/>
+                </a:solidFill>
+                <a:latin typeface="+mj-lt"/>
+                <a:ea typeface="+mj-ea"/>
+                <a:cs typeface="+mj-cs"/>
+              </a:defRPr>
+            </a:lvl1pPr>
+          </a:lstStyle>
+          <a:p>
+            <a:pPr fontAlgn="auto">
+              <a:spcAft>
+                <a:spcPts val="0"/>
+              </a:spcAft>
+            </a:pPr>
+            <a:r>
+              <a:rPr lang="zh-CN" altLang="en-US" sz="4400" smtClean="0">
+                <a:solidFill>
+                  <a:srgbClr val="FF0000"/>
+                </a:solidFill>
+                <a:latin typeface="Tw Cen MT"/>
+              </a:rPr>
+              <a:t>硬件系统说明</a:t>
+            </a:r>
+            <a:endParaRPr lang="zh-CN" altLang="en-US" sz="4400" dirty="0" smtClean="0">
+              <a:solidFill>
+                <a:srgbClr val="FF0000"/>
+              </a:solidFill>
+              <a:latin typeface="Tw Cen MT"/>
+            </a:endParaRPr>
+          </a:p>
+        </p:txBody>
+      </p:sp>
+      <p:sp>
+        <p:nvSpPr>
+          <p:cNvPr id="5" name="Rectangle 2"/>
+          <p:cNvSpPr txBox="1">
+            <a:spLocks/>
+          </p:cNvSpPr>
+          <p:nvPr/>
+        </p:nvSpPr>
         <p:spPr>
           <a:xfrm>
             <a:off x="2470150" y="2273300"/>
-            <a:ext cx="6934200" cy="4419600"/>
-          </a:xfrm>
+            <a:ext cx="6934200" cy="2847340"/>
+          </a:xfrm>
+          <a:prstGeom prst="rect">
+            <a:avLst/>
+          </a:prstGeom>
         </p:spPr>
         <p:txBody>
-          <a:bodyPr/>
-          <a:lstStyle/>
+          <a:bodyPr vert="horz" lIns="91440" tIns="45720" rIns="91440" bIns="45720" rtlCol="0">
+            <a:normAutofit/>
+          </a:bodyPr>
+          <a:lstStyle>
+            <a:lvl1pPr marL="228600" indent="-228600" algn="l" defTabSz="914400" rtl="0" eaLnBrk="1" latinLnBrk="0" hangingPunct="1">
+              <a:lnSpc>
+                <a:spcPct val="90000"/>
+              </a:lnSpc>
+              <a:spcBef>
+                <a:spcPts val="1000"/>
+              </a:spcBef>
+              <a:buFont typeface="Arial" panose="020B0604020202020204" pitchFamily="34" charset="0"/>
+              <a:buChar char="•"/>
+              <a:defRPr sz="2400" kern="1200">
+                <a:solidFill>
+                  <a:schemeClr val="tx1"/>
+                </a:solidFill>
+                <a:effectLst>
+                  <a:outerShdw blurRad="228600" algn="ctr" rotWithShape="0">
+                    <a:prstClr val="black">
+                      <a:alpha val="53000"/>
+                    </a:prstClr>
+                  </a:outerShdw>
+                </a:effectLst>
+                <a:latin typeface="+mn-lt"/>
+                <a:ea typeface="+mn-ea"/>
+                <a:cs typeface="+mn-cs"/>
+              </a:defRPr>
+            </a:lvl1pPr>
+            <a:lvl2pPr marL="685800" indent="-228600" algn="l" defTabSz="914400" rtl="0" eaLnBrk="1" latinLnBrk="0" hangingPunct="1">
+              <a:lnSpc>
+                <a:spcPct val="90000"/>
+              </a:lnSpc>
+              <a:spcBef>
+                <a:spcPts val="500"/>
+              </a:spcBef>
+              <a:buFont typeface="Arial" panose="020B0604020202020204" pitchFamily="34" charset="0"/>
+              <a:buChar char="•"/>
+              <a:defRPr sz="2000" kern="1200">
+                <a:solidFill>
+                  <a:schemeClr val="tx1"/>
+                </a:solidFill>
+                <a:effectLst>
+                  <a:outerShdw blurRad="228600" algn="ctr" rotWithShape="0">
+                    <a:prstClr val="black">
+                      <a:alpha val="53000"/>
+                    </a:prstClr>
+                  </a:outerShdw>
+                </a:effectLst>
+                <a:latin typeface="+mn-lt"/>
+                <a:ea typeface="+mn-ea"/>
+                <a:cs typeface="+mn-cs"/>
+              </a:defRPr>
+            </a:lvl2pPr>
+            <a:lvl3pPr marL="1143000" indent="-228600" algn="l" defTabSz="914400" rtl="0" eaLnBrk="1" latinLnBrk="0" hangingPunct="1">
+              <a:lnSpc>
+                <a:spcPct val="90000"/>
+              </a:lnSpc>
+              <a:spcBef>
+                <a:spcPts val="500"/>
+              </a:spcBef>
+              <a:buFont typeface="Arial" panose="020B0604020202020204" pitchFamily="34" charset="0"/>
+              <a:buChar char="•"/>
+              <a:defRPr sz="1800" kern="1200">
+                <a:solidFill>
+                  <a:schemeClr val="tx1"/>
+                </a:solidFill>
+                <a:effectLst>
+                  <a:outerShdw blurRad="228600" algn="ctr" rotWithShape="0">
+                    <a:prstClr val="black">
+                      <a:alpha val="53000"/>
+                    </a:prstClr>
+                  </a:outerShdw>
+                </a:effectLst>
+                <a:latin typeface="+mn-lt"/>
+                <a:ea typeface="+mn-ea"/>
+                <a:cs typeface="+mn-cs"/>
+              </a:defRPr>
+            </a:lvl3pPr>
+            <a:lvl4pPr marL="1600200" indent="-228600" algn="l" defTabSz="914400" rtl="0" eaLnBrk="1" latinLnBrk="0" hangingPunct="1">
+              <a:lnSpc>
+                <a:spcPct val="90000"/>
+              </a:lnSpc>
+              <a:spcBef>
+                <a:spcPts val="500"/>
+              </a:spcBef>
+              <a:buFont typeface="Arial" panose="020B0604020202020204" pitchFamily="34" charset="0"/>
+              <a:buChar char="•"/>
+              <a:defRPr sz="1600" kern="1200">
+                <a:solidFill>
+                  <a:schemeClr val="tx1"/>
+                </a:solidFill>
+                <a:effectLst>
+                  <a:outerShdw blurRad="228600" algn="ctr" rotWithShape="0">
+                    <a:prstClr val="black">
+                      <a:alpha val="53000"/>
+                    </a:prstClr>
+                  </a:outerShdw>
+                </a:effectLst>
+                <a:latin typeface="+mn-lt"/>
+                <a:ea typeface="+mn-ea"/>
+                <a:cs typeface="+mn-cs"/>
+              </a:defRPr>
+            </a:lvl4pPr>
+            <a:lvl5pPr marL="2057400" indent="-228600" algn="l" defTabSz="914400" rtl="0" eaLnBrk="1" latinLnBrk="0" hangingPunct="1">
+              <a:lnSpc>
+                <a:spcPct val="90000"/>
+              </a:lnSpc>
+              <a:spcBef>
+                <a:spcPts val="500"/>
+              </a:spcBef>
+              <a:buFont typeface="Arial" panose="020B0604020202020204" pitchFamily="34" charset="0"/>
+              <a:buChar char="•"/>
+              <a:defRPr sz="1600" kern="1200">
+                <a:solidFill>
+                  <a:schemeClr val="tx1"/>
+                </a:solidFill>
+                <a:effectLst>
+                  <a:outerShdw blurRad="228600" algn="ctr" rotWithShape="0">
+                    <a:prstClr val="black">
+                      <a:alpha val="53000"/>
+                    </a:prstClr>
+                  </a:outerShdw>
+                </a:effectLst>
+                <a:latin typeface="+mn-lt"/>
+                <a:ea typeface="+mn-ea"/>
+                <a:cs typeface="+mn-cs"/>
+              </a:defRPr>
+            </a:lvl5pPr>
+            <a:lvl6pPr marL="2514600" indent="-228600" algn="l" defTabSz="914400" rtl="0" eaLnBrk="1" latinLnBrk="0" hangingPunct="1">
+              <a:lnSpc>
+                <a:spcPct val="90000"/>
+              </a:lnSpc>
+              <a:spcBef>
+                <a:spcPts val="500"/>
+              </a:spcBef>
+              <a:buFont typeface="Arial" panose="020B0604020202020204" pitchFamily="34" charset="0"/>
+              <a:buChar char="•"/>
+              <a:defRPr sz="1400" kern="1200">
+                <a:solidFill>
+                  <a:schemeClr val="tx1"/>
+                </a:solidFill>
+                <a:latin typeface="+mn-lt"/>
+                <a:ea typeface="+mn-ea"/>
+                <a:cs typeface="+mn-cs"/>
+              </a:defRPr>
+            </a:lvl6pPr>
+            <a:lvl7pPr marL="2971800" indent="-228600" algn="l" defTabSz="914400" rtl="0" eaLnBrk="1" latinLnBrk="0" hangingPunct="1">
+              <a:lnSpc>
+                <a:spcPct val="90000"/>
+              </a:lnSpc>
+              <a:spcBef>
+                <a:spcPts val="500"/>
+              </a:spcBef>
+              <a:buFont typeface="Arial" panose="020B0604020202020204" pitchFamily="34" charset="0"/>
+              <a:buChar char="•"/>
+              <a:defRPr sz="1400" kern="1200">
+                <a:solidFill>
+                  <a:schemeClr val="tx1"/>
+                </a:solidFill>
+                <a:latin typeface="+mn-lt"/>
+                <a:ea typeface="+mn-ea"/>
+                <a:cs typeface="+mn-cs"/>
+              </a:defRPr>
+            </a:lvl7pPr>
+            <a:lvl8pPr marL="3429000" indent="-228600" algn="l" defTabSz="914400" rtl="0" eaLnBrk="1" latinLnBrk="0" hangingPunct="1">
+              <a:lnSpc>
+                <a:spcPct val="90000"/>
+              </a:lnSpc>
+              <a:spcBef>
+                <a:spcPts val="500"/>
+              </a:spcBef>
+              <a:buFont typeface="Arial" panose="020B0604020202020204" pitchFamily="34" charset="0"/>
+              <a:buChar char="•"/>
+              <a:defRPr sz="1400" kern="1200">
+                <a:solidFill>
+                  <a:schemeClr val="tx1"/>
+                </a:solidFill>
+                <a:latin typeface="+mn-lt"/>
+                <a:ea typeface="+mn-ea"/>
+                <a:cs typeface="+mn-cs"/>
+              </a:defRPr>
+            </a:lvl8pPr>
+            <a:lvl9pPr marL="3886200" indent="-228600" algn="l" defTabSz="914400" rtl="0" eaLnBrk="1" latinLnBrk="0" hangingPunct="1">
+              <a:lnSpc>
+                <a:spcPct val="90000"/>
+              </a:lnSpc>
+              <a:spcBef>
+                <a:spcPts val="500"/>
+              </a:spcBef>
+              <a:buFont typeface="Arial" panose="020B0604020202020204" pitchFamily="34" charset="0"/>
+              <a:buChar char="•"/>
+              <a:defRPr sz="1400" kern="1200">
+                <a:solidFill>
+                  <a:schemeClr val="tx1"/>
+                </a:solidFill>
+                <a:latin typeface="+mn-lt"/>
+                <a:ea typeface="+mn-ea"/>
+                <a:cs typeface="+mn-cs"/>
+              </a:defRPr>
+            </a:lvl9pPr>
+          </a:lstStyle>
           <a:p>
             <a:pPr marL="320040" indent="-320040" fontAlgn="auto">
               <a:spcBef>
@@ -22449,19 +26999,9 @@
                 <a:latin typeface="Tw Cen MT"/>
                 <a:hlinkClick r:id="rId2" action="ppaction://hlinksldjump"/>
               </a:rPr>
-              <a:t>用户</a:t>
+              <a:t>用户端</a:t>
             </a:r>
-            <a:r>
-              <a:rPr lang="zh-CN" altLang="en-US" u="sng" dirty="0">
-                <a:solidFill>
-                  <a:srgbClr val="FF0000"/>
-                </a:solidFill>
-                <a:latin typeface="Tw Cen MT"/>
-                <a:hlinkClick r:id="rId2" action="ppaction://hlinksldjump"/>
-              </a:rPr>
-              <a:t>端</a:t>
-            </a:r>
-            <a:endParaRPr lang="en-US" altLang="zh-CN" u="sng" dirty="0">
+            <a:endParaRPr lang="en-US" altLang="zh-CN" u="sng" dirty="0" smtClean="0">
               <a:solidFill>
                 <a:srgbClr val="FF0000"/>
               </a:solidFill>
@@ -22505,7 +27045,7 @@
               <a:t>服务器端：</a:t>
             </a:r>
             <a:r>
-              <a:rPr lang="en-US" altLang="zh-CN" dirty="0"/>
+              <a:rPr lang="en-US" altLang="zh-CN" dirty="0" smtClean="0"/>
               <a:t>GPS</a:t>
             </a:r>
             <a:r>
@@ -22521,10 +27061,10 @@
               <a:t>、时钟模块、</a:t>
             </a:r>
             <a:r>
-              <a:rPr lang="en-US" altLang="zh-CN" dirty="0"/>
+              <a:rPr lang="en-US" altLang="zh-CN" dirty="0" smtClean="0"/>
               <a:t>nRF2401</a:t>
             </a:r>
-            <a:endParaRPr lang="zh-CN" altLang="en-US" dirty="0"/>
+            <a:endParaRPr lang="zh-CN" altLang="en-US" dirty="0" smtClean="0"/>
           </a:p>
           <a:p>
             <a:pPr marL="365760" lvl="1" indent="0" fontAlgn="auto">
@@ -22547,7 +27087,7 @@
               </a:rPr>
               <a:t>服务器端</a:t>
             </a:r>
-            <a:endParaRPr lang="zh-CN" altLang="en-US" u="sng" dirty="0">
+            <a:endParaRPr lang="zh-CN" altLang="en-US" u="sng" dirty="0" smtClean="0">
               <a:solidFill>
                 <a:srgbClr val="FF0000"/>
               </a:solidFill>
@@ -22593,7 +27133,7 @@
       </p:sp>
       <p:pic>
         <p:nvPicPr>
-          <p:cNvPr id="24580" name="图片 5"/>
+          <p:cNvPr id="6" name="图片 5"/>
           <p:cNvPicPr>
             <a:picLocks noChangeAspect="1"/>
           </p:cNvPicPr>
@@ -22646,14 +27186,26 @@
         </p:spPr>
       </p:pic>
     </p:spTree>
+    <p:extLst>
+      <p:ext uri="{BB962C8B-B14F-4D97-AF65-F5344CB8AC3E}">
+        <p14:creationId xmlns:p14="http://schemas.microsoft.com/office/powerpoint/2010/main" val="3854681472"/>
+      </p:ext>
+    </p:extLst>
   </p:cSld>
   <p:clrMapOvr>
     <a:masterClrMapping/>
   </p:clrMapOvr>
+  <p:timing>
+    <p:tnLst>
+      <p:par>
+        <p:cTn id="1" dur="indefinite" restart="never" nodeType="tmRoot"/>
+      </p:par>
+    </p:tnLst>
+  </p:timing>
 </p:sld>
 </file>
 
-<file path=ppt/slides/slide7.xml><?xml version="1.0" encoding="utf-8"?>
+<file path=ppt/slides/slide9.xml><?xml version="1.0" encoding="utf-8"?>
 <p:sld xmlns:a="http://schemas.openxmlformats.org/drawingml/2006/main" xmlns:r="http://schemas.openxmlformats.org/officeDocument/2006/relationships" xmlns:p="http://schemas.openxmlformats.org/presentationml/2006/main">
   <p:cSld>
     <p:spTree>
@@ -25237,2282 +29789,6 @@
       <p:bldP spid="23" grpId="0"/>
       <p:bldP spid="24" grpId="0"/>
     </p:bldLst>
-  </p:timing>
-</p:sld>
-</file>
-
-<file path=ppt/slides/slide8.xml><?xml version="1.0" encoding="utf-8"?>
-<p:sld xmlns:a="http://schemas.openxmlformats.org/drawingml/2006/main" xmlns:r="http://schemas.openxmlformats.org/officeDocument/2006/relationships" xmlns:p="http://schemas.openxmlformats.org/presentationml/2006/main">
-  <p:cSld>
-    <p:spTree>
-      <p:nvGrpSpPr>
-        <p:cNvPr id="1" name=""/>
-        <p:cNvGrpSpPr/>
-        <p:nvPr/>
-      </p:nvGrpSpPr>
-      <p:grpSpPr>
-        <a:xfrm>
-          <a:off x="0" y="0"/>
-          <a:ext cx="0" cy="0"/>
-          <a:chOff x="0" y="0"/>
-          <a:chExt cx="0" cy="0"/>
-        </a:xfrm>
-      </p:grpSpPr>
-      <p:sp>
-        <p:nvSpPr>
-          <p:cNvPr id="26626" name="竖排标题 3"/>
-          <p:cNvSpPr>
-            <a:spLocks noGrp="1"/>
-          </p:cNvSpPr>
-          <p:nvPr>
-            <p:ph type="title" orient="vert"/>
-          </p:nvPr>
-        </p:nvSpPr>
-        <p:spPr/>
-        <p:txBody>
-          <a:bodyPr/>
-          <a:lstStyle/>
-          <a:p>
-            <a:endParaRPr lang="en-US" altLang="en-US" smtClean="0"/>
-          </a:p>
-        </p:txBody>
-      </p:sp>
-      <p:pic>
-        <p:nvPicPr>
-          <p:cNvPr id="6" name="内容占位符 3"/>
-          <p:cNvPicPr>
-            <a:picLocks noChangeAspect="1"/>
-          </p:cNvPicPr>
-          <p:nvPr/>
-        </p:nvPicPr>
-        <p:blipFill>
-          <a:blip r:embed="rId2">
-            <a:extLst>
-              <a:ext uri="{28A0092B-C50C-407E-A947-70E740481C1C}">
-                <a14:useLocalDpi xmlns:a14="http://schemas.microsoft.com/office/drawing/2010/main" val="0"/>
-              </a:ext>
-            </a:extLst>
-          </a:blip>
-          <a:srcRect/>
-          <a:stretch>
-            <a:fillRect/>
-          </a:stretch>
-        </p:blipFill>
-        <p:spPr bwMode="auto">
-          <a:xfrm>
-            <a:off x="0" y="0"/>
-            <a:ext cx="9067800" cy="6843713"/>
-          </a:xfrm>
-          <a:prstGeom prst="rect">
-            <a:avLst/>
-          </a:prstGeom>
-          <a:noFill/>
-          <a:ln>
-            <a:noFill/>
-          </a:ln>
-          <a:extLst>
-            <a:ext uri="{909E8E84-426E-40DD-AFC4-6F175D3DCCD1}">
-              <a14:hiddenFill xmlns:a14="http://schemas.microsoft.com/office/drawing/2010/main">
-                <a:solidFill>
-                  <a:srgbClr val="FFFFFF"/>
-                </a:solidFill>
-              </a14:hiddenFill>
-            </a:ext>
-            <a:ext uri="{91240B29-F687-4F45-9708-019B960494DF}">
-              <a14:hiddenLine xmlns:a14="http://schemas.microsoft.com/office/drawing/2010/main" w="9525">
-                <a:solidFill>
-                  <a:srgbClr val="000000"/>
-                </a:solidFill>
-                <a:miter lim="800000"/>
-                <a:headEnd/>
-                <a:tailEnd/>
-              </a14:hiddenLine>
-            </a:ext>
-          </a:extLst>
-        </p:spPr>
-      </p:pic>
-      <p:sp>
-        <p:nvSpPr>
-          <p:cNvPr id="7" name="椭圆 6"/>
-          <p:cNvSpPr/>
-          <p:nvPr/>
-        </p:nvSpPr>
-        <p:spPr>
-          <a:xfrm>
-            <a:off x="5105400" y="1833563"/>
-            <a:ext cx="1371600" cy="1066800"/>
-          </a:xfrm>
-          <a:prstGeom prst="ellipse">
-            <a:avLst/>
-          </a:prstGeom>
-          <a:noFill/>
-          <a:ln>
-            <a:solidFill>
-              <a:srgbClr val="FF0000"/>
-            </a:solidFill>
-          </a:ln>
-        </p:spPr>
-        <p:style>
-          <a:lnRef idx="2">
-            <a:schemeClr val="accent1">
-              <a:shade val="50000"/>
-            </a:schemeClr>
-          </a:lnRef>
-          <a:fillRef idx="1">
-            <a:schemeClr val="accent1"/>
-          </a:fillRef>
-          <a:effectRef idx="0">
-            <a:schemeClr val="accent1"/>
-          </a:effectRef>
-          <a:fontRef idx="minor">
-            <a:schemeClr val="lt1"/>
-          </a:fontRef>
-        </p:style>
-        <p:txBody>
-          <a:bodyPr anchor="ctr"/>
-          <a:lstStyle/>
-          <a:p>
-            <a:pPr algn="ctr" eaLnBrk="1" fontAlgn="auto" hangingPunct="1">
-              <a:spcBef>
-                <a:spcPts val="0"/>
-              </a:spcBef>
-              <a:spcAft>
-                <a:spcPts val="0"/>
-              </a:spcAft>
-              <a:defRPr/>
-            </a:pPr>
-            <a:endParaRPr lang="en-US"/>
-          </a:p>
-        </p:txBody>
-      </p:sp>
-      <p:sp>
-        <p:nvSpPr>
-          <p:cNvPr id="8" name="椭圆 7"/>
-          <p:cNvSpPr/>
-          <p:nvPr/>
-        </p:nvSpPr>
-        <p:spPr>
-          <a:xfrm>
-            <a:off x="4438650" y="3694113"/>
-            <a:ext cx="1333500" cy="838200"/>
-          </a:xfrm>
-          <a:prstGeom prst="ellipse">
-            <a:avLst/>
-          </a:prstGeom>
-          <a:noFill/>
-          <a:ln>
-            <a:solidFill>
-              <a:srgbClr val="FF0000"/>
-            </a:solidFill>
-          </a:ln>
-        </p:spPr>
-        <p:style>
-          <a:lnRef idx="2">
-            <a:schemeClr val="accent1">
-              <a:shade val="50000"/>
-            </a:schemeClr>
-          </a:lnRef>
-          <a:fillRef idx="1">
-            <a:schemeClr val="accent1"/>
-          </a:fillRef>
-          <a:effectRef idx="0">
-            <a:schemeClr val="accent1"/>
-          </a:effectRef>
-          <a:fontRef idx="minor">
-            <a:schemeClr val="lt1"/>
-          </a:fontRef>
-        </p:style>
-        <p:txBody>
-          <a:bodyPr anchor="ctr"/>
-          <a:lstStyle/>
-          <a:p>
-            <a:pPr algn="ctr" eaLnBrk="1" fontAlgn="auto" hangingPunct="1">
-              <a:spcBef>
-                <a:spcPts val="0"/>
-              </a:spcBef>
-              <a:spcAft>
-                <a:spcPts val="0"/>
-              </a:spcAft>
-              <a:defRPr/>
-            </a:pPr>
-            <a:endParaRPr lang="en-US"/>
-          </a:p>
-        </p:txBody>
-      </p:sp>
-      <p:sp>
-        <p:nvSpPr>
-          <p:cNvPr id="9" name="椭圆 8"/>
-          <p:cNvSpPr/>
-          <p:nvPr/>
-        </p:nvSpPr>
-        <p:spPr>
-          <a:xfrm>
-            <a:off x="381000" y="3279775"/>
-            <a:ext cx="1447800" cy="774700"/>
-          </a:xfrm>
-          <a:prstGeom prst="ellipse">
-            <a:avLst/>
-          </a:prstGeom>
-          <a:noFill/>
-          <a:ln>
-            <a:solidFill>
-              <a:srgbClr val="FF0000"/>
-            </a:solidFill>
-          </a:ln>
-        </p:spPr>
-        <p:style>
-          <a:lnRef idx="2">
-            <a:schemeClr val="accent1">
-              <a:shade val="50000"/>
-            </a:schemeClr>
-          </a:lnRef>
-          <a:fillRef idx="1">
-            <a:schemeClr val="accent1"/>
-          </a:fillRef>
-          <a:effectRef idx="0">
-            <a:schemeClr val="accent1"/>
-          </a:effectRef>
-          <a:fontRef idx="minor">
-            <a:schemeClr val="lt1"/>
-          </a:fontRef>
-        </p:style>
-        <p:txBody>
-          <a:bodyPr anchor="ctr"/>
-          <a:lstStyle/>
-          <a:p>
-            <a:pPr algn="ctr" eaLnBrk="1" fontAlgn="auto" hangingPunct="1">
-              <a:spcBef>
-                <a:spcPts val="0"/>
-              </a:spcBef>
-              <a:spcAft>
-                <a:spcPts val="0"/>
-              </a:spcAft>
-              <a:defRPr/>
-            </a:pPr>
-            <a:endParaRPr lang="en-US"/>
-          </a:p>
-        </p:txBody>
-      </p:sp>
-      <p:sp>
-        <p:nvSpPr>
-          <p:cNvPr id="10" name="椭圆 9"/>
-          <p:cNvSpPr/>
-          <p:nvPr/>
-        </p:nvSpPr>
-        <p:spPr>
-          <a:xfrm>
-            <a:off x="598488" y="1878013"/>
-            <a:ext cx="1905000" cy="1295400"/>
-          </a:xfrm>
-          <a:prstGeom prst="ellipse">
-            <a:avLst/>
-          </a:prstGeom>
-          <a:noFill/>
-          <a:ln>
-            <a:solidFill>
-              <a:srgbClr val="FF0000"/>
-            </a:solidFill>
-          </a:ln>
-        </p:spPr>
-        <p:style>
-          <a:lnRef idx="2">
-            <a:schemeClr val="accent1">
-              <a:shade val="50000"/>
-            </a:schemeClr>
-          </a:lnRef>
-          <a:fillRef idx="1">
-            <a:schemeClr val="accent1"/>
-          </a:fillRef>
-          <a:effectRef idx="0">
-            <a:schemeClr val="accent1"/>
-          </a:effectRef>
-          <a:fontRef idx="minor">
-            <a:schemeClr val="lt1"/>
-          </a:fontRef>
-        </p:style>
-        <p:txBody>
-          <a:bodyPr anchor="ctr"/>
-          <a:lstStyle/>
-          <a:p>
-            <a:pPr algn="ctr" eaLnBrk="1" fontAlgn="auto" hangingPunct="1">
-              <a:spcBef>
-                <a:spcPts val="0"/>
-              </a:spcBef>
-              <a:spcAft>
-                <a:spcPts val="0"/>
-              </a:spcAft>
-              <a:defRPr/>
-            </a:pPr>
-            <a:endParaRPr lang="en-US"/>
-          </a:p>
-        </p:txBody>
-      </p:sp>
-      <p:sp>
-        <p:nvSpPr>
-          <p:cNvPr id="11" name="椭圆 10"/>
-          <p:cNvSpPr/>
-          <p:nvPr/>
-        </p:nvSpPr>
-        <p:spPr>
-          <a:xfrm>
-            <a:off x="3143250" y="2595563"/>
-            <a:ext cx="762000" cy="1066800"/>
-          </a:xfrm>
-          <a:prstGeom prst="ellipse">
-            <a:avLst/>
-          </a:prstGeom>
-          <a:noFill/>
-          <a:ln>
-            <a:solidFill>
-              <a:srgbClr val="FF0000"/>
-            </a:solidFill>
-          </a:ln>
-        </p:spPr>
-        <p:style>
-          <a:lnRef idx="2">
-            <a:schemeClr val="accent1">
-              <a:shade val="50000"/>
-            </a:schemeClr>
-          </a:lnRef>
-          <a:fillRef idx="1">
-            <a:schemeClr val="accent1"/>
-          </a:fillRef>
-          <a:effectRef idx="0">
-            <a:schemeClr val="accent1"/>
-          </a:effectRef>
-          <a:fontRef idx="minor">
-            <a:schemeClr val="lt1"/>
-          </a:fontRef>
-        </p:style>
-        <p:txBody>
-          <a:bodyPr anchor="ctr"/>
-          <a:lstStyle/>
-          <a:p>
-            <a:pPr algn="ctr" eaLnBrk="1" fontAlgn="auto" hangingPunct="1">
-              <a:spcBef>
-                <a:spcPts val="0"/>
-              </a:spcBef>
-              <a:spcAft>
-                <a:spcPts val="0"/>
-              </a:spcAft>
-              <a:defRPr/>
-            </a:pPr>
-            <a:endParaRPr lang="en-US"/>
-          </a:p>
-        </p:txBody>
-      </p:sp>
-      <p:cxnSp>
-        <p:nvCxnSpPr>
-          <p:cNvPr id="12" name="直接箭头连接符 11"/>
-          <p:cNvCxnSpPr/>
-          <p:nvPr/>
-        </p:nvCxnSpPr>
-        <p:spPr>
-          <a:xfrm flipV="1">
-            <a:off x="6477000" y="1071563"/>
-            <a:ext cx="990600" cy="1143000"/>
-          </a:xfrm>
-          <a:prstGeom prst="straightConnector1">
-            <a:avLst/>
-          </a:prstGeom>
-          <a:ln w="28575">
-            <a:solidFill>
-              <a:srgbClr val="FF0000"/>
-            </a:solidFill>
-            <a:tailEnd type="triangle"/>
-          </a:ln>
-        </p:spPr>
-        <p:style>
-          <a:lnRef idx="1">
-            <a:schemeClr val="accent1"/>
-          </a:lnRef>
-          <a:fillRef idx="0">
-            <a:schemeClr val="accent1"/>
-          </a:fillRef>
-          <a:effectRef idx="0">
-            <a:schemeClr val="accent1"/>
-          </a:effectRef>
-          <a:fontRef idx="minor">
-            <a:schemeClr val="tx1"/>
-          </a:fontRef>
-        </p:style>
-      </p:cxnSp>
-      <p:cxnSp>
-        <p:nvCxnSpPr>
-          <p:cNvPr id="13" name="直接箭头连接符 12"/>
-          <p:cNvCxnSpPr>
-            <a:stCxn id="8" idx="5"/>
-          </p:cNvCxnSpPr>
-          <p:nvPr/>
-        </p:nvCxnSpPr>
-        <p:spPr>
-          <a:xfrm>
-            <a:off x="5576888" y="4408488"/>
-            <a:ext cx="1223962" cy="912812"/>
-          </a:xfrm>
-          <a:prstGeom prst="straightConnector1">
-            <a:avLst/>
-          </a:prstGeom>
-          <a:ln w="28575">
-            <a:solidFill>
-              <a:srgbClr val="FF0000"/>
-            </a:solidFill>
-            <a:tailEnd type="triangle"/>
-          </a:ln>
-        </p:spPr>
-        <p:style>
-          <a:lnRef idx="1">
-            <a:schemeClr val="accent1"/>
-          </a:lnRef>
-          <a:fillRef idx="0">
-            <a:schemeClr val="accent1"/>
-          </a:fillRef>
-          <a:effectRef idx="0">
-            <a:schemeClr val="accent1"/>
-          </a:effectRef>
-          <a:fontRef idx="minor">
-            <a:schemeClr val="tx1"/>
-          </a:fontRef>
-        </p:style>
-      </p:cxnSp>
-      <p:cxnSp>
-        <p:nvCxnSpPr>
-          <p:cNvPr id="14" name="直接箭头连接符 13"/>
-          <p:cNvCxnSpPr>
-            <a:stCxn id="11" idx="4"/>
-          </p:cNvCxnSpPr>
-          <p:nvPr/>
-        </p:nvCxnSpPr>
-        <p:spPr>
-          <a:xfrm flipH="1">
-            <a:off x="2743200" y="3662363"/>
-            <a:ext cx="781050" cy="2286000"/>
-          </a:xfrm>
-          <a:prstGeom prst="straightConnector1">
-            <a:avLst/>
-          </a:prstGeom>
-          <a:ln w="28575">
-            <a:solidFill>
-              <a:srgbClr val="FF0000"/>
-            </a:solidFill>
-            <a:tailEnd type="triangle"/>
-          </a:ln>
-        </p:spPr>
-        <p:style>
-          <a:lnRef idx="1">
-            <a:schemeClr val="accent1"/>
-          </a:lnRef>
-          <a:fillRef idx="0">
-            <a:schemeClr val="accent1"/>
-          </a:fillRef>
-          <a:effectRef idx="0">
-            <a:schemeClr val="accent1"/>
-          </a:effectRef>
-          <a:fontRef idx="minor">
-            <a:schemeClr val="tx1"/>
-          </a:fontRef>
-        </p:style>
-      </p:cxnSp>
-      <p:cxnSp>
-        <p:nvCxnSpPr>
-          <p:cNvPr id="15" name="直接箭头连接符 14"/>
-          <p:cNvCxnSpPr>
-            <a:stCxn id="10" idx="0"/>
-          </p:cNvCxnSpPr>
-          <p:nvPr/>
-        </p:nvCxnSpPr>
-        <p:spPr>
-          <a:xfrm flipV="1">
-            <a:off x="1550988" y="766763"/>
-            <a:ext cx="49212" cy="1111250"/>
-          </a:xfrm>
-          <a:prstGeom prst="straightConnector1">
-            <a:avLst/>
-          </a:prstGeom>
-          <a:ln w="28575">
-            <a:solidFill>
-              <a:srgbClr val="FF0000"/>
-            </a:solidFill>
-            <a:tailEnd type="triangle"/>
-          </a:ln>
-        </p:spPr>
-        <p:style>
-          <a:lnRef idx="1">
-            <a:schemeClr val="accent1"/>
-          </a:lnRef>
-          <a:fillRef idx="0">
-            <a:schemeClr val="accent1"/>
-          </a:fillRef>
-          <a:effectRef idx="0">
-            <a:schemeClr val="accent1"/>
-          </a:effectRef>
-          <a:fontRef idx="minor">
-            <a:schemeClr val="tx1"/>
-          </a:fontRef>
-        </p:style>
-      </p:cxnSp>
-      <p:cxnSp>
-        <p:nvCxnSpPr>
-          <p:cNvPr id="16" name="直接箭头连接符 15"/>
-          <p:cNvCxnSpPr>
-            <a:stCxn id="9" idx="4"/>
-          </p:cNvCxnSpPr>
-          <p:nvPr/>
-        </p:nvCxnSpPr>
-        <p:spPr>
-          <a:xfrm flipH="1">
-            <a:off x="914400" y="4054475"/>
-            <a:ext cx="190500" cy="903288"/>
-          </a:xfrm>
-          <a:prstGeom prst="straightConnector1">
-            <a:avLst/>
-          </a:prstGeom>
-          <a:ln w="28575">
-            <a:solidFill>
-              <a:srgbClr val="FF0000"/>
-            </a:solidFill>
-            <a:tailEnd type="triangle"/>
-          </a:ln>
-        </p:spPr>
-        <p:style>
-          <a:lnRef idx="1">
-            <a:schemeClr val="accent1"/>
-          </a:lnRef>
-          <a:fillRef idx="0">
-            <a:schemeClr val="accent1"/>
-          </a:fillRef>
-          <a:effectRef idx="0">
-            <a:schemeClr val="accent1"/>
-          </a:effectRef>
-          <a:fontRef idx="minor">
-            <a:schemeClr val="tx1"/>
-          </a:fontRef>
-        </p:style>
-      </p:cxnSp>
-      <p:sp>
-        <p:nvSpPr>
-          <p:cNvPr id="17" name="文本框 16"/>
-          <p:cNvSpPr txBox="1">
-            <a:spLocks noChangeArrowheads="1"/>
-          </p:cNvSpPr>
-          <p:nvPr/>
-        </p:nvSpPr>
-        <p:spPr bwMode="auto">
-          <a:xfrm>
-            <a:off x="1109663" y="368300"/>
-            <a:ext cx="1284287" cy="381000"/>
-          </a:xfrm>
-          <a:prstGeom prst="rect">
-            <a:avLst/>
-          </a:prstGeom>
-          <a:noFill/>
-          <a:ln>
-            <a:noFill/>
-          </a:ln>
-          <a:extLst>
-            <a:ext uri="{909E8E84-426E-40DD-AFC4-6F175D3DCCD1}">
-              <a14:hiddenFill xmlns:a14="http://schemas.microsoft.com/office/drawing/2010/main">
-                <a:solidFill>
-                  <a:srgbClr val="FFFFFF"/>
-                </a:solidFill>
-              </a14:hiddenFill>
-            </a:ext>
-            <a:ext uri="{91240B29-F687-4F45-9708-019B960494DF}">
-              <a14:hiddenLine xmlns:a14="http://schemas.microsoft.com/office/drawing/2010/main" w="9525">
-                <a:solidFill>
-                  <a:srgbClr val="000000"/>
-                </a:solidFill>
-                <a:miter lim="800000"/>
-                <a:headEnd/>
-                <a:tailEnd/>
-              </a14:hiddenLine>
-            </a:ext>
-          </a:extLst>
-        </p:spPr>
-        <p:txBody>
-          <a:bodyPr>
-            <a:spAutoFit/>
-          </a:bodyPr>
-          <a:lstStyle>
-            <a:lvl1pPr>
-              <a:defRPr>
-                <a:solidFill>
-                  <a:schemeClr val="tx1"/>
-                </a:solidFill>
-                <a:latin typeface="Trebuchet MS" panose="020B0603020202020204" pitchFamily="34" charset="0"/>
-              </a:defRPr>
-            </a:lvl1pPr>
-            <a:lvl2pPr marL="742950" indent="-285750">
-              <a:defRPr>
-                <a:solidFill>
-                  <a:schemeClr val="tx1"/>
-                </a:solidFill>
-                <a:latin typeface="Trebuchet MS" panose="020B0603020202020204" pitchFamily="34" charset="0"/>
-              </a:defRPr>
-            </a:lvl2pPr>
-            <a:lvl3pPr marL="1143000" indent="-228600">
-              <a:defRPr>
-                <a:solidFill>
-                  <a:schemeClr val="tx1"/>
-                </a:solidFill>
-                <a:latin typeface="Trebuchet MS" panose="020B0603020202020204" pitchFamily="34" charset="0"/>
-              </a:defRPr>
-            </a:lvl3pPr>
-            <a:lvl4pPr marL="1600200" indent="-228600">
-              <a:defRPr>
-                <a:solidFill>
-                  <a:schemeClr val="tx1"/>
-                </a:solidFill>
-                <a:latin typeface="Trebuchet MS" panose="020B0603020202020204" pitchFamily="34" charset="0"/>
-              </a:defRPr>
-            </a:lvl4pPr>
-            <a:lvl5pPr marL="2057400" indent="-228600">
-              <a:defRPr>
-                <a:solidFill>
-                  <a:schemeClr val="tx1"/>
-                </a:solidFill>
-                <a:latin typeface="Trebuchet MS" panose="020B0603020202020204" pitchFamily="34" charset="0"/>
-              </a:defRPr>
-            </a:lvl5pPr>
-            <a:lvl6pPr marL="2514600" indent="-228600" defTabSz="457200" fontAlgn="base">
-              <a:spcBef>
-                <a:spcPct val="0"/>
-              </a:spcBef>
-              <a:spcAft>
-                <a:spcPct val="0"/>
-              </a:spcAft>
-              <a:defRPr>
-                <a:solidFill>
-                  <a:schemeClr val="tx1"/>
-                </a:solidFill>
-                <a:latin typeface="Trebuchet MS" panose="020B0603020202020204" pitchFamily="34" charset="0"/>
-              </a:defRPr>
-            </a:lvl6pPr>
-            <a:lvl7pPr marL="2971800" indent="-228600" defTabSz="457200" fontAlgn="base">
-              <a:spcBef>
-                <a:spcPct val="0"/>
-              </a:spcBef>
-              <a:spcAft>
-                <a:spcPct val="0"/>
-              </a:spcAft>
-              <a:defRPr>
-                <a:solidFill>
-                  <a:schemeClr val="tx1"/>
-                </a:solidFill>
-                <a:latin typeface="Trebuchet MS" panose="020B0603020202020204" pitchFamily="34" charset="0"/>
-              </a:defRPr>
-            </a:lvl7pPr>
-            <a:lvl8pPr marL="3429000" indent="-228600" defTabSz="457200" fontAlgn="base">
-              <a:spcBef>
-                <a:spcPct val="0"/>
-              </a:spcBef>
-              <a:spcAft>
-                <a:spcPct val="0"/>
-              </a:spcAft>
-              <a:defRPr>
-                <a:solidFill>
-                  <a:schemeClr val="tx1"/>
-                </a:solidFill>
-                <a:latin typeface="Trebuchet MS" panose="020B0603020202020204" pitchFamily="34" charset="0"/>
-              </a:defRPr>
-            </a:lvl8pPr>
-            <a:lvl9pPr marL="3886200" indent="-228600" defTabSz="457200" fontAlgn="base">
-              <a:spcBef>
-                <a:spcPct val="0"/>
-              </a:spcBef>
-              <a:spcAft>
-                <a:spcPct val="0"/>
-              </a:spcAft>
-              <a:defRPr>
-                <a:solidFill>
-                  <a:schemeClr val="tx1"/>
-                </a:solidFill>
-                <a:latin typeface="Trebuchet MS" panose="020B0603020202020204" pitchFamily="34" charset="0"/>
-              </a:defRPr>
-            </a:lvl9pPr>
-          </a:lstStyle>
-          <a:p>
-            <a:pPr eaLnBrk="1" hangingPunct="1"/>
-            <a:r>
-              <a:rPr lang="zh-CN" altLang="en-US">
-                <a:solidFill>
-                  <a:srgbClr val="FF0000"/>
-                </a:solidFill>
-              </a:rPr>
-              <a:t>按键模块</a:t>
-            </a:r>
-            <a:endParaRPr lang="en-US" altLang="en-US">
-              <a:solidFill>
-                <a:srgbClr val="FF0000"/>
-              </a:solidFill>
-            </a:endParaRPr>
-          </a:p>
-        </p:txBody>
-      </p:sp>
-      <p:sp>
-        <p:nvSpPr>
-          <p:cNvPr id="18" name="文本框 17"/>
-          <p:cNvSpPr txBox="1">
-            <a:spLocks noChangeArrowheads="1"/>
-          </p:cNvSpPr>
-          <p:nvPr/>
-        </p:nvSpPr>
-        <p:spPr bwMode="auto">
-          <a:xfrm>
-            <a:off x="396875" y="4968875"/>
-            <a:ext cx="1017588" cy="368300"/>
-          </a:xfrm>
-          <a:prstGeom prst="rect">
-            <a:avLst/>
-          </a:prstGeom>
-          <a:noFill/>
-          <a:ln>
-            <a:noFill/>
-          </a:ln>
-          <a:extLst>
-            <a:ext uri="{909E8E84-426E-40DD-AFC4-6F175D3DCCD1}">
-              <a14:hiddenFill xmlns:a14="http://schemas.microsoft.com/office/drawing/2010/main">
-                <a:solidFill>
-                  <a:srgbClr val="FFFFFF"/>
-                </a:solidFill>
-              </a14:hiddenFill>
-            </a:ext>
-            <a:ext uri="{91240B29-F687-4F45-9708-019B960494DF}">
-              <a14:hiddenLine xmlns:a14="http://schemas.microsoft.com/office/drawing/2010/main" w="9525">
-                <a:solidFill>
-                  <a:srgbClr val="000000"/>
-                </a:solidFill>
-                <a:miter lim="800000"/>
-                <a:headEnd/>
-                <a:tailEnd/>
-              </a14:hiddenLine>
-            </a:ext>
-          </a:extLst>
-        </p:spPr>
-        <p:txBody>
-          <a:bodyPr>
-            <a:spAutoFit/>
-          </a:bodyPr>
-          <a:lstStyle>
-            <a:lvl1pPr>
-              <a:defRPr>
-                <a:solidFill>
-                  <a:schemeClr val="tx1"/>
-                </a:solidFill>
-                <a:latin typeface="Trebuchet MS" panose="020B0603020202020204" pitchFamily="34" charset="0"/>
-              </a:defRPr>
-            </a:lvl1pPr>
-            <a:lvl2pPr marL="742950" indent="-285750">
-              <a:defRPr>
-                <a:solidFill>
-                  <a:schemeClr val="tx1"/>
-                </a:solidFill>
-                <a:latin typeface="Trebuchet MS" panose="020B0603020202020204" pitchFamily="34" charset="0"/>
-              </a:defRPr>
-            </a:lvl2pPr>
-            <a:lvl3pPr marL="1143000" indent="-228600">
-              <a:defRPr>
-                <a:solidFill>
-                  <a:schemeClr val="tx1"/>
-                </a:solidFill>
-                <a:latin typeface="Trebuchet MS" panose="020B0603020202020204" pitchFamily="34" charset="0"/>
-              </a:defRPr>
-            </a:lvl3pPr>
-            <a:lvl4pPr marL="1600200" indent="-228600">
-              <a:defRPr>
-                <a:solidFill>
-                  <a:schemeClr val="tx1"/>
-                </a:solidFill>
-                <a:latin typeface="Trebuchet MS" panose="020B0603020202020204" pitchFamily="34" charset="0"/>
-              </a:defRPr>
-            </a:lvl4pPr>
-            <a:lvl5pPr marL="2057400" indent="-228600">
-              <a:defRPr>
-                <a:solidFill>
-                  <a:schemeClr val="tx1"/>
-                </a:solidFill>
-                <a:latin typeface="Trebuchet MS" panose="020B0603020202020204" pitchFamily="34" charset="0"/>
-              </a:defRPr>
-            </a:lvl5pPr>
-            <a:lvl6pPr marL="2514600" indent="-228600" defTabSz="457200" fontAlgn="base">
-              <a:spcBef>
-                <a:spcPct val="0"/>
-              </a:spcBef>
-              <a:spcAft>
-                <a:spcPct val="0"/>
-              </a:spcAft>
-              <a:defRPr>
-                <a:solidFill>
-                  <a:schemeClr val="tx1"/>
-                </a:solidFill>
-                <a:latin typeface="Trebuchet MS" panose="020B0603020202020204" pitchFamily="34" charset="0"/>
-              </a:defRPr>
-            </a:lvl6pPr>
-            <a:lvl7pPr marL="2971800" indent="-228600" defTabSz="457200" fontAlgn="base">
-              <a:spcBef>
-                <a:spcPct val="0"/>
-              </a:spcBef>
-              <a:spcAft>
-                <a:spcPct val="0"/>
-              </a:spcAft>
-              <a:defRPr>
-                <a:solidFill>
-                  <a:schemeClr val="tx1"/>
-                </a:solidFill>
-                <a:latin typeface="Trebuchet MS" panose="020B0603020202020204" pitchFamily="34" charset="0"/>
-              </a:defRPr>
-            </a:lvl7pPr>
-            <a:lvl8pPr marL="3429000" indent="-228600" defTabSz="457200" fontAlgn="base">
-              <a:spcBef>
-                <a:spcPct val="0"/>
-              </a:spcBef>
-              <a:spcAft>
-                <a:spcPct val="0"/>
-              </a:spcAft>
-              <a:defRPr>
-                <a:solidFill>
-                  <a:schemeClr val="tx1"/>
-                </a:solidFill>
-                <a:latin typeface="Trebuchet MS" panose="020B0603020202020204" pitchFamily="34" charset="0"/>
-              </a:defRPr>
-            </a:lvl8pPr>
-            <a:lvl9pPr marL="3886200" indent="-228600" defTabSz="457200" fontAlgn="base">
-              <a:spcBef>
-                <a:spcPct val="0"/>
-              </a:spcBef>
-              <a:spcAft>
-                <a:spcPct val="0"/>
-              </a:spcAft>
-              <a:defRPr>
-                <a:solidFill>
-                  <a:schemeClr val="tx1"/>
-                </a:solidFill>
-                <a:latin typeface="Trebuchet MS" panose="020B0603020202020204" pitchFamily="34" charset="0"/>
-              </a:defRPr>
-            </a:lvl9pPr>
-          </a:lstStyle>
-          <a:p>
-            <a:pPr eaLnBrk="1" hangingPunct="1"/>
-            <a:r>
-              <a:rPr lang="en-US" altLang="zh-CN">
-                <a:solidFill>
-                  <a:srgbClr val="FF0000"/>
-                </a:solidFill>
-              </a:rPr>
-              <a:t>GPS</a:t>
-            </a:r>
-            <a:r>
-              <a:rPr lang="zh-CN" altLang="en-US">
-                <a:solidFill>
-                  <a:srgbClr val="FF0000"/>
-                </a:solidFill>
-              </a:rPr>
-              <a:t>模块</a:t>
-            </a:r>
-            <a:endParaRPr lang="en-US" altLang="en-US">
-              <a:solidFill>
-                <a:srgbClr val="FF0000"/>
-              </a:solidFill>
-            </a:endParaRPr>
-          </a:p>
-        </p:txBody>
-      </p:sp>
-      <p:sp>
-        <p:nvSpPr>
-          <p:cNvPr id="19" name="文本框 18"/>
-          <p:cNvSpPr txBox="1">
-            <a:spLocks noChangeArrowheads="1"/>
-          </p:cNvSpPr>
-          <p:nvPr/>
-        </p:nvSpPr>
-        <p:spPr bwMode="auto">
-          <a:xfrm>
-            <a:off x="2124075" y="5934075"/>
-            <a:ext cx="1238250" cy="646113"/>
-          </a:xfrm>
-          <a:prstGeom prst="rect">
-            <a:avLst/>
-          </a:prstGeom>
-          <a:noFill/>
-          <a:ln>
-            <a:noFill/>
-          </a:ln>
-          <a:extLst>
-            <a:ext uri="{909E8E84-426E-40DD-AFC4-6F175D3DCCD1}">
-              <a14:hiddenFill xmlns:a14="http://schemas.microsoft.com/office/drawing/2010/main">
-                <a:solidFill>
-                  <a:srgbClr val="FFFFFF"/>
-                </a:solidFill>
-              </a14:hiddenFill>
-            </a:ext>
-            <a:ext uri="{91240B29-F687-4F45-9708-019B960494DF}">
-              <a14:hiddenLine xmlns:a14="http://schemas.microsoft.com/office/drawing/2010/main" w="9525">
-                <a:solidFill>
-                  <a:srgbClr val="000000"/>
-                </a:solidFill>
-                <a:miter lim="800000"/>
-                <a:headEnd/>
-                <a:tailEnd/>
-              </a14:hiddenLine>
-            </a:ext>
-          </a:extLst>
-        </p:spPr>
-        <p:txBody>
-          <a:bodyPr>
-            <a:spAutoFit/>
-          </a:bodyPr>
-          <a:lstStyle>
-            <a:lvl1pPr>
-              <a:defRPr>
-                <a:solidFill>
-                  <a:schemeClr val="tx1"/>
-                </a:solidFill>
-                <a:latin typeface="Trebuchet MS" panose="020B0603020202020204" pitchFamily="34" charset="0"/>
-              </a:defRPr>
-            </a:lvl1pPr>
-            <a:lvl2pPr marL="742950" indent="-285750">
-              <a:defRPr>
-                <a:solidFill>
-                  <a:schemeClr val="tx1"/>
-                </a:solidFill>
-                <a:latin typeface="Trebuchet MS" panose="020B0603020202020204" pitchFamily="34" charset="0"/>
-              </a:defRPr>
-            </a:lvl2pPr>
-            <a:lvl3pPr marL="1143000" indent="-228600">
-              <a:defRPr>
-                <a:solidFill>
-                  <a:schemeClr val="tx1"/>
-                </a:solidFill>
-                <a:latin typeface="Trebuchet MS" panose="020B0603020202020204" pitchFamily="34" charset="0"/>
-              </a:defRPr>
-            </a:lvl3pPr>
-            <a:lvl4pPr marL="1600200" indent="-228600">
-              <a:defRPr>
-                <a:solidFill>
-                  <a:schemeClr val="tx1"/>
-                </a:solidFill>
-                <a:latin typeface="Trebuchet MS" panose="020B0603020202020204" pitchFamily="34" charset="0"/>
-              </a:defRPr>
-            </a:lvl4pPr>
-            <a:lvl5pPr marL="2057400" indent="-228600">
-              <a:defRPr>
-                <a:solidFill>
-                  <a:schemeClr val="tx1"/>
-                </a:solidFill>
-                <a:latin typeface="Trebuchet MS" panose="020B0603020202020204" pitchFamily="34" charset="0"/>
-              </a:defRPr>
-            </a:lvl5pPr>
-            <a:lvl6pPr marL="2514600" indent="-228600" defTabSz="457200" fontAlgn="base">
-              <a:spcBef>
-                <a:spcPct val="0"/>
-              </a:spcBef>
-              <a:spcAft>
-                <a:spcPct val="0"/>
-              </a:spcAft>
-              <a:defRPr>
-                <a:solidFill>
-                  <a:schemeClr val="tx1"/>
-                </a:solidFill>
-                <a:latin typeface="Trebuchet MS" panose="020B0603020202020204" pitchFamily="34" charset="0"/>
-              </a:defRPr>
-            </a:lvl6pPr>
-            <a:lvl7pPr marL="2971800" indent="-228600" defTabSz="457200" fontAlgn="base">
-              <a:spcBef>
-                <a:spcPct val="0"/>
-              </a:spcBef>
-              <a:spcAft>
-                <a:spcPct val="0"/>
-              </a:spcAft>
-              <a:defRPr>
-                <a:solidFill>
-                  <a:schemeClr val="tx1"/>
-                </a:solidFill>
-                <a:latin typeface="Trebuchet MS" panose="020B0603020202020204" pitchFamily="34" charset="0"/>
-              </a:defRPr>
-            </a:lvl7pPr>
-            <a:lvl8pPr marL="3429000" indent="-228600" defTabSz="457200" fontAlgn="base">
-              <a:spcBef>
-                <a:spcPct val="0"/>
-              </a:spcBef>
-              <a:spcAft>
-                <a:spcPct val="0"/>
-              </a:spcAft>
-              <a:defRPr>
-                <a:solidFill>
-                  <a:schemeClr val="tx1"/>
-                </a:solidFill>
-                <a:latin typeface="Trebuchet MS" panose="020B0603020202020204" pitchFamily="34" charset="0"/>
-              </a:defRPr>
-            </a:lvl8pPr>
-            <a:lvl9pPr marL="3886200" indent="-228600" defTabSz="457200" fontAlgn="base">
-              <a:spcBef>
-                <a:spcPct val="0"/>
-              </a:spcBef>
-              <a:spcAft>
-                <a:spcPct val="0"/>
-              </a:spcAft>
-              <a:defRPr>
-                <a:solidFill>
-                  <a:schemeClr val="tx1"/>
-                </a:solidFill>
-                <a:latin typeface="Trebuchet MS" panose="020B0603020202020204" pitchFamily="34" charset="0"/>
-              </a:defRPr>
-            </a:lvl9pPr>
-          </a:lstStyle>
-          <a:p>
-            <a:pPr eaLnBrk="1" hangingPunct="1"/>
-            <a:r>
-              <a:rPr lang="zh-CN" altLang="en-US">
-                <a:solidFill>
-                  <a:srgbClr val="FF0000"/>
-                </a:solidFill>
-              </a:rPr>
-              <a:t>无线模块</a:t>
-            </a:r>
-            <a:endParaRPr lang="en-US" altLang="zh-CN">
-              <a:solidFill>
-                <a:srgbClr val="FF0000"/>
-              </a:solidFill>
-            </a:endParaRPr>
-          </a:p>
-          <a:p>
-            <a:pPr eaLnBrk="1" hangingPunct="1"/>
-            <a:r>
-              <a:rPr lang="en-US" altLang="en-US">
-                <a:solidFill>
-                  <a:srgbClr val="FF0000"/>
-                </a:solidFill>
-              </a:rPr>
-              <a:t>nRF2401</a:t>
-            </a:r>
-          </a:p>
-        </p:txBody>
-      </p:sp>
-      <p:sp>
-        <p:nvSpPr>
-          <p:cNvPr id="20" name="文本框 19"/>
-          <p:cNvSpPr txBox="1">
-            <a:spLocks noChangeArrowheads="1"/>
-          </p:cNvSpPr>
-          <p:nvPr/>
-        </p:nvSpPr>
-        <p:spPr bwMode="auto">
-          <a:xfrm>
-            <a:off x="7467600" y="749300"/>
-            <a:ext cx="1390650" cy="646113"/>
-          </a:xfrm>
-          <a:prstGeom prst="rect">
-            <a:avLst/>
-          </a:prstGeom>
-          <a:noFill/>
-          <a:ln>
-            <a:noFill/>
-          </a:ln>
-          <a:extLst>
-            <a:ext uri="{909E8E84-426E-40DD-AFC4-6F175D3DCCD1}">
-              <a14:hiddenFill xmlns:a14="http://schemas.microsoft.com/office/drawing/2010/main">
-                <a:solidFill>
-                  <a:srgbClr val="FFFFFF"/>
-                </a:solidFill>
-              </a14:hiddenFill>
-            </a:ext>
-            <a:ext uri="{91240B29-F687-4F45-9708-019B960494DF}">
-              <a14:hiddenLine xmlns:a14="http://schemas.microsoft.com/office/drawing/2010/main" w="9525">
-                <a:solidFill>
-                  <a:srgbClr val="000000"/>
-                </a:solidFill>
-                <a:miter lim="800000"/>
-                <a:headEnd/>
-                <a:tailEnd/>
-              </a14:hiddenLine>
-            </a:ext>
-          </a:extLst>
-        </p:spPr>
-        <p:txBody>
-          <a:bodyPr>
-            <a:spAutoFit/>
-          </a:bodyPr>
-          <a:lstStyle>
-            <a:lvl1pPr>
-              <a:defRPr>
-                <a:solidFill>
-                  <a:schemeClr val="tx1"/>
-                </a:solidFill>
-                <a:latin typeface="Trebuchet MS" panose="020B0603020202020204" pitchFamily="34" charset="0"/>
-              </a:defRPr>
-            </a:lvl1pPr>
-            <a:lvl2pPr marL="742950" indent="-285750">
-              <a:defRPr>
-                <a:solidFill>
-                  <a:schemeClr val="tx1"/>
-                </a:solidFill>
-                <a:latin typeface="Trebuchet MS" panose="020B0603020202020204" pitchFamily="34" charset="0"/>
-              </a:defRPr>
-            </a:lvl2pPr>
-            <a:lvl3pPr marL="1143000" indent="-228600">
-              <a:defRPr>
-                <a:solidFill>
-                  <a:schemeClr val="tx1"/>
-                </a:solidFill>
-                <a:latin typeface="Trebuchet MS" panose="020B0603020202020204" pitchFamily="34" charset="0"/>
-              </a:defRPr>
-            </a:lvl3pPr>
-            <a:lvl4pPr marL="1600200" indent="-228600">
-              <a:defRPr>
-                <a:solidFill>
-                  <a:schemeClr val="tx1"/>
-                </a:solidFill>
-                <a:latin typeface="Trebuchet MS" panose="020B0603020202020204" pitchFamily="34" charset="0"/>
-              </a:defRPr>
-            </a:lvl4pPr>
-            <a:lvl5pPr marL="2057400" indent="-228600">
-              <a:defRPr>
-                <a:solidFill>
-                  <a:schemeClr val="tx1"/>
-                </a:solidFill>
-                <a:latin typeface="Trebuchet MS" panose="020B0603020202020204" pitchFamily="34" charset="0"/>
-              </a:defRPr>
-            </a:lvl5pPr>
-            <a:lvl6pPr marL="2514600" indent="-228600" defTabSz="457200" fontAlgn="base">
-              <a:spcBef>
-                <a:spcPct val="0"/>
-              </a:spcBef>
-              <a:spcAft>
-                <a:spcPct val="0"/>
-              </a:spcAft>
-              <a:defRPr>
-                <a:solidFill>
-                  <a:schemeClr val="tx1"/>
-                </a:solidFill>
-                <a:latin typeface="Trebuchet MS" panose="020B0603020202020204" pitchFamily="34" charset="0"/>
-              </a:defRPr>
-            </a:lvl6pPr>
-            <a:lvl7pPr marL="2971800" indent="-228600" defTabSz="457200" fontAlgn="base">
-              <a:spcBef>
-                <a:spcPct val="0"/>
-              </a:spcBef>
-              <a:spcAft>
-                <a:spcPct val="0"/>
-              </a:spcAft>
-              <a:defRPr>
-                <a:solidFill>
-                  <a:schemeClr val="tx1"/>
-                </a:solidFill>
-                <a:latin typeface="Trebuchet MS" panose="020B0603020202020204" pitchFamily="34" charset="0"/>
-              </a:defRPr>
-            </a:lvl7pPr>
-            <a:lvl8pPr marL="3429000" indent="-228600" defTabSz="457200" fontAlgn="base">
-              <a:spcBef>
-                <a:spcPct val="0"/>
-              </a:spcBef>
-              <a:spcAft>
-                <a:spcPct val="0"/>
-              </a:spcAft>
-              <a:defRPr>
-                <a:solidFill>
-                  <a:schemeClr val="tx1"/>
-                </a:solidFill>
-                <a:latin typeface="Trebuchet MS" panose="020B0603020202020204" pitchFamily="34" charset="0"/>
-              </a:defRPr>
-            </a:lvl8pPr>
-            <a:lvl9pPr marL="3886200" indent="-228600" defTabSz="457200" fontAlgn="base">
-              <a:spcBef>
-                <a:spcPct val="0"/>
-              </a:spcBef>
-              <a:spcAft>
-                <a:spcPct val="0"/>
-              </a:spcAft>
-              <a:defRPr>
-                <a:solidFill>
-                  <a:schemeClr val="tx1"/>
-                </a:solidFill>
-                <a:latin typeface="Trebuchet MS" panose="020B0603020202020204" pitchFamily="34" charset="0"/>
-              </a:defRPr>
-            </a:lvl9pPr>
-          </a:lstStyle>
-          <a:p>
-            <a:pPr eaLnBrk="1" hangingPunct="1"/>
-            <a:r>
-              <a:rPr lang="zh-CN" altLang="en-US">
-                <a:solidFill>
-                  <a:srgbClr val="FF0000"/>
-                </a:solidFill>
-              </a:rPr>
-              <a:t>时钟模块</a:t>
-            </a:r>
-            <a:endParaRPr lang="en-US" altLang="zh-CN">
-              <a:solidFill>
-                <a:srgbClr val="FF0000"/>
-              </a:solidFill>
-            </a:endParaRPr>
-          </a:p>
-          <a:p>
-            <a:pPr eaLnBrk="1" hangingPunct="1"/>
-            <a:r>
-              <a:rPr lang="en-US" altLang="zh-CN">
-                <a:solidFill>
-                  <a:srgbClr val="FF0000"/>
-                </a:solidFill>
-              </a:rPr>
-              <a:t>PCF8563</a:t>
-            </a:r>
-            <a:endParaRPr lang="en-US" altLang="en-US">
-              <a:solidFill>
-                <a:srgbClr val="FF0000"/>
-              </a:solidFill>
-            </a:endParaRPr>
-          </a:p>
-        </p:txBody>
-      </p:sp>
-      <p:sp>
-        <p:nvSpPr>
-          <p:cNvPr id="21" name="文本框 20"/>
-          <p:cNvSpPr txBox="1">
-            <a:spLocks noChangeArrowheads="1"/>
-          </p:cNvSpPr>
-          <p:nvPr/>
-        </p:nvSpPr>
-        <p:spPr bwMode="auto">
-          <a:xfrm>
-            <a:off x="6800850" y="5186363"/>
-            <a:ext cx="1276350" cy="646112"/>
-          </a:xfrm>
-          <a:prstGeom prst="rect">
-            <a:avLst/>
-          </a:prstGeom>
-          <a:noFill/>
-          <a:ln>
-            <a:noFill/>
-          </a:ln>
-          <a:extLst>
-            <a:ext uri="{909E8E84-426E-40DD-AFC4-6F175D3DCCD1}">
-              <a14:hiddenFill xmlns:a14="http://schemas.microsoft.com/office/drawing/2010/main">
-                <a:solidFill>
-                  <a:srgbClr val="FFFFFF"/>
-                </a:solidFill>
-              </a14:hiddenFill>
-            </a:ext>
-            <a:ext uri="{91240B29-F687-4F45-9708-019B960494DF}">
-              <a14:hiddenLine xmlns:a14="http://schemas.microsoft.com/office/drawing/2010/main" w="9525">
-                <a:solidFill>
-                  <a:srgbClr val="000000"/>
-                </a:solidFill>
-                <a:miter lim="800000"/>
-                <a:headEnd/>
-                <a:tailEnd/>
-              </a14:hiddenLine>
-            </a:ext>
-          </a:extLst>
-        </p:spPr>
-        <p:txBody>
-          <a:bodyPr>
-            <a:spAutoFit/>
-          </a:bodyPr>
-          <a:lstStyle>
-            <a:lvl1pPr>
-              <a:defRPr>
-                <a:solidFill>
-                  <a:schemeClr val="tx1"/>
-                </a:solidFill>
-                <a:latin typeface="Trebuchet MS" panose="020B0603020202020204" pitchFamily="34" charset="0"/>
-              </a:defRPr>
-            </a:lvl1pPr>
-            <a:lvl2pPr marL="742950" indent="-285750">
-              <a:defRPr>
-                <a:solidFill>
-                  <a:schemeClr val="tx1"/>
-                </a:solidFill>
-                <a:latin typeface="Trebuchet MS" panose="020B0603020202020204" pitchFamily="34" charset="0"/>
-              </a:defRPr>
-            </a:lvl2pPr>
-            <a:lvl3pPr marL="1143000" indent="-228600">
-              <a:defRPr>
-                <a:solidFill>
-                  <a:schemeClr val="tx1"/>
-                </a:solidFill>
-                <a:latin typeface="Trebuchet MS" panose="020B0603020202020204" pitchFamily="34" charset="0"/>
-              </a:defRPr>
-            </a:lvl3pPr>
-            <a:lvl4pPr marL="1600200" indent="-228600">
-              <a:defRPr>
-                <a:solidFill>
-                  <a:schemeClr val="tx1"/>
-                </a:solidFill>
-                <a:latin typeface="Trebuchet MS" panose="020B0603020202020204" pitchFamily="34" charset="0"/>
-              </a:defRPr>
-            </a:lvl4pPr>
-            <a:lvl5pPr marL="2057400" indent="-228600">
-              <a:defRPr>
-                <a:solidFill>
-                  <a:schemeClr val="tx1"/>
-                </a:solidFill>
-                <a:latin typeface="Trebuchet MS" panose="020B0603020202020204" pitchFamily="34" charset="0"/>
-              </a:defRPr>
-            </a:lvl5pPr>
-            <a:lvl6pPr marL="2514600" indent="-228600" defTabSz="457200" fontAlgn="base">
-              <a:spcBef>
-                <a:spcPct val="0"/>
-              </a:spcBef>
-              <a:spcAft>
-                <a:spcPct val="0"/>
-              </a:spcAft>
-              <a:defRPr>
-                <a:solidFill>
-                  <a:schemeClr val="tx1"/>
-                </a:solidFill>
-                <a:latin typeface="Trebuchet MS" panose="020B0603020202020204" pitchFamily="34" charset="0"/>
-              </a:defRPr>
-            </a:lvl6pPr>
-            <a:lvl7pPr marL="2971800" indent="-228600" defTabSz="457200" fontAlgn="base">
-              <a:spcBef>
-                <a:spcPct val="0"/>
-              </a:spcBef>
-              <a:spcAft>
-                <a:spcPct val="0"/>
-              </a:spcAft>
-              <a:defRPr>
-                <a:solidFill>
-                  <a:schemeClr val="tx1"/>
-                </a:solidFill>
-                <a:latin typeface="Trebuchet MS" panose="020B0603020202020204" pitchFamily="34" charset="0"/>
-              </a:defRPr>
-            </a:lvl7pPr>
-            <a:lvl8pPr marL="3429000" indent="-228600" defTabSz="457200" fontAlgn="base">
-              <a:spcBef>
-                <a:spcPct val="0"/>
-              </a:spcBef>
-              <a:spcAft>
-                <a:spcPct val="0"/>
-              </a:spcAft>
-              <a:defRPr>
-                <a:solidFill>
-                  <a:schemeClr val="tx1"/>
-                </a:solidFill>
-                <a:latin typeface="Trebuchet MS" panose="020B0603020202020204" pitchFamily="34" charset="0"/>
-              </a:defRPr>
-            </a:lvl8pPr>
-            <a:lvl9pPr marL="3886200" indent="-228600" defTabSz="457200" fontAlgn="base">
-              <a:spcBef>
-                <a:spcPct val="0"/>
-              </a:spcBef>
-              <a:spcAft>
-                <a:spcPct val="0"/>
-              </a:spcAft>
-              <a:defRPr>
-                <a:solidFill>
-                  <a:schemeClr val="tx1"/>
-                </a:solidFill>
-                <a:latin typeface="Trebuchet MS" panose="020B0603020202020204" pitchFamily="34" charset="0"/>
-              </a:defRPr>
-            </a:lvl9pPr>
-          </a:lstStyle>
-          <a:p>
-            <a:pPr eaLnBrk="1" hangingPunct="1"/>
-            <a:r>
-              <a:rPr lang="zh-CN" altLang="en-US">
-                <a:solidFill>
-                  <a:srgbClr val="FF0000"/>
-                </a:solidFill>
-              </a:rPr>
-              <a:t>串口模块</a:t>
-            </a:r>
-            <a:endParaRPr lang="en-US" altLang="zh-CN">
-              <a:solidFill>
-                <a:srgbClr val="FF0000"/>
-              </a:solidFill>
-            </a:endParaRPr>
-          </a:p>
-          <a:p>
-            <a:pPr eaLnBrk="1" hangingPunct="1"/>
-            <a:r>
-              <a:rPr lang="en-US" altLang="zh-CN">
-                <a:solidFill>
-                  <a:srgbClr val="FF0000"/>
-                </a:solidFill>
-              </a:rPr>
-              <a:t>MAX232</a:t>
-            </a:r>
-            <a:endParaRPr lang="en-US" altLang="en-US">
-              <a:solidFill>
-                <a:srgbClr val="FF0000"/>
-              </a:solidFill>
-            </a:endParaRPr>
-          </a:p>
-        </p:txBody>
-      </p:sp>
-      <p:pic>
-        <p:nvPicPr>
-          <p:cNvPr id="26643" name="图片 21"/>
-          <p:cNvPicPr>
-            <a:picLocks noChangeAspect="1"/>
-          </p:cNvPicPr>
-          <p:nvPr/>
-        </p:nvPicPr>
-        <p:blipFill>
-          <a:blip r:embed="rId3">
-            <a:extLst>
-              <a:ext uri="{28A0092B-C50C-407E-A947-70E740481C1C}">
-                <a14:useLocalDpi xmlns:a14="http://schemas.microsoft.com/office/drawing/2010/main" val="0"/>
-              </a:ext>
-            </a:extLst>
-          </a:blip>
-          <a:srcRect/>
-          <a:stretch>
-            <a:fillRect/>
-          </a:stretch>
-        </p:blipFill>
-        <p:spPr bwMode="auto">
-          <a:xfrm>
-            <a:off x="9998075" y="5426075"/>
-            <a:ext cx="1336675" cy="1339850"/>
-          </a:xfrm>
-          <a:prstGeom prst="rect">
-            <a:avLst/>
-          </a:prstGeom>
-          <a:noFill/>
-          <a:ln>
-            <a:noFill/>
-          </a:ln>
-          <a:extLst>
-            <a:ext uri="{909E8E84-426E-40DD-AFC4-6F175D3DCCD1}">
-              <a14:hiddenFill xmlns:a14="http://schemas.microsoft.com/office/drawing/2010/main">
-                <a:solidFill>
-                  <a:srgbClr val="FFFFFF"/>
-                </a:solidFill>
-              </a14:hiddenFill>
-            </a:ext>
-            <a:ext uri="{91240B29-F687-4F45-9708-019B960494DF}">
-              <a14:hiddenLine xmlns:a14="http://schemas.microsoft.com/office/drawing/2010/main" w="9525">
-                <a:solidFill>
-                  <a:srgbClr val="000000"/>
-                </a:solidFill>
-                <a:miter lim="800000"/>
-                <a:headEnd/>
-                <a:tailEnd/>
-              </a14:hiddenLine>
-            </a:ext>
-          </a:extLst>
-        </p:spPr>
-      </p:pic>
-    </p:spTree>
-  </p:cSld>
-  <p:clrMapOvr>
-    <a:masterClrMapping/>
-  </p:clrMapOvr>
-  <p:timing>
-    <p:tnLst>
-      <p:par>
-        <p:cTn id="1" dur="indefinite" restart="never" nodeType="tmRoot">
-          <p:childTnLst>
-            <p:seq concurrent="1" nextAc="seek">
-              <p:cTn id="2" dur="indefinite" nodeType="mainSeq">
-                <p:childTnLst>
-                  <p:par>
-                    <p:cTn id="3" fill="hold" nodeType="clickPar">
-                      <p:stCondLst>
-                        <p:cond delay="indefinite"/>
-                      </p:stCondLst>
-                      <p:childTnLst>
-                        <p:par>
-                          <p:cTn id="4" fill="hold" nodeType="withGroup">
-                            <p:stCondLst>
-                              <p:cond delay="0"/>
-                            </p:stCondLst>
-                            <p:childTnLst>
-                              <p:par>
-                                <p:cTn id="5" presetID="10" presetClass="entr" presetSubtype="0" fill="hold" nodeType="clickEffect">
-                                  <p:stCondLst>
-                                    <p:cond delay="0"/>
-                                  </p:stCondLst>
-                                  <p:childTnLst>
-                                    <p:set>
-                                      <p:cBhvr>
-                                        <p:cTn id="6" dur="1" fill="hold">
-                                          <p:stCondLst>
-                                            <p:cond delay="0"/>
-                                          </p:stCondLst>
-                                        </p:cTn>
-                                        <p:tgtEl>
-                                          <p:spTgt spid="6"/>
-                                        </p:tgtEl>
-                                        <p:attrNameLst>
-                                          <p:attrName>style.visibility</p:attrName>
-                                        </p:attrNameLst>
-                                      </p:cBhvr>
-                                      <p:to>
-                                        <p:strVal val="visible"/>
-                                      </p:to>
-                                    </p:set>
-                                    <p:animEffect transition="in" filter="fade">
-                                      <p:cBhvr>
-                                        <p:cTn id="7" dur="500"/>
-                                        <p:tgtEl>
-                                          <p:spTgt spid="6"/>
-                                        </p:tgtEl>
-                                      </p:cBhvr>
-                                    </p:animEffect>
-                                  </p:childTnLst>
-                                </p:cTn>
-                              </p:par>
-                            </p:childTnLst>
-                          </p:cTn>
-                        </p:par>
-                      </p:childTnLst>
-                    </p:cTn>
-                  </p:par>
-                  <p:par>
-                    <p:cTn id="8" fill="hold" nodeType="clickPar">
-                      <p:stCondLst>
-                        <p:cond delay="indefinite"/>
-                      </p:stCondLst>
-                      <p:childTnLst>
-                        <p:par>
-                          <p:cTn id="9" fill="hold" nodeType="withGroup">
-                            <p:stCondLst>
-                              <p:cond delay="0"/>
-                            </p:stCondLst>
-                            <p:childTnLst>
-                              <p:par>
-                                <p:cTn id="10" presetID="10" presetClass="entr" presetSubtype="0" fill="hold" grpId="0" nodeType="clickEffect">
-                                  <p:stCondLst>
-                                    <p:cond delay="0"/>
-                                  </p:stCondLst>
-                                  <p:childTnLst>
-                                    <p:set>
-                                      <p:cBhvr>
-                                        <p:cTn id="11" dur="1" fill="hold">
-                                          <p:stCondLst>
-                                            <p:cond delay="0"/>
-                                          </p:stCondLst>
-                                        </p:cTn>
-                                        <p:tgtEl>
-                                          <p:spTgt spid="9"/>
-                                        </p:tgtEl>
-                                        <p:attrNameLst>
-                                          <p:attrName>style.visibility</p:attrName>
-                                        </p:attrNameLst>
-                                      </p:cBhvr>
-                                      <p:to>
-                                        <p:strVal val="visible"/>
-                                      </p:to>
-                                    </p:set>
-                                    <p:animEffect transition="in" filter="fade">
-                                      <p:cBhvr>
-                                        <p:cTn id="12" dur="500"/>
-                                        <p:tgtEl>
-                                          <p:spTgt spid="9"/>
-                                        </p:tgtEl>
-                                      </p:cBhvr>
-                                    </p:animEffect>
-                                  </p:childTnLst>
-                                </p:cTn>
-                              </p:par>
-                              <p:par>
-                                <p:cTn id="13" presetID="10" presetClass="entr" presetSubtype="0" fill="hold" nodeType="withEffect">
-                                  <p:stCondLst>
-                                    <p:cond delay="0"/>
-                                  </p:stCondLst>
-                                  <p:childTnLst>
-                                    <p:set>
-                                      <p:cBhvr>
-                                        <p:cTn id="14" dur="1" fill="hold">
-                                          <p:stCondLst>
-                                            <p:cond delay="0"/>
-                                          </p:stCondLst>
-                                        </p:cTn>
-                                        <p:tgtEl>
-                                          <p:spTgt spid="16"/>
-                                        </p:tgtEl>
-                                        <p:attrNameLst>
-                                          <p:attrName>style.visibility</p:attrName>
-                                        </p:attrNameLst>
-                                      </p:cBhvr>
-                                      <p:to>
-                                        <p:strVal val="visible"/>
-                                      </p:to>
-                                    </p:set>
-                                    <p:animEffect transition="in" filter="fade">
-                                      <p:cBhvr>
-                                        <p:cTn id="15" dur="500"/>
-                                        <p:tgtEl>
-                                          <p:spTgt spid="16"/>
-                                        </p:tgtEl>
-                                      </p:cBhvr>
-                                    </p:animEffect>
-                                  </p:childTnLst>
-                                </p:cTn>
-                              </p:par>
-                              <p:par>
-                                <p:cTn id="16" presetID="10" presetClass="entr" presetSubtype="0" fill="hold" grpId="0" nodeType="withEffect">
-                                  <p:stCondLst>
-                                    <p:cond delay="0"/>
-                                  </p:stCondLst>
-                                  <p:childTnLst>
-                                    <p:set>
-                                      <p:cBhvr>
-                                        <p:cTn id="17" dur="1" fill="hold">
-                                          <p:stCondLst>
-                                            <p:cond delay="0"/>
-                                          </p:stCondLst>
-                                        </p:cTn>
-                                        <p:tgtEl>
-                                          <p:spTgt spid="18"/>
-                                        </p:tgtEl>
-                                        <p:attrNameLst>
-                                          <p:attrName>style.visibility</p:attrName>
-                                        </p:attrNameLst>
-                                      </p:cBhvr>
-                                      <p:to>
-                                        <p:strVal val="visible"/>
-                                      </p:to>
-                                    </p:set>
-                                    <p:animEffect transition="in" filter="fade">
-                                      <p:cBhvr>
-                                        <p:cTn id="18" dur="500"/>
-                                        <p:tgtEl>
-                                          <p:spTgt spid="18"/>
-                                        </p:tgtEl>
-                                      </p:cBhvr>
-                                    </p:animEffect>
-                                  </p:childTnLst>
-                                </p:cTn>
-                              </p:par>
-                            </p:childTnLst>
-                          </p:cTn>
-                        </p:par>
-                      </p:childTnLst>
-                    </p:cTn>
-                  </p:par>
-                  <p:par>
-                    <p:cTn id="19" fill="hold" nodeType="clickPar">
-                      <p:stCondLst>
-                        <p:cond delay="indefinite"/>
-                      </p:stCondLst>
-                      <p:childTnLst>
-                        <p:par>
-                          <p:cTn id="20" fill="hold" nodeType="withGroup">
-                            <p:stCondLst>
-                              <p:cond delay="0"/>
-                            </p:stCondLst>
-                            <p:childTnLst>
-                              <p:par>
-                                <p:cTn id="21" presetID="10" presetClass="entr" presetSubtype="0" fill="hold" grpId="0" nodeType="clickEffect">
-                                  <p:stCondLst>
-                                    <p:cond delay="0"/>
-                                  </p:stCondLst>
-                                  <p:childTnLst>
-                                    <p:set>
-                                      <p:cBhvr>
-                                        <p:cTn id="22" dur="1" fill="hold">
-                                          <p:stCondLst>
-                                            <p:cond delay="0"/>
-                                          </p:stCondLst>
-                                        </p:cTn>
-                                        <p:tgtEl>
-                                          <p:spTgt spid="10"/>
-                                        </p:tgtEl>
-                                        <p:attrNameLst>
-                                          <p:attrName>style.visibility</p:attrName>
-                                        </p:attrNameLst>
-                                      </p:cBhvr>
-                                      <p:to>
-                                        <p:strVal val="visible"/>
-                                      </p:to>
-                                    </p:set>
-                                    <p:animEffect transition="in" filter="fade">
-                                      <p:cBhvr>
-                                        <p:cTn id="23" dur="500"/>
-                                        <p:tgtEl>
-                                          <p:spTgt spid="10"/>
-                                        </p:tgtEl>
-                                      </p:cBhvr>
-                                    </p:animEffect>
-                                  </p:childTnLst>
-                                </p:cTn>
-                              </p:par>
-                              <p:par>
-                                <p:cTn id="24" presetID="10" presetClass="entr" presetSubtype="0" fill="hold" nodeType="withEffect">
-                                  <p:stCondLst>
-                                    <p:cond delay="0"/>
-                                  </p:stCondLst>
-                                  <p:childTnLst>
-                                    <p:set>
-                                      <p:cBhvr>
-                                        <p:cTn id="25" dur="1" fill="hold">
-                                          <p:stCondLst>
-                                            <p:cond delay="0"/>
-                                          </p:stCondLst>
-                                        </p:cTn>
-                                        <p:tgtEl>
-                                          <p:spTgt spid="15"/>
-                                        </p:tgtEl>
-                                        <p:attrNameLst>
-                                          <p:attrName>style.visibility</p:attrName>
-                                        </p:attrNameLst>
-                                      </p:cBhvr>
-                                      <p:to>
-                                        <p:strVal val="visible"/>
-                                      </p:to>
-                                    </p:set>
-                                    <p:animEffect transition="in" filter="fade">
-                                      <p:cBhvr>
-                                        <p:cTn id="26" dur="500"/>
-                                        <p:tgtEl>
-                                          <p:spTgt spid="15"/>
-                                        </p:tgtEl>
-                                      </p:cBhvr>
-                                    </p:animEffect>
-                                  </p:childTnLst>
-                                </p:cTn>
-                              </p:par>
-                              <p:par>
-                                <p:cTn id="27" presetID="10" presetClass="entr" presetSubtype="0" fill="hold" grpId="0" nodeType="withEffect">
-                                  <p:stCondLst>
-                                    <p:cond delay="0"/>
-                                  </p:stCondLst>
-                                  <p:childTnLst>
-                                    <p:set>
-                                      <p:cBhvr>
-                                        <p:cTn id="28" dur="1" fill="hold">
-                                          <p:stCondLst>
-                                            <p:cond delay="0"/>
-                                          </p:stCondLst>
-                                        </p:cTn>
-                                        <p:tgtEl>
-                                          <p:spTgt spid="17"/>
-                                        </p:tgtEl>
-                                        <p:attrNameLst>
-                                          <p:attrName>style.visibility</p:attrName>
-                                        </p:attrNameLst>
-                                      </p:cBhvr>
-                                      <p:to>
-                                        <p:strVal val="visible"/>
-                                      </p:to>
-                                    </p:set>
-                                    <p:animEffect transition="in" filter="fade">
-                                      <p:cBhvr>
-                                        <p:cTn id="29" dur="500"/>
-                                        <p:tgtEl>
-                                          <p:spTgt spid="17"/>
-                                        </p:tgtEl>
-                                      </p:cBhvr>
-                                    </p:animEffect>
-                                  </p:childTnLst>
-                                </p:cTn>
-                              </p:par>
-                            </p:childTnLst>
-                          </p:cTn>
-                        </p:par>
-                      </p:childTnLst>
-                    </p:cTn>
-                  </p:par>
-                  <p:par>
-                    <p:cTn id="30" fill="hold" nodeType="clickPar">
-                      <p:stCondLst>
-                        <p:cond delay="indefinite"/>
-                      </p:stCondLst>
-                      <p:childTnLst>
-                        <p:par>
-                          <p:cTn id="31" fill="hold" nodeType="withGroup">
-                            <p:stCondLst>
-                              <p:cond delay="0"/>
-                            </p:stCondLst>
-                            <p:childTnLst>
-                              <p:par>
-                                <p:cTn id="32" presetID="10" presetClass="entr" presetSubtype="0" fill="hold" grpId="0" nodeType="clickEffect">
-                                  <p:stCondLst>
-                                    <p:cond delay="0"/>
-                                  </p:stCondLst>
-                                  <p:childTnLst>
-                                    <p:set>
-                                      <p:cBhvr>
-                                        <p:cTn id="33" dur="1" fill="hold">
-                                          <p:stCondLst>
-                                            <p:cond delay="0"/>
-                                          </p:stCondLst>
-                                        </p:cTn>
-                                        <p:tgtEl>
-                                          <p:spTgt spid="11"/>
-                                        </p:tgtEl>
-                                        <p:attrNameLst>
-                                          <p:attrName>style.visibility</p:attrName>
-                                        </p:attrNameLst>
-                                      </p:cBhvr>
-                                      <p:to>
-                                        <p:strVal val="visible"/>
-                                      </p:to>
-                                    </p:set>
-                                    <p:animEffect transition="in" filter="fade">
-                                      <p:cBhvr>
-                                        <p:cTn id="34" dur="500"/>
-                                        <p:tgtEl>
-                                          <p:spTgt spid="11"/>
-                                        </p:tgtEl>
-                                      </p:cBhvr>
-                                    </p:animEffect>
-                                  </p:childTnLst>
-                                </p:cTn>
-                              </p:par>
-                              <p:par>
-                                <p:cTn id="35" presetID="10" presetClass="entr" presetSubtype="0" fill="hold" nodeType="withEffect">
-                                  <p:stCondLst>
-                                    <p:cond delay="0"/>
-                                  </p:stCondLst>
-                                  <p:childTnLst>
-                                    <p:set>
-                                      <p:cBhvr>
-                                        <p:cTn id="36" dur="1" fill="hold">
-                                          <p:stCondLst>
-                                            <p:cond delay="0"/>
-                                          </p:stCondLst>
-                                        </p:cTn>
-                                        <p:tgtEl>
-                                          <p:spTgt spid="14"/>
-                                        </p:tgtEl>
-                                        <p:attrNameLst>
-                                          <p:attrName>style.visibility</p:attrName>
-                                        </p:attrNameLst>
-                                      </p:cBhvr>
-                                      <p:to>
-                                        <p:strVal val="visible"/>
-                                      </p:to>
-                                    </p:set>
-                                    <p:animEffect transition="in" filter="fade">
-                                      <p:cBhvr>
-                                        <p:cTn id="37" dur="500"/>
-                                        <p:tgtEl>
-                                          <p:spTgt spid="14"/>
-                                        </p:tgtEl>
-                                      </p:cBhvr>
-                                    </p:animEffect>
-                                  </p:childTnLst>
-                                </p:cTn>
-                              </p:par>
-                              <p:par>
-                                <p:cTn id="38" presetID="10" presetClass="entr" presetSubtype="0" fill="hold" grpId="0" nodeType="withEffect">
-                                  <p:stCondLst>
-                                    <p:cond delay="0"/>
-                                  </p:stCondLst>
-                                  <p:childTnLst>
-                                    <p:set>
-                                      <p:cBhvr>
-                                        <p:cTn id="39" dur="1" fill="hold">
-                                          <p:stCondLst>
-                                            <p:cond delay="0"/>
-                                          </p:stCondLst>
-                                        </p:cTn>
-                                        <p:tgtEl>
-                                          <p:spTgt spid="19"/>
-                                        </p:tgtEl>
-                                        <p:attrNameLst>
-                                          <p:attrName>style.visibility</p:attrName>
-                                        </p:attrNameLst>
-                                      </p:cBhvr>
-                                      <p:to>
-                                        <p:strVal val="visible"/>
-                                      </p:to>
-                                    </p:set>
-                                    <p:animEffect transition="in" filter="fade">
-                                      <p:cBhvr>
-                                        <p:cTn id="40" dur="500"/>
-                                        <p:tgtEl>
-                                          <p:spTgt spid="19"/>
-                                        </p:tgtEl>
-                                      </p:cBhvr>
-                                    </p:animEffect>
-                                  </p:childTnLst>
-                                </p:cTn>
-                              </p:par>
-                            </p:childTnLst>
-                          </p:cTn>
-                        </p:par>
-                      </p:childTnLst>
-                    </p:cTn>
-                  </p:par>
-                  <p:par>
-                    <p:cTn id="41" fill="hold" nodeType="clickPar">
-                      <p:stCondLst>
-                        <p:cond delay="indefinite"/>
-                      </p:stCondLst>
-                      <p:childTnLst>
-                        <p:par>
-                          <p:cTn id="42" fill="hold" nodeType="withGroup">
-                            <p:stCondLst>
-                              <p:cond delay="0"/>
-                            </p:stCondLst>
-                            <p:childTnLst>
-                              <p:par>
-                                <p:cTn id="43" presetID="10" presetClass="entr" presetSubtype="0" fill="hold" grpId="0" nodeType="clickEffect">
-                                  <p:stCondLst>
-                                    <p:cond delay="0"/>
-                                  </p:stCondLst>
-                                  <p:childTnLst>
-                                    <p:set>
-                                      <p:cBhvr>
-                                        <p:cTn id="44" dur="1" fill="hold">
-                                          <p:stCondLst>
-                                            <p:cond delay="0"/>
-                                          </p:stCondLst>
-                                        </p:cTn>
-                                        <p:tgtEl>
-                                          <p:spTgt spid="8"/>
-                                        </p:tgtEl>
-                                        <p:attrNameLst>
-                                          <p:attrName>style.visibility</p:attrName>
-                                        </p:attrNameLst>
-                                      </p:cBhvr>
-                                      <p:to>
-                                        <p:strVal val="visible"/>
-                                      </p:to>
-                                    </p:set>
-                                    <p:animEffect transition="in" filter="fade">
-                                      <p:cBhvr>
-                                        <p:cTn id="45" dur="500"/>
-                                        <p:tgtEl>
-                                          <p:spTgt spid="8"/>
-                                        </p:tgtEl>
-                                      </p:cBhvr>
-                                    </p:animEffect>
-                                  </p:childTnLst>
-                                </p:cTn>
-                              </p:par>
-                              <p:par>
-                                <p:cTn id="46" presetID="10" presetClass="entr" presetSubtype="0" fill="hold" nodeType="withEffect">
-                                  <p:stCondLst>
-                                    <p:cond delay="0"/>
-                                  </p:stCondLst>
-                                  <p:childTnLst>
-                                    <p:set>
-                                      <p:cBhvr>
-                                        <p:cTn id="47" dur="1" fill="hold">
-                                          <p:stCondLst>
-                                            <p:cond delay="0"/>
-                                          </p:stCondLst>
-                                        </p:cTn>
-                                        <p:tgtEl>
-                                          <p:spTgt spid="13"/>
-                                        </p:tgtEl>
-                                        <p:attrNameLst>
-                                          <p:attrName>style.visibility</p:attrName>
-                                        </p:attrNameLst>
-                                      </p:cBhvr>
-                                      <p:to>
-                                        <p:strVal val="visible"/>
-                                      </p:to>
-                                    </p:set>
-                                    <p:animEffect transition="in" filter="fade">
-                                      <p:cBhvr>
-                                        <p:cTn id="48" dur="500"/>
-                                        <p:tgtEl>
-                                          <p:spTgt spid="13"/>
-                                        </p:tgtEl>
-                                      </p:cBhvr>
-                                    </p:animEffect>
-                                  </p:childTnLst>
-                                </p:cTn>
-                              </p:par>
-                              <p:par>
-                                <p:cTn id="49" presetID="10" presetClass="entr" presetSubtype="0" fill="hold" grpId="0" nodeType="withEffect">
-                                  <p:stCondLst>
-                                    <p:cond delay="0"/>
-                                  </p:stCondLst>
-                                  <p:childTnLst>
-                                    <p:set>
-                                      <p:cBhvr>
-                                        <p:cTn id="50" dur="1" fill="hold">
-                                          <p:stCondLst>
-                                            <p:cond delay="0"/>
-                                          </p:stCondLst>
-                                        </p:cTn>
-                                        <p:tgtEl>
-                                          <p:spTgt spid="21"/>
-                                        </p:tgtEl>
-                                        <p:attrNameLst>
-                                          <p:attrName>style.visibility</p:attrName>
-                                        </p:attrNameLst>
-                                      </p:cBhvr>
-                                      <p:to>
-                                        <p:strVal val="visible"/>
-                                      </p:to>
-                                    </p:set>
-                                    <p:animEffect transition="in" filter="fade">
-                                      <p:cBhvr>
-                                        <p:cTn id="51" dur="500"/>
-                                        <p:tgtEl>
-                                          <p:spTgt spid="21"/>
-                                        </p:tgtEl>
-                                      </p:cBhvr>
-                                    </p:animEffect>
-                                  </p:childTnLst>
-                                </p:cTn>
-                              </p:par>
-                            </p:childTnLst>
-                          </p:cTn>
-                        </p:par>
-                      </p:childTnLst>
-                    </p:cTn>
-                  </p:par>
-                  <p:par>
-                    <p:cTn id="52" fill="hold" nodeType="clickPar">
-                      <p:stCondLst>
-                        <p:cond delay="indefinite"/>
-                      </p:stCondLst>
-                      <p:childTnLst>
-                        <p:par>
-                          <p:cTn id="53" fill="hold" nodeType="withGroup">
-                            <p:stCondLst>
-                              <p:cond delay="0"/>
-                            </p:stCondLst>
-                            <p:childTnLst>
-                              <p:par>
-                                <p:cTn id="54" presetID="10" presetClass="entr" presetSubtype="0" fill="hold" grpId="0" nodeType="clickEffect">
-                                  <p:stCondLst>
-                                    <p:cond delay="0"/>
-                                  </p:stCondLst>
-                                  <p:childTnLst>
-                                    <p:set>
-                                      <p:cBhvr>
-                                        <p:cTn id="55" dur="1" fill="hold">
-                                          <p:stCondLst>
-                                            <p:cond delay="0"/>
-                                          </p:stCondLst>
-                                        </p:cTn>
-                                        <p:tgtEl>
-                                          <p:spTgt spid="7"/>
-                                        </p:tgtEl>
-                                        <p:attrNameLst>
-                                          <p:attrName>style.visibility</p:attrName>
-                                        </p:attrNameLst>
-                                      </p:cBhvr>
-                                      <p:to>
-                                        <p:strVal val="visible"/>
-                                      </p:to>
-                                    </p:set>
-                                    <p:animEffect transition="in" filter="fade">
-                                      <p:cBhvr>
-                                        <p:cTn id="56" dur="500"/>
-                                        <p:tgtEl>
-                                          <p:spTgt spid="7"/>
-                                        </p:tgtEl>
-                                      </p:cBhvr>
-                                    </p:animEffect>
-                                  </p:childTnLst>
-                                </p:cTn>
-                              </p:par>
-                              <p:par>
-                                <p:cTn id="57" presetID="10" presetClass="entr" presetSubtype="0" fill="hold" nodeType="withEffect">
-                                  <p:stCondLst>
-                                    <p:cond delay="0"/>
-                                  </p:stCondLst>
-                                  <p:childTnLst>
-                                    <p:set>
-                                      <p:cBhvr>
-                                        <p:cTn id="58" dur="1" fill="hold">
-                                          <p:stCondLst>
-                                            <p:cond delay="0"/>
-                                          </p:stCondLst>
-                                        </p:cTn>
-                                        <p:tgtEl>
-                                          <p:spTgt spid="12"/>
-                                        </p:tgtEl>
-                                        <p:attrNameLst>
-                                          <p:attrName>style.visibility</p:attrName>
-                                        </p:attrNameLst>
-                                      </p:cBhvr>
-                                      <p:to>
-                                        <p:strVal val="visible"/>
-                                      </p:to>
-                                    </p:set>
-                                    <p:animEffect transition="in" filter="fade">
-                                      <p:cBhvr>
-                                        <p:cTn id="59" dur="500"/>
-                                        <p:tgtEl>
-                                          <p:spTgt spid="12"/>
-                                        </p:tgtEl>
-                                      </p:cBhvr>
-                                    </p:animEffect>
-                                  </p:childTnLst>
-                                </p:cTn>
-                              </p:par>
-                              <p:par>
-                                <p:cTn id="60" presetID="10" presetClass="entr" presetSubtype="0" fill="hold" grpId="0" nodeType="withEffect">
-                                  <p:stCondLst>
-                                    <p:cond delay="0"/>
-                                  </p:stCondLst>
-                                  <p:childTnLst>
-                                    <p:set>
-                                      <p:cBhvr>
-                                        <p:cTn id="61" dur="1" fill="hold">
-                                          <p:stCondLst>
-                                            <p:cond delay="0"/>
-                                          </p:stCondLst>
-                                        </p:cTn>
-                                        <p:tgtEl>
-                                          <p:spTgt spid="20"/>
-                                        </p:tgtEl>
-                                        <p:attrNameLst>
-                                          <p:attrName>style.visibility</p:attrName>
-                                        </p:attrNameLst>
-                                      </p:cBhvr>
-                                      <p:to>
-                                        <p:strVal val="visible"/>
-                                      </p:to>
-                                    </p:set>
-                                    <p:animEffect transition="in" filter="fade">
-                                      <p:cBhvr>
-                                        <p:cTn id="62" dur="500"/>
-                                        <p:tgtEl>
-                                          <p:spTgt spid="20"/>
-                                        </p:tgtEl>
-                                      </p:cBhvr>
-                                    </p:animEffect>
-                                  </p:childTnLst>
-                                </p:cTn>
-                              </p:par>
-                            </p:childTnLst>
-                          </p:cTn>
-                        </p:par>
-                      </p:childTnLst>
-                    </p:cTn>
-                  </p:par>
-                </p:childTnLst>
-              </p:cTn>
-              <p:prevCondLst>
-                <p:cond evt="onPrev" delay="0">
-                  <p:tgtEl>
-                    <p:sldTgt/>
-                  </p:tgtEl>
-                </p:cond>
-              </p:prevCondLst>
-              <p:nextCondLst>
-                <p:cond evt="onNext" delay="0">
-                  <p:tgtEl>
-                    <p:sldTgt/>
-                  </p:tgtEl>
-                </p:cond>
-              </p:nextCondLst>
-            </p:seq>
-          </p:childTnLst>
-        </p:cTn>
-      </p:par>
-    </p:tnLst>
-    <p:bldLst>
-      <p:bldP spid="7" grpId="0" animBg="1"/>
-      <p:bldP spid="8" grpId="0" animBg="1"/>
-      <p:bldP spid="9" grpId="0" animBg="1"/>
-      <p:bldP spid="10" grpId="0" animBg="1"/>
-      <p:bldP spid="11" grpId="0" animBg="1"/>
-      <p:bldP spid="17" grpId="0"/>
-      <p:bldP spid="18" grpId="0"/>
-      <p:bldP spid="19" grpId="0"/>
-      <p:bldP spid="20" grpId="0"/>
-      <p:bldP spid="21" grpId="0"/>
-    </p:bldLst>
-  </p:timing>
-</p:sld>
-</file>
-
-<file path=ppt/slides/slide9.xml><?xml version="1.0" encoding="utf-8"?>
-<p:sld xmlns:a="http://schemas.openxmlformats.org/drawingml/2006/main" xmlns:r="http://schemas.openxmlformats.org/officeDocument/2006/relationships" xmlns:p="http://schemas.openxmlformats.org/presentationml/2006/main">
-  <p:cSld>
-    <p:spTree>
-      <p:nvGrpSpPr>
-        <p:cNvPr id="1" name=""/>
-        <p:cNvGrpSpPr/>
-        <p:nvPr/>
-      </p:nvGrpSpPr>
-      <p:grpSpPr>
-        <a:xfrm>
-          <a:off x="0" y="0"/>
-          <a:ext cx="0" cy="0"/>
-          <a:chOff x="0" y="0"/>
-          <a:chExt cx="0" cy="0"/>
-        </a:xfrm>
-      </p:grpSpPr>
-      <p:sp>
-        <p:nvSpPr>
-          <p:cNvPr id="27650" name="竖排标题 1"/>
-          <p:cNvSpPr>
-            <a:spLocks noGrp="1"/>
-          </p:cNvSpPr>
-          <p:nvPr>
-            <p:ph type="title" orient="vert"/>
-          </p:nvPr>
-        </p:nvSpPr>
-        <p:spPr/>
-        <p:txBody>
-          <a:bodyPr/>
-          <a:lstStyle/>
-          <a:p>
-            <a:endParaRPr lang="en-US" altLang="en-US" smtClean="0"/>
-          </a:p>
-        </p:txBody>
-      </p:sp>
-      <p:pic>
-        <p:nvPicPr>
-          <p:cNvPr id="27651" name="内容占位符 3"/>
-          <p:cNvPicPr>
-            <a:picLocks noChangeAspect="1"/>
-          </p:cNvPicPr>
-          <p:nvPr/>
-        </p:nvPicPr>
-        <p:blipFill>
-          <a:blip r:embed="rId2">
-            <a:extLst>
-              <a:ext uri="{28A0092B-C50C-407E-A947-70E740481C1C}">
-                <a14:useLocalDpi xmlns:a14="http://schemas.microsoft.com/office/drawing/2010/main" val="0"/>
-              </a:ext>
-            </a:extLst>
-          </a:blip>
-          <a:srcRect/>
-          <a:stretch>
-            <a:fillRect/>
-          </a:stretch>
-        </p:blipFill>
-        <p:spPr bwMode="auto">
-          <a:xfrm>
-            <a:off x="0" y="0"/>
-            <a:ext cx="9063038" cy="6840538"/>
-          </a:xfrm>
-          <a:prstGeom prst="rect">
-            <a:avLst/>
-          </a:prstGeom>
-          <a:noFill/>
-          <a:ln>
-            <a:noFill/>
-          </a:ln>
-          <a:extLst>
-            <a:ext uri="{909E8E84-426E-40DD-AFC4-6F175D3DCCD1}">
-              <a14:hiddenFill xmlns:a14="http://schemas.microsoft.com/office/drawing/2010/main">
-                <a:solidFill>
-                  <a:srgbClr val="FFFFFF"/>
-                </a:solidFill>
-              </a14:hiddenFill>
-            </a:ext>
-            <a:ext uri="{91240B29-F687-4F45-9708-019B960494DF}">
-              <a14:hiddenLine xmlns:a14="http://schemas.microsoft.com/office/drawing/2010/main" w="9525">
-                <a:solidFill>
-                  <a:srgbClr val="000000"/>
-                </a:solidFill>
-                <a:miter lim="800000"/>
-                <a:headEnd/>
-                <a:tailEnd/>
-              </a14:hiddenLine>
-            </a:ext>
-          </a:extLst>
-        </p:spPr>
-      </p:pic>
-    </p:spTree>
-  </p:cSld>
-  <p:clrMapOvr>
-    <a:masterClrMapping/>
-  </p:clrMapOvr>
-  <p:timing>
-    <p:tnLst>
-      <p:par>
-        <p:cTn id="1" dur="indefinite" restart="never" nodeType="tmRoot"/>
-      </p:par>
-    </p:tnLst>
   </p:timing>
 </p:sld>
 </file>
